--- a/Crowd Count.pptx
+++ b/Crowd Count.pptx
@@ -5,7 +5,7 @@
     <p:sldMasterId id="2147483660" r:id="rId1"/>
   </p:sldMasterIdLst>
   <p:notesMasterIdLst>
-    <p:notesMasterId r:id="rId23"/>
+    <p:notesMasterId r:id="rId28"/>
   </p:notesMasterIdLst>
   <p:sldIdLst>
     <p:sldId id="256" r:id="rId2"/>
@@ -22,13 +22,18 @@
     <p:sldId id="267" r:id="rId13"/>
     <p:sldId id="268" r:id="rId14"/>
     <p:sldId id="269" r:id="rId15"/>
-    <p:sldId id="270" r:id="rId16"/>
-    <p:sldId id="271" r:id="rId17"/>
-    <p:sldId id="272" r:id="rId18"/>
-    <p:sldId id="273" r:id="rId19"/>
-    <p:sldId id="274" r:id="rId20"/>
-    <p:sldId id="275" r:id="rId21"/>
-    <p:sldId id="276" r:id="rId22"/>
+    <p:sldId id="278" r:id="rId16"/>
+    <p:sldId id="279" r:id="rId17"/>
+    <p:sldId id="270" r:id="rId18"/>
+    <p:sldId id="271" r:id="rId19"/>
+    <p:sldId id="272" r:id="rId20"/>
+    <p:sldId id="273" r:id="rId21"/>
+    <p:sldId id="274" r:id="rId22"/>
+    <p:sldId id="275" r:id="rId23"/>
+    <p:sldId id="276" r:id="rId24"/>
+    <p:sldId id="277" r:id="rId25"/>
+    <p:sldId id="280" r:id="rId26"/>
+    <p:sldId id="281" r:id="rId27"/>
   </p:sldIdLst>
   <p:sldSz cx="12192000" cy="6858000"/>
   <p:notesSz cx="6858000" cy="9144000"/>
@@ -138,7 +143,7 @@
 <file path=ppt/revisionInfo.xml><?xml version="1.0" encoding="utf-8"?>
 <p1510:revInfo xmlns:a="http://schemas.openxmlformats.org/drawingml/2006/main" xmlns:r="http://schemas.openxmlformats.org/officeDocument/2006/relationships" xmlns:p1510="http://schemas.microsoft.com/office/powerpoint/2015/10/main">
   <p1510:revLst>
-    <p1510:client id="{0DBA14E7-686A-4968-9A21-51D3FAA03437}" v="255" dt="2025-11-10T10:26:01.545"/>
+    <p1510:client id="{0DBA14E7-686A-4968-9A21-51D3FAA03437}" v="281" dt="2025-11-11T10:09:06.119"/>
   </p1510:revLst>
 </p1510:revInfo>
 </file>
@@ -148,16 +153,48 @@
   <pc:docChgLst>
     <pc:chgData name="shanmuk sai srinivas" userId="c1b44e370da95be1" providerId="LiveId" clId="{9F8E2EC8-786B-4FEC-A1F4-D78D3F2A3CF2}"/>
     <pc:docChg chg="undo custSel addSld delSld modSld">
-      <pc:chgData name="shanmuk sai srinivas" userId="c1b44e370da95be1" providerId="LiveId" clId="{9F8E2EC8-786B-4FEC-A1F4-D78D3F2A3CF2}" dt="2025-11-10T10:27:51.606" v="2475" actId="255"/>
+      <pc:chgData name="shanmuk sai srinivas" userId="c1b44e370da95be1" providerId="LiveId" clId="{9F8E2EC8-786B-4FEC-A1F4-D78D3F2A3CF2}" dt="2025-11-11T15:15:49.493" v="2938" actId="20577"/>
       <pc:docMkLst>
         <pc:docMk/>
       </pc:docMkLst>
-      <pc:sldChg chg="addSp modSp mod">
-        <pc:chgData name="shanmuk sai srinivas" userId="c1b44e370da95be1" providerId="LiveId" clId="{9F8E2EC8-786B-4FEC-A1F4-D78D3F2A3CF2}" dt="2025-11-09T08:03:59.842" v="10" actId="1076"/>
+      <pc:sldChg chg="addSp delSp modSp mod">
+        <pc:chgData name="shanmuk sai srinivas" userId="c1b44e370da95be1" providerId="LiveId" clId="{9F8E2EC8-786B-4FEC-A1F4-D78D3F2A3CF2}" dt="2025-11-11T15:15:49.493" v="2938" actId="20577"/>
         <pc:sldMkLst>
           <pc:docMk/>
           <pc:sldMk cId="1688948147" sldId="256"/>
         </pc:sldMkLst>
+        <pc:spChg chg="del mod">
+          <ac:chgData name="shanmuk sai srinivas" userId="c1b44e370da95be1" providerId="LiveId" clId="{9F8E2EC8-786B-4FEC-A1F4-D78D3F2A3CF2}" dt="2025-11-11T09:56:11.437" v="2733" actId="478"/>
+          <ac:spMkLst>
+            <pc:docMk/>
+            <pc:sldMk cId="1688948147" sldId="256"/>
+            <ac:spMk id="3" creationId="{39AB41D3-F2B8-B652-34D7-31CE44A228F6}"/>
+          </ac:spMkLst>
+        </pc:spChg>
+        <pc:spChg chg="add del mod">
+          <ac:chgData name="shanmuk sai srinivas" userId="c1b44e370da95be1" providerId="LiveId" clId="{9F8E2EC8-786B-4FEC-A1F4-D78D3F2A3CF2}" dt="2025-11-11T09:59:01.431" v="2823" actId="478"/>
+          <ac:spMkLst>
+            <pc:docMk/>
+            <pc:sldMk cId="1688948147" sldId="256"/>
+            <ac:spMk id="4" creationId="{A98C5681-13AA-90EE-A45F-30531F08BDD8}"/>
+          </ac:spMkLst>
+        </pc:spChg>
+        <pc:spChg chg="add mod">
+          <ac:chgData name="shanmuk sai srinivas" userId="c1b44e370da95be1" providerId="LiveId" clId="{9F8E2EC8-786B-4FEC-A1F4-D78D3F2A3CF2}" dt="2025-11-11T15:15:49.493" v="2938" actId="20577"/>
+          <ac:spMkLst>
+            <pc:docMk/>
+            <pc:sldMk cId="1688948147" sldId="256"/>
+            <ac:spMk id="6" creationId="{E8566418-233A-7BE4-7CB1-BB52F633FCED}"/>
+          </ac:spMkLst>
+        </pc:spChg>
+        <pc:spChg chg="add mod">
+          <ac:chgData name="shanmuk sai srinivas" userId="c1b44e370da95be1" providerId="LiveId" clId="{9F8E2EC8-786B-4FEC-A1F4-D78D3F2A3CF2}" dt="2025-11-11T10:01:41.496" v="2848" actId="1076"/>
+          <ac:spMkLst>
+            <pc:docMk/>
+            <pc:sldMk cId="1688948147" sldId="256"/>
+            <ac:spMk id="8" creationId="{9CB924F7-3B5A-430F-2F4F-353FB3C6821F}"/>
+          </ac:spMkLst>
+        </pc:spChg>
         <pc:picChg chg="add mod">
           <ac:chgData name="shanmuk sai srinivas" userId="c1b44e370da95be1" providerId="LiveId" clId="{9F8E2EC8-786B-4FEC-A1F4-D78D3F2A3CF2}" dt="2025-11-09T08:03:59.842" v="10" actId="1076"/>
           <ac:picMkLst>
@@ -166,6 +203,22 @@
             <ac:picMk id="5" creationId="{F3F8D045-27F0-A95B-BCCC-F0B2F1B47204}"/>
           </ac:picMkLst>
         </pc:picChg>
+        <pc:cxnChg chg="add">
+          <ac:chgData name="shanmuk sai srinivas" userId="c1b44e370da95be1" providerId="LiveId" clId="{9F8E2EC8-786B-4FEC-A1F4-D78D3F2A3CF2}" dt="2025-11-11T10:02:01.836" v="2851" actId="11529"/>
+          <ac:cxnSpMkLst>
+            <pc:docMk/>
+            <pc:sldMk cId="1688948147" sldId="256"/>
+            <ac:cxnSpMk id="10" creationId="{91A41918-86FA-EEC9-4827-CABC61F6F426}"/>
+          </ac:cxnSpMkLst>
+        </pc:cxnChg>
+        <pc:cxnChg chg="add mod">
+          <ac:chgData name="shanmuk sai srinivas" userId="c1b44e370da95be1" providerId="LiveId" clId="{9F8E2EC8-786B-4FEC-A1F4-D78D3F2A3CF2}" dt="2025-11-11T10:02:29.704" v="2855" actId="1076"/>
+          <ac:cxnSpMkLst>
+            <pc:docMk/>
+            <pc:sldMk cId="1688948147" sldId="256"/>
+            <ac:cxnSpMk id="12" creationId="{BB8A0244-741F-E8AE-6DB4-16268D337AE4}"/>
+          </ac:cxnSpMkLst>
+        </pc:cxnChg>
       </pc:sldChg>
       <pc:sldChg chg="modSp mod">
         <pc:chgData name="shanmuk sai srinivas" userId="c1b44e370da95be1" providerId="LiveId" clId="{9F8E2EC8-786B-4FEC-A1F4-D78D3F2A3CF2}" dt="2025-11-09T08:23:13.538" v="36"/>
@@ -212,60 +265,12 @@
             <ac:spMk id="3" creationId="{A36DE748-5D0D-D518-3017-9D078C8A110D}"/>
           </ac:spMkLst>
         </pc:spChg>
-        <pc:spChg chg="add del mod">
-          <ac:chgData name="shanmuk sai srinivas" userId="c1b44e370da95be1" providerId="LiveId" clId="{9F8E2EC8-786B-4FEC-A1F4-D78D3F2A3CF2}" dt="2025-11-09T09:24:02.627" v="716"/>
-          <ac:spMkLst>
-            <pc:docMk/>
-            <pc:sldMk cId="3753706779" sldId="258"/>
-            <ac:spMk id="9" creationId="{6E6F75D9-5A01-D82C-333D-6179E3060674}"/>
-          </ac:spMkLst>
-        </pc:spChg>
-        <pc:spChg chg="add del mod">
-          <ac:chgData name="shanmuk sai srinivas" userId="c1b44e370da95be1" providerId="LiveId" clId="{9F8E2EC8-786B-4FEC-A1F4-D78D3F2A3CF2}" dt="2025-11-09T09:25:50.378" v="736" actId="478"/>
-          <ac:spMkLst>
-            <pc:docMk/>
-            <pc:sldMk cId="3753706779" sldId="258"/>
-            <ac:spMk id="12" creationId="{74F89F77-946E-CDA2-3AC5-C74A2C3F1538}"/>
-          </ac:spMkLst>
-        </pc:spChg>
-        <pc:graphicFrameChg chg="add del mod modGraphic">
-          <ac:chgData name="shanmuk sai srinivas" userId="c1b44e370da95be1" providerId="LiveId" clId="{9F8E2EC8-786B-4FEC-A1F4-D78D3F2A3CF2}" dt="2025-11-09T09:00:33.043" v="685" actId="478"/>
-          <ac:graphicFrameMkLst>
-            <pc:docMk/>
-            <pc:sldMk cId="3753706779" sldId="258"/>
-            <ac:graphicFrameMk id="4" creationId="{0CC82E2C-842E-C225-2B66-845DF6F09512}"/>
-          </ac:graphicFrameMkLst>
-        </pc:graphicFrameChg>
-        <pc:graphicFrameChg chg="add del mod modGraphic">
-          <ac:chgData name="shanmuk sai srinivas" userId="c1b44e370da95be1" providerId="LiveId" clId="{9F8E2EC8-786B-4FEC-A1F4-D78D3F2A3CF2}" dt="2025-11-09T09:20:58.969" v="692" actId="478"/>
-          <ac:graphicFrameMkLst>
-            <pc:docMk/>
-            <pc:sldMk cId="3753706779" sldId="258"/>
-            <ac:graphicFrameMk id="5" creationId="{D577A506-958F-B65C-685A-983E5EBFC91D}"/>
-          </ac:graphicFrameMkLst>
-        </pc:graphicFrameChg>
         <pc:graphicFrameChg chg="add mod modGraphic">
           <ac:chgData name="shanmuk sai srinivas" userId="c1b44e370da95be1" providerId="LiveId" clId="{9F8E2EC8-786B-4FEC-A1F4-D78D3F2A3CF2}" dt="2025-11-09T09:26:44.600" v="742" actId="1076"/>
           <ac:graphicFrameMkLst>
             <pc:docMk/>
             <pc:sldMk cId="3753706779" sldId="258"/>
             <ac:graphicFrameMk id="6" creationId="{A8BB6A5A-F23F-5DA1-5F01-6B93D148080D}"/>
-          </ac:graphicFrameMkLst>
-        </pc:graphicFrameChg>
-        <pc:graphicFrameChg chg="add del">
-          <ac:chgData name="shanmuk sai srinivas" userId="c1b44e370da95be1" providerId="LiveId" clId="{9F8E2EC8-786B-4FEC-A1F4-D78D3F2A3CF2}" dt="2025-11-09T09:22:50.926" v="698" actId="478"/>
-          <ac:graphicFrameMkLst>
-            <pc:docMk/>
-            <pc:sldMk cId="3753706779" sldId="258"/>
-            <ac:graphicFrameMk id="7" creationId="{4765E914-8304-1102-ABE8-77AC77F64BBA}"/>
-          </ac:graphicFrameMkLst>
-        </pc:graphicFrameChg>
-        <pc:graphicFrameChg chg="add del mod modGraphic">
-          <ac:chgData name="shanmuk sai srinivas" userId="c1b44e370da95be1" providerId="LiveId" clId="{9F8E2EC8-786B-4FEC-A1F4-D78D3F2A3CF2}" dt="2025-11-09T09:25:14.592" v="732" actId="478"/>
-          <ac:graphicFrameMkLst>
-            <pc:docMk/>
-            <pc:sldMk cId="3753706779" sldId="258"/>
-            <ac:graphicFrameMk id="10" creationId="{D03017EF-48CB-9B41-CC18-EACAFB5688CA}"/>
           </ac:graphicFrameMkLst>
         </pc:graphicFrameChg>
         <pc:graphicFrameChg chg="add mod modGraphic">
@@ -283,14 +288,6 @@
           <pc:docMk/>
           <pc:sldMk cId="251097109" sldId="259"/>
         </pc:sldMkLst>
-        <pc:spChg chg="add del mod">
-          <ac:chgData name="shanmuk sai srinivas" userId="c1b44e370da95be1" providerId="LiveId" clId="{9F8E2EC8-786B-4FEC-A1F4-D78D3F2A3CF2}" dt="2025-11-09T09:29:14.080" v="757"/>
-          <ac:spMkLst>
-            <pc:docMk/>
-            <pc:sldMk cId="251097109" sldId="259"/>
-            <ac:spMk id="2" creationId="{D778EC3F-161D-C61A-1AA0-8EA374B0B528}"/>
-          </ac:spMkLst>
-        </pc:spChg>
         <pc:graphicFrameChg chg="add mod modGraphic">
           <ac:chgData name="shanmuk sai srinivas" userId="c1b44e370da95be1" providerId="LiveId" clId="{9F8E2EC8-786B-4FEC-A1F4-D78D3F2A3CF2}" dt="2025-11-09T09:29:57.799" v="762" actId="14100"/>
           <ac:graphicFrameMkLst>
@@ -299,29 +296,6 @@
             <ac:graphicFrameMk id="3" creationId="{F5F2FA78-21FB-4D90-BB7C-618960284202}"/>
           </ac:graphicFrameMkLst>
         </pc:graphicFrameChg>
-      </pc:sldChg>
-      <pc:sldChg chg="modSp del mod">
-        <pc:chgData name="shanmuk sai srinivas" userId="c1b44e370da95be1" providerId="LiveId" clId="{9F8E2EC8-786B-4FEC-A1F4-D78D3F2A3CF2}" dt="2025-11-09T09:28:32.567" v="751" actId="47"/>
-        <pc:sldMkLst>
-          <pc:docMk/>
-          <pc:sldMk cId="2167418866" sldId="259"/>
-        </pc:sldMkLst>
-        <pc:spChg chg="mod">
-          <ac:chgData name="shanmuk sai srinivas" userId="c1b44e370da95be1" providerId="LiveId" clId="{9F8E2EC8-786B-4FEC-A1F4-D78D3F2A3CF2}" dt="2025-11-09T09:28:15.314" v="750" actId="27636"/>
-          <ac:spMkLst>
-            <pc:docMk/>
-            <pc:sldMk cId="2167418866" sldId="259"/>
-            <ac:spMk id="2" creationId="{C96CB454-F5EC-FED6-8F55-5547644368D6}"/>
-          </ac:spMkLst>
-        </pc:spChg>
-        <pc:spChg chg="mod">
-          <ac:chgData name="shanmuk sai srinivas" userId="c1b44e370da95be1" providerId="LiveId" clId="{9F8E2EC8-786B-4FEC-A1F4-D78D3F2A3CF2}" dt="2025-11-09T09:27:27.094" v="746" actId="27636"/>
-          <ac:spMkLst>
-            <pc:docMk/>
-            <pc:sldMk cId="2167418866" sldId="259"/>
-            <ac:spMk id="3" creationId="{41F331FA-9856-4B3E-3338-A501B2789E28}"/>
-          </ac:spMkLst>
-        </pc:spChg>
       </pc:sldChg>
       <pc:sldChg chg="addSp delSp modSp new mod">
         <pc:chgData name="shanmuk sai srinivas" userId="c1b44e370da95be1" providerId="LiveId" clId="{9F8E2EC8-786B-4FEC-A1F4-D78D3F2A3CF2}" dt="2025-11-09T09:48:18.981" v="955" actId="14100"/>
@@ -337,225 +311,12 @@
             <ac:spMk id="2" creationId="{65F09844-243C-F60B-EC65-AA40B1F04FC1}"/>
           </ac:spMkLst>
         </pc:spChg>
-        <pc:graphicFrameChg chg="add del mod modGraphic">
-          <ac:chgData name="shanmuk sai srinivas" userId="c1b44e370da95be1" providerId="LiveId" clId="{9F8E2EC8-786B-4FEC-A1F4-D78D3F2A3CF2}" dt="2025-11-09T09:41:18.521" v="923" actId="478"/>
-          <ac:graphicFrameMkLst>
-            <pc:docMk/>
-            <pc:sldMk cId="872676559" sldId="260"/>
-            <ac:graphicFrameMk id="3" creationId="{8822D8FE-9847-B5B6-B408-8D4C52B3A750}"/>
-          </ac:graphicFrameMkLst>
-        </pc:graphicFrameChg>
-        <pc:graphicFrameChg chg="add del mod modGraphic">
-          <ac:chgData name="shanmuk sai srinivas" userId="c1b44e370da95be1" providerId="LiveId" clId="{9F8E2EC8-786B-4FEC-A1F4-D78D3F2A3CF2}" dt="2025-11-09T09:43:05.338" v="935" actId="478"/>
-          <ac:graphicFrameMkLst>
-            <pc:docMk/>
-            <pc:sldMk cId="872676559" sldId="260"/>
-            <ac:graphicFrameMk id="4" creationId="{6F72A585-1927-EE78-C996-DA7AE72F5D56}"/>
-          </ac:graphicFrameMkLst>
-        </pc:graphicFrameChg>
         <pc:graphicFrameChg chg="add mod modGraphic">
           <ac:chgData name="shanmuk sai srinivas" userId="c1b44e370da95be1" providerId="LiveId" clId="{9F8E2EC8-786B-4FEC-A1F4-D78D3F2A3CF2}" dt="2025-11-09T09:48:18.981" v="955" actId="14100"/>
           <ac:graphicFrameMkLst>
             <pc:docMk/>
             <pc:sldMk cId="872676559" sldId="260"/>
             <ac:graphicFrameMk id="5" creationId="{4A0E4AB1-CC51-186D-9C0F-7C9799FD3621}"/>
-          </ac:graphicFrameMkLst>
-        </pc:graphicFrameChg>
-      </pc:sldChg>
-      <pc:sldChg chg="del">
-        <pc:chgData name="shanmuk sai srinivas" userId="c1b44e370da95be1" providerId="LiveId" clId="{9F8E2EC8-786B-4FEC-A1F4-D78D3F2A3CF2}" dt="2025-11-09T09:28:34.832" v="752" actId="47"/>
-        <pc:sldMkLst>
-          <pc:docMk/>
-          <pc:sldMk cId="1026787199" sldId="260"/>
-        </pc:sldMkLst>
-      </pc:sldChg>
-      <pc:sldChg chg="addSp delSp modSp new del mod">
-        <pc:chgData name="shanmuk sai srinivas" userId="c1b44e370da95be1" providerId="LiveId" clId="{9F8E2EC8-786B-4FEC-A1F4-D78D3F2A3CF2}" dt="2025-11-09T09:38:01.231" v="858" actId="47"/>
-        <pc:sldMkLst>
-          <pc:docMk/>
-          <pc:sldMk cId="2188953306" sldId="260"/>
-        </pc:sldMkLst>
-        <pc:spChg chg="add del mod">
-          <ac:chgData name="shanmuk sai srinivas" userId="c1b44e370da95be1" providerId="LiveId" clId="{9F8E2EC8-786B-4FEC-A1F4-D78D3F2A3CF2}" dt="2025-11-09T09:36:55.294" v="851"/>
-          <ac:spMkLst>
-            <pc:docMk/>
-            <pc:sldMk cId="2188953306" sldId="260"/>
-            <ac:spMk id="2" creationId="{873465C0-E688-5944-8B53-5161CEA724EA}"/>
-          </ac:spMkLst>
-        </pc:spChg>
-        <pc:spChg chg="add del mod">
-          <ac:chgData name="shanmuk sai srinivas" userId="c1b44e370da95be1" providerId="LiveId" clId="{9F8E2EC8-786B-4FEC-A1F4-D78D3F2A3CF2}" dt="2025-11-09T09:38:00.747" v="857"/>
-          <ac:spMkLst>
-            <pc:docMk/>
-            <pc:sldMk cId="2188953306" sldId="260"/>
-            <ac:spMk id="4" creationId="{B91575B4-A416-4A99-5365-08626A70A02F}"/>
-          </ac:spMkLst>
-        </pc:spChg>
-      </pc:sldChg>
-      <pc:sldChg chg="addSp modSp new del mod">
-        <pc:chgData name="shanmuk sai srinivas" userId="c1b44e370da95be1" providerId="LiveId" clId="{9F8E2EC8-786B-4FEC-A1F4-D78D3F2A3CF2}" dt="2025-11-09T09:34:40.036" v="808" actId="47"/>
-        <pc:sldMkLst>
-          <pc:docMk/>
-          <pc:sldMk cId="2817102285" sldId="260"/>
-        </pc:sldMkLst>
-        <pc:spChg chg="mod">
-          <ac:chgData name="shanmuk sai srinivas" userId="c1b44e370da95be1" providerId="LiveId" clId="{9F8E2EC8-786B-4FEC-A1F4-D78D3F2A3CF2}" dt="2025-11-09T09:34:35.331" v="807" actId="20577"/>
-          <ac:spMkLst>
-            <pc:docMk/>
-            <pc:sldMk cId="2817102285" sldId="260"/>
-            <ac:spMk id="2" creationId="{7782658D-1A81-A98B-D623-1C22E3990CD2}"/>
-          </ac:spMkLst>
-        </pc:spChg>
-        <pc:spChg chg="add mod">
-          <ac:chgData name="shanmuk sai srinivas" userId="c1b44e370da95be1" providerId="LiveId" clId="{9F8E2EC8-786B-4FEC-A1F4-D78D3F2A3CF2}" dt="2025-11-09T09:30:28.442" v="765"/>
-          <ac:spMkLst>
-            <pc:docMk/>
-            <pc:sldMk cId="2817102285" sldId="260"/>
-            <ac:spMk id="4" creationId="{4C3F412D-B7D3-D70E-4B87-9DCEA54518B7}"/>
-          </ac:spMkLst>
-        </pc:spChg>
-        <pc:spChg chg="add mod">
-          <ac:chgData name="shanmuk sai srinivas" userId="c1b44e370da95be1" providerId="LiveId" clId="{9F8E2EC8-786B-4FEC-A1F4-D78D3F2A3CF2}" dt="2025-11-09T09:30:28.442" v="765"/>
-          <ac:spMkLst>
-            <pc:docMk/>
-            <pc:sldMk cId="2817102285" sldId="260"/>
-            <ac:spMk id="5" creationId="{E92458FA-52E7-0370-0973-ACC2C8C143D7}"/>
-          </ac:spMkLst>
-        </pc:spChg>
-        <pc:spChg chg="add mod">
-          <ac:chgData name="shanmuk sai srinivas" userId="c1b44e370da95be1" providerId="LiveId" clId="{9F8E2EC8-786B-4FEC-A1F4-D78D3F2A3CF2}" dt="2025-11-09T09:30:28.442" v="765"/>
-          <ac:spMkLst>
-            <pc:docMk/>
-            <pc:sldMk cId="2817102285" sldId="260"/>
-            <ac:spMk id="6" creationId="{BA1B9EC2-7273-5BC2-F52A-2625EBA3867D}"/>
-          </ac:spMkLst>
-        </pc:spChg>
-        <pc:spChg chg="add mod">
-          <ac:chgData name="shanmuk sai srinivas" userId="c1b44e370da95be1" providerId="LiveId" clId="{9F8E2EC8-786B-4FEC-A1F4-D78D3F2A3CF2}" dt="2025-11-09T09:30:28.442" v="765"/>
-          <ac:spMkLst>
-            <pc:docMk/>
-            <pc:sldMk cId="2817102285" sldId="260"/>
-            <ac:spMk id="7" creationId="{F0C5EF64-67D1-E82D-A08E-84FCAD600FC1}"/>
-          </ac:spMkLst>
-        </pc:spChg>
-        <pc:spChg chg="add mod">
-          <ac:chgData name="shanmuk sai srinivas" userId="c1b44e370da95be1" providerId="LiveId" clId="{9F8E2EC8-786B-4FEC-A1F4-D78D3F2A3CF2}" dt="2025-11-09T09:30:28.442" v="765"/>
-          <ac:spMkLst>
-            <pc:docMk/>
-            <pc:sldMk cId="2817102285" sldId="260"/>
-            <ac:spMk id="8" creationId="{E0D34E2C-28B5-2298-A1DB-64DC60DD8BE7}"/>
-          </ac:spMkLst>
-        </pc:spChg>
-        <pc:spChg chg="add mod">
-          <ac:chgData name="shanmuk sai srinivas" userId="c1b44e370da95be1" providerId="LiveId" clId="{9F8E2EC8-786B-4FEC-A1F4-D78D3F2A3CF2}" dt="2025-11-09T09:30:31.384" v="767"/>
-          <ac:spMkLst>
-            <pc:docMk/>
-            <pc:sldMk cId="2817102285" sldId="260"/>
-            <ac:spMk id="10" creationId="{A81DBF83-B59E-7FBF-45EA-8AB1F11103E2}"/>
-          </ac:spMkLst>
-        </pc:spChg>
-        <pc:spChg chg="add mod">
-          <ac:chgData name="shanmuk sai srinivas" userId="c1b44e370da95be1" providerId="LiveId" clId="{9F8E2EC8-786B-4FEC-A1F4-D78D3F2A3CF2}" dt="2025-11-09T09:30:31.384" v="767"/>
-          <ac:spMkLst>
-            <pc:docMk/>
-            <pc:sldMk cId="2817102285" sldId="260"/>
-            <ac:spMk id="11" creationId="{D42DD3D2-9DC4-9F0E-9CE8-79DCEF4B7DD9}"/>
-          </ac:spMkLst>
-        </pc:spChg>
-        <pc:spChg chg="add mod">
-          <ac:chgData name="shanmuk sai srinivas" userId="c1b44e370da95be1" providerId="LiveId" clId="{9F8E2EC8-786B-4FEC-A1F4-D78D3F2A3CF2}" dt="2025-11-09T09:30:31.384" v="767"/>
-          <ac:spMkLst>
-            <pc:docMk/>
-            <pc:sldMk cId="2817102285" sldId="260"/>
-            <ac:spMk id="12" creationId="{594E9C5E-AF17-AE6A-32E7-0E755230A5FB}"/>
-          </ac:spMkLst>
-        </pc:spChg>
-        <pc:spChg chg="add mod">
-          <ac:chgData name="shanmuk sai srinivas" userId="c1b44e370da95be1" providerId="LiveId" clId="{9F8E2EC8-786B-4FEC-A1F4-D78D3F2A3CF2}" dt="2025-11-09T09:30:31.384" v="767"/>
-          <ac:spMkLst>
-            <pc:docMk/>
-            <pc:sldMk cId="2817102285" sldId="260"/>
-            <ac:spMk id="13" creationId="{6DE50CC2-C3B0-63EB-D2F3-EE81D482C37B}"/>
-          </ac:spMkLst>
-        </pc:spChg>
-        <pc:spChg chg="add mod">
-          <ac:chgData name="shanmuk sai srinivas" userId="c1b44e370da95be1" providerId="LiveId" clId="{9F8E2EC8-786B-4FEC-A1F4-D78D3F2A3CF2}" dt="2025-11-09T09:30:31.384" v="767"/>
-          <ac:spMkLst>
-            <pc:docMk/>
-            <pc:sldMk cId="2817102285" sldId="260"/>
-            <ac:spMk id="14" creationId="{0107086F-DD69-8FCA-253D-457FE51BE170}"/>
-          </ac:spMkLst>
-        </pc:spChg>
-        <pc:spChg chg="add mod">
-          <ac:chgData name="shanmuk sai srinivas" userId="c1b44e370da95be1" providerId="LiveId" clId="{9F8E2EC8-786B-4FEC-A1F4-D78D3F2A3CF2}" dt="2025-11-09T09:31:04.046" v="776"/>
-          <ac:spMkLst>
-            <pc:docMk/>
-            <pc:sldMk cId="2817102285" sldId="260"/>
-            <ac:spMk id="16" creationId="{8910C582-3539-B2CE-8951-EB1D22C2B078}"/>
-          </ac:spMkLst>
-        </pc:spChg>
-        <pc:spChg chg="add mod">
-          <ac:chgData name="shanmuk sai srinivas" userId="c1b44e370da95be1" providerId="LiveId" clId="{9F8E2EC8-786B-4FEC-A1F4-D78D3F2A3CF2}" dt="2025-11-09T09:31:04.046" v="776"/>
-          <ac:spMkLst>
-            <pc:docMk/>
-            <pc:sldMk cId="2817102285" sldId="260"/>
-            <ac:spMk id="17" creationId="{23EB37C9-96F2-4D73-4013-84BADBF3F89A}"/>
-          </ac:spMkLst>
-        </pc:spChg>
-        <pc:spChg chg="add mod">
-          <ac:chgData name="shanmuk sai srinivas" userId="c1b44e370da95be1" providerId="LiveId" clId="{9F8E2EC8-786B-4FEC-A1F4-D78D3F2A3CF2}" dt="2025-11-09T09:31:04.046" v="776"/>
-          <ac:spMkLst>
-            <pc:docMk/>
-            <pc:sldMk cId="2817102285" sldId="260"/>
-            <ac:spMk id="18" creationId="{5EF0AC3D-04D0-5531-E113-778397D9B988}"/>
-          </ac:spMkLst>
-        </pc:spChg>
-        <pc:spChg chg="add mod">
-          <ac:chgData name="shanmuk sai srinivas" userId="c1b44e370da95be1" providerId="LiveId" clId="{9F8E2EC8-786B-4FEC-A1F4-D78D3F2A3CF2}" dt="2025-11-09T09:31:04.046" v="776"/>
-          <ac:spMkLst>
-            <pc:docMk/>
-            <pc:sldMk cId="2817102285" sldId="260"/>
-            <ac:spMk id="19" creationId="{434632A6-5992-23C0-3E25-4FCD720C2D4C}"/>
-          </ac:spMkLst>
-        </pc:spChg>
-        <pc:spChg chg="add mod">
-          <ac:chgData name="shanmuk sai srinivas" userId="c1b44e370da95be1" providerId="LiveId" clId="{9F8E2EC8-786B-4FEC-A1F4-D78D3F2A3CF2}" dt="2025-11-09T09:31:04.046" v="776"/>
-          <ac:spMkLst>
-            <pc:docMk/>
-            <pc:sldMk cId="2817102285" sldId="260"/>
-            <ac:spMk id="20" creationId="{F1799B99-B525-0755-2B84-807D37DDFFF7}"/>
-          </ac:spMkLst>
-        </pc:spChg>
-        <pc:graphicFrameChg chg="add mod">
-          <ac:chgData name="shanmuk sai srinivas" userId="c1b44e370da95be1" providerId="LiveId" clId="{9F8E2EC8-786B-4FEC-A1F4-D78D3F2A3CF2}" dt="2025-11-09T09:30:26.014" v="764"/>
-          <ac:graphicFrameMkLst>
-            <pc:docMk/>
-            <pc:sldMk cId="2817102285" sldId="260"/>
-            <ac:graphicFrameMk id="3" creationId="{832B60B0-2397-927A-FA7D-C02106DF0C68}"/>
-          </ac:graphicFrameMkLst>
-        </pc:graphicFrameChg>
-        <pc:graphicFrameChg chg="add mod">
-          <ac:chgData name="shanmuk sai srinivas" userId="c1b44e370da95be1" providerId="LiveId" clId="{9F8E2EC8-786B-4FEC-A1F4-D78D3F2A3CF2}" dt="2025-11-09T09:30:30.269" v="766"/>
-          <ac:graphicFrameMkLst>
-            <pc:docMk/>
-            <pc:sldMk cId="2817102285" sldId="260"/>
-            <ac:graphicFrameMk id="9" creationId="{1F60C476-65DC-E654-D451-C5624F4812A1}"/>
-          </ac:graphicFrameMkLst>
-        </pc:graphicFrameChg>
-        <pc:graphicFrameChg chg="add mod">
-          <ac:chgData name="shanmuk sai srinivas" userId="c1b44e370da95be1" providerId="LiveId" clId="{9F8E2EC8-786B-4FEC-A1F4-D78D3F2A3CF2}" dt="2025-11-09T09:31:02.454" v="775"/>
-          <ac:graphicFrameMkLst>
-            <pc:docMk/>
-            <pc:sldMk cId="2817102285" sldId="260"/>
-            <ac:graphicFrameMk id="15" creationId="{31E23976-0E72-CE25-84D4-E27243443B63}"/>
-          </ac:graphicFrameMkLst>
-        </pc:graphicFrameChg>
-        <pc:graphicFrameChg chg="add mod">
-          <ac:chgData name="shanmuk sai srinivas" userId="c1b44e370da95be1" providerId="LiveId" clId="{9F8E2EC8-786B-4FEC-A1F4-D78D3F2A3CF2}" dt="2025-11-09T09:31:42.501" v="781"/>
-          <ac:graphicFrameMkLst>
-            <pc:docMk/>
-            <pc:sldMk cId="2817102285" sldId="260"/>
-            <ac:graphicFrameMk id="21" creationId="{2191DB35-2737-782E-3A8D-266E981B2E4B}"/>
           </ac:graphicFrameMkLst>
         </pc:graphicFrameChg>
       </pc:sldChg>
@@ -602,54 +363,6 @@
             <pc:docMk/>
             <pc:sldMk cId="2505740019" sldId="262"/>
             <ac:spMk id="3" creationId="{CA9D50FC-9B90-E92E-1923-D8A19B113233}"/>
-          </ac:spMkLst>
-        </pc:spChg>
-        <pc:spChg chg="add">
-          <ac:chgData name="shanmuk sai srinivas" userId="c1b44e370da95be1" providerId="LiveId" clId="{9F8E2EC8-786B-4FEC-A1F4-D78D3F2A3CF2}" dt="2025-11-09T15:20:52.572" v="995"/>
-          <ac:spMkLst>
-            <pc:docMk/>
-            <pc:sldMk cId="2505740019" sldId="262"/>
-            <ac:spMk id="4" creationId="{81568729-0BE1-AB47-4FCA-6EC462C42771}"/>
-          </ac:spMkLst>
-        </pc:spChg>
-        <pc:spChg chg="add">
-          <ac:chgData name="shanmuk sai srinivas" userId="c1b44e370da95be1" providerId="LiveId" clId="{9F8E2EC8-786B-4FEC-A1F4-D78D3F2A3CF2}" dt="2025-11-09T15:21:00.082" v="1002"/>
-          <ac:spMkLst>
-            <pc:docMk/>
-            <pc:sldMk cId="2505740019" sldId="262"/>
-            <ac:spMk id="5" creationId="{1D605C2D-73B9-C574-7C70-F727F392DE68}"/>
-          </ac:spMkLst>
-        </pc:spChg>
-        <pc:spChg chg="add">
-          <ac:chgData name="shanmuk sai srinivas" userId="c1b44e370da95be1" providerId="LiveId" clId="{9F8E2EC8-786B-4FEC-A1F4-D78D3F2A3CF2}" dt="2025-11-09T15:21:02.829" v="1006"/>
-          <ac:spMkLst>
-            <pc:docMk/>
-            <pc:sldMk cId="2505740019" sldId="262"/>
-            <ac:spMk id="6" creationId="{81651E39-C1F0-B404-8786-8D02052138B2}"/>
-          </ac:spMkLst>
-        </pc:spChg>
-        <pc:spChg chg="add">
-          <ac:chgData name="shanmuk sai srinivas" userId="c1b44e370da95be1" providerId="LiveId" clId="{9F8E2EC8-786B-4FEC-A1F4-D78D3F2A3CF2}" dt="2025-11-09T15:21:41.918" v="1013"/>
-          <ac:spMkLst>
-            <pc:docMk/>
-            <pc:sldMk cId="2505740019" sldId="262"/>
-            <ac:spMk id="7" creationId="{A9776875-9728-03AC-5684-0E677071855F}"/>
-          </ac:spMkLst>
-        </pc:spChg>
-        <pc:spChg chg="add mod">
-          <ac:chgData name="shanmuk sai srinivas" userId="c1b44e370da95be1" providerId="LiveId" clId="{9F8E2EC8-786B-4FEC-A1F4-D78D3F2A3CF2}" dt="2025-11-09T15:22:09.786" v="1079" actId="1036"/>
-          <ac:spMkLst>
-            <pc:docMk/>
-            <pc:sldMk cId="2505740019" sldId="262"/>
-            <ac:spMk id="8" creationId="{56606F24-336D-FD7A-E089-EE004D3E0C51}"/>
-          </ac:spMkLst>
-        </pc:spChg>
-        <pc:spChg chg="add">
-          <ac:chgData name="shanmuk sai srinivas" userId="c1b44e370da95be1" providerId="LiveId" clId="{9F8E2EC8-786B-4FEC-A1F4-D78D3F2A3CF2}" dt="2025-11-09T15:22:28.222" v="1080"/>
-          <ac:spMkLst>
-            <pc:docMk/>
-            <pc:sldMk cId="2505740019" sldId="262"/>
-            <ac:spMk id="9" creationId="{7F6C7361-2420-172F-9CBC-C901E76EF4FC}"/>
           </ac:spMkLst>
         </pc:spChg>
       </pc:sldChg>
@@ -720,14 +433,6 @@
           <pc:docMk/>
           <pc:sldMk cId="1101811125" sldId="266"/>
         </pc:sldMkLst>
-        <pc:spChg chg="add del mod">
-          <ac:chgData name="shanmuk sai srinivas" userId="c1b44e370da95be1" providerId="LiveId" clId="{9F8E2EC8-786B-4FEC-A1F4-D78D3F2A3CF2}" dt="2025-11-09T16:08:14.384" v="1183"/>
-          <ac:spMkLst>
-            <pc:docMk/>
-            <pc:sldMk cId="1101811125" sldId="266"/>
-            <ac:spMk id="2" creationId="{0E161A38-9889-C2CE-3685-497C32A24B22}"/>
-          </ac:spMkLst>
-        </pc:spChg>
         <pc:spChg chg="add mod">
           <ac:chgData name="shanmuk sai srinivas" userId="c1b44e370da95be1" providerId="LiveId" clId="{9F8E2EC8-786B-4FEC-A1F4-D78D3F2A3CF2}" dt="2025-11-09T16:31:35.759" v="1188" actId="255"/>
           <ac:spMkLst>
@@ -759,14 +464,6 @@
             <ac:spMk id="2" creationId="{CA628832-DE56-DB02-CC8E-4C08A6B7702E}"/>
           </ac:spMkLst>
         </pc:spChg>
-        <pc:spChg chg="add del mod">
-          <ac:chgData name="shanmuk sai srinivas" userId="c1b44e370da95be1" providerId="LiveId" clId="{9F8E2EC8-786B-4FEC-A1F4-D78D3F2A3CF2}" dt="2025-11-09T16:47:41.220" v="1615"/>
-          <ac:spMkLst>
-            <pc:docMk/>
-            <pc:sldMk cId="85001269" sldId="267"/>
-            <ac:spMk id="3" creationId="{A306FDCF-D822-4A52-5993-B4C71A8F2F5B}"/>
-          </ac:spMkLst>
-        </pc:spChg>
         <pc:graphicFrameChg chg="add mod modGraphic">
           <ac:chgData name="shanmuk sai srinivas" userId="c1b44e370da95be1" providerId="LiveId" clId="{9F8E2EC8-786B-4FEC-A1F4-D78D3F2A3CF2}" dt="2025-11-09T16:49:12.496" v="1626" actId="1076"/>
           <ac:graphicFrameMkLst>
@@ -790,116 +487,12 @@
             <ac:spMk id="2" creationId="{116CD616-20A8-9039-0268-EBF2C62EB0AE}"/>
           </ac:spMkLst>
         </pc:spChg>
-        <pc:spChg chg="add del mod">
-          <ac:chgData name="shanmuk sai srinivas" userId="c1b44e370da95be1" providerId="LiveId" clId="{9F8E2EC8-786B-4FEC-A1F4-D78D3F2A3CF2}" dt="2025-11-09T16:58:29.638" v="1641"/>
-          <ac:spMkLst>
-            <pc:docMk/>
-            <pc:sldMk cId="764449189" sldId="268"/>
-            <ac:spMk id="3" creationId="{85188497-A541-F8F6-E62B-389907645745}"/>
-          </ac:spMkLst>
-        </pc:spChg>
-        <pc:spChg chg="add mod">
-          <ac:chgData name="shanmuk sai srinivas" userId="c1b44e370da95be1" providerId="LiveId" clId="{9F8E2EC8-786B-4FEC-A1F4-D78D3F2A3CF2}" dt="2025-11-09T16:58:29.634" v="1639"/>
-          <ac:spMkLst>
-            <pc:docMk/>
-            <pc:sldMk cId="764449189" sldId="268"/>
-            <ac:spMk id="5" creationId="{7D9A1BD0-E272-79CE-F3A3-49CC41DC7C8D}"/>
-          </ac:spMkLst>
-        </pc:spChg>
-        <pc:spChg chg="add mod">
-          <ac:chgData name="shanmuk sai srinivas" userId="c1b44e370da95be1" providerId="LiveId" clId="{9F8E2EC8-786B-4FEC-A1F4-D78D3F2A3CF2}" dt="2025-11-09T16:58:29.634" v="1639"/>
-          <ac:spMkLst>
-            <pc:docMk/>
-            <pc:sldMk cId="764449189" sldId="268"/>
-            <ac:spMk id="6" creationId="{1732D77A-73C7-607B-458B-6CAA9B2D404B}"/>
-          </ac:spMkLst>
-        </pc:spChg>
-        <pc:spChg chg="add mod">
-          <ac:chgData name="shanmuk sai srinivas" userId="c1b44e370da95be1" providerId="LiveId" clId="{9F8E2EC8-786B-4FEC-A1F4-D78D3F2A3CF2}" dt="2025-11-09T16:58:29.634" v="1639"/>
-          <ac:spMkLst>
-            <pc:docMk/>
-            <pc:sldMk cId="764449189" sldId="268"/>
-            <ac:spMk id="7" creationId="{4D3FECF2-D82C-29D5-6424-1642F2039D20}"/>
-          </ac:spMkLst>
-        </pc:spChg>
-        <pc:spChg chg="add mod">
-          <ac:chgData name="shanmuk sai srinivas" userId="c1b44e370da95be1" providerId="LiveId" clId="{9F8E2EC8-786B-4FEC-A1F4-D78D3F2A3CF2}" dt="2025-11-09T16:58:34.296" v="1643"/>
-          <ac:spMkLst>
-            <pc:docMk/>
-            <pc:sldMk cId="764449189" sldId="268"/>
-            <ac:spMk id="9" creationId="{7F938A91-DFE6-001E-EBBB-B66D9F8932BF}"/>
-          </ac:spMkLst>
-        </pc:spChg>
-        <pc:spChg chg="add mod">
-          <ac:chgData name="shanmuk sai srinivas" userId="c1b44e370da95be1" providerId="LiveId" clId="{9F8E2EC8-786B-4FEC-A1F4-D78D3F2A3CF2}" dt="2025-11-09T16:58:34.296" v="1643"/>
-          <ac:spMkLst>
-            <pc:docMk/>
-            <pc:sldMk cId="764449189" sldId="268"/>
-            <ac:spMk id="10" creationId="{C5C271DD-7886-FA71-EE45-0BA2E550591B}"/>
-          </ac:spMkLst>
-        </pc:spChg>
-        <pc:spChg chg="add mod">
-          <ac:chgData name="shanmuk sai srinivas" userId="c1b44e370da95be1" providerId="LiveId" clId="{9F8E2EC8-786B-4FEC-A1F4-D78D3F2A3CF2}" dt="2025-11-09T16:58:34.296" v="1643"/>
-          <ac:spMkLst>
-            <pc:docMk/>
-            <pc:sldMk cId="764449189" sldId="268"/>
-            <ac:spMk id="11" creationId="{9B292B4D-F550-D916-A1F3-AA03CEF0E0CD}"/>
-          </ac:spMkLst>
-        </pc:spChg>
         <pc:spChg chg="add mod">
           <ac:chgData name="shanmuk sai srinivas" userId="c1b44e370da95be1" providerId="LiveId" clId="{9F8E2EC8-786B-4FEC-A1F4-D78D3F2A3CF2}" dt="2025-11-09T17:08:53.807" v="1744" actId="1076"/>
           <ac:spMkLst>
             <pc:docMk/>
             <pc:sldMk cId="764449189" sldId="268"/>
             <ac:spMk id="13" creationId="{0FDEAB3B-6CEA-8BB9-C7CB-0AF6CD266D61}"/>
-          </ac:spMkLst>
-        </pc:spChg>
-        <pc:spChg chg="add del mod">
-          <ac:chgData name="shanmuk sai srinivas" userId="c1b44e370da95be1" providerId="LiveId" clId="{9F8E2EC8-786B-4FEC-A1F4-D78D3F2A3CF2}" dt="2025-11-09T16:59:56.430" v="1660" actId="478"/>
-          <ac:spMkLst>
-            <pc:docMk/>
-            <pc:sldMk cId="764449189" sldId="268"/>
-            <ac:spMk id="14" creationId="{B320F79E-A110-6EC9-D00B-056FEC073F64}"/>
-          </ac:spMkLst>
-        </pc:spChg>
-        <pc:spChg chg="add mod">
-          <ac:chgData name="shanmuk sai srinivas" userId="c1b44e370da95be1" providerId="LiveId" clId="{9F8E2EC8-786B-4FEC-A1F4-D78D3F2A3CF2}" dt="2025-11-09T17:07:28.643" v="1736"/>
-          <ac:spMkLst>
-            <pc:docMk/>
-            <pc:sldMk cId="764449189" sldId="268"/>
-            <ac:spMk id="19" creationId="{550BD464-3129-6C41-4EC0-CC57FFA44551}"/>
-          </ac:spMkLst>
-        </pc:spChg>
-        <pc:spChg chg="add mod">
-          <ac:chgData name="shanmuk sai srinivas" userId="c1b44e370da95be1" providerId="LiveId" clId="{9F8E2EC8-786B-4FEC-A1F4-D78D3F2A3CF2}" dt="2025-11-09T17:07:28.643" v="1736"/>
-          <ac:spMkLst>
-            <pc:docMk/>
-            <pc:sldMk cId="764449189" sldId="268"/>
-            <ac:spMk id="20" creationId="{D66E993D-8D6D-21D6-9067-17EE41FB7BAE}"/>
-          </ac:spMkLst>
-        </pc:spChg>
-        <pc:spChg chg="add mod">
-          <ac:chgData name="shanmuk sai srinivas" userId="c1b44e370da95be1" providerId="LiveId" clId="{9F8E2EC8-786B-4FEC-A1F4-D78D3F2A3CF2}" dt="2025-11-09T17:07:28.643" v="1736"/>
-          <ac:spMkLst>
-            <pc:docMk/>
-            <pc:sldMk cId="764449189" sldId="268"/>
-            <ac:spMk id="21" creationId="{F5737520-ECAF-F76F-4813-6777CFA376C3}"/>
-          </ac:spMkLst>
-        </pc:spChg>
-        <pc:spChg chg="add mod">
-          <ac:chgData name="shanmuk sai srinivas" userId="c1b44e370da95be1" providerId="LiveId" clId="{9F8E2EC8-786B-4FEC-A1F4-D78D3F2A3CF2}" dt="2025-11-09T17:07:28.643" v="1736"/>
-          <ac:spMkLst>
-            <pc:docMk/>
-            <pc:sldMk cId="764449189" sldId="268"/>
-            <ac:spMk id="22" creationId="{A2DBF2D3-7592-5696-AC7D-02FC98AC5177}"/>
-          </ac:spMkLst>
-        </pc:spChg>
-        <pc:spChg chg="add mod">
-          <ac:chgData name="shanmuk sai srinivas" userId="c1b44e370da95be1" providerId="LiveId" clId="{9F8E2EC8-786B-4FEC-A1F4-D78D3F2A3CF2}" dt="2025-11-09T17:07:28.643" v="1736"/>
-          <ac:spMkLst>
-            <pc:docMk/>
-            <pc:sldMk cId="764449189" sldId="268"/>
-            <ac:spMk id="23" creationId="{311369D3-7365-62A7-8AD1-FE49BBBFD33F}"/>
           </ac:spMkLst>
         </pc:spChg>
         <pc:spChg chg="add mod">
@@ -910,36 +503,12 @@
             <ac:spMk id="25" creationId="{B54A76D0-F1D3-4D13-961D-59561951E6D3}"/>
           </ac:spMkLst>
         </pc:spChg>
-        <pc:graphicFrameChg chg="add mod">
-          <ac:chgData name="shanmuk sai srinivas" userId="c1b44e370da95be1" providerId="LiveId" clId="{9F8E2EC8-786B-4FEC-A1F4-D78D3F2A3CF2}" dt="2025-11-09T16:58:28.796" v="1638" actId="1076"/>
-          <ac:graphicFrameMkLst>
-            <pc:docMk/>
-            <pc:sldMk cId="764449189" sldId="268"/>
-            <ac:graphicFrameMk id="4" creationId="{C44EA30B-0A27-4566-7CFE-53426218D858}"/>
-          </ac:graphicFrameMkLst>
-        </pc:graphicFrameChg>
-        <pc:graphicFrameChg chg="add mod">
-          <ac:chgData name="shanmuk sai srinivas" userId="c1b44e370da95be1" providerId="LiveId" clId="{9F8E2EC8-786B-4FEC-A1F4-D78D3F2A3CF2}" dt="2025-11-09T16:58:33.123" v="1642"/>
-          <ac:graphicFrameMkLst>
-            <pc:docMk/>
-            <pc:sldMk cId="764449189" sldId="268"/>
-            <ac:graphicFrameMk id="8" creationId="{DFFC54CF-E6DB-BC74-B69B-43FC05AA652F}"/>
-          </ac:graphicFrameMkLst>
-        </pc:graphicFrameChg>
         <pc:graphicFrameChg chg="add mod modGraphic">
           <ac:chgData name="shanmuk sai srinivas" userId="c1b44e370da95be1" providerId="LiveId" clId="{9F8E2EC8-786B-4FEC-A1F4-D78D3F2A3CF2}" dt="2025-11-09T17:09:00.492" v="1745" actId="1076"/>
           <ac:graphicFrameMkLst>
             <pc:docMk/>
             <pc:sldMk cId="764449189" sldId="268"/>
             <ac:graphicFrameMk id="15" creationId="{5F514E16-7B60-E908-E8F6-01FDDB9B9B65}"/>
-          </ac:graphicFrameMkLst>
-        </pc:graphicFrameChg>
-        <pc:graphicFrameChg chg="add mod">
-          <ac:chgData name="shanmuk sai srinivas" userId="c1b44e370da95be1" providerId="LiveId" clId="{9F8E2EC8-786B-4FEC-A1F4-D78D3F2A3CF2}" dt="2025-11-09T17:07:27.131" v="1735"/>
-          <ac:graphicFrameMkLst>
-            <pc:docMk/>
-            <pc:sldMk cId="764449189" sldId="268"/>
-            <ac:graphicFrameMk id="18" creationId="{33B13CFD-AB47-0A70-4FA4-DD3F760CC767}"/>
           </ac:graphicFrameMkLst>
         </pc:graphicFrameChg>
         <pc:graphicFrameChg chg="add mod modGraphic">
@@ -999,13 +568,13 @@
         </pc:picChg>
       </pc:sldChg>
       <pc:sldChg chg="addSp delSp modSp new mod">
-        <pc:chgData name="shanmuk sai srinivas" userId="c1b44e370da95be1" providerId="LiveId" clId="{9F8E2EC8-786B-4FEC-A1F4-D78D3F2A3CF2}" dt="2025-11-10T09:47:17.102" v="2153" actId="14100"/>
+        <pc:chgData name="shanmuk sai srinivas" userId="c1b44e370da95be1" providerId="LiveId" clId="{9F8E2EC8-786B-4FEC-A1F4-D78D3F2A3CF2}" dt="2025-11-11T08:39:27.641" v="2516"/>
         <pc:sldMkLst>
           <pc:docMk/>
           <pc:sldMk cId="1470700881" sldId="270"/>
         </pc:sldMkLst>
-        <pc:spChg chg="add mod">
-          <ac:chgData name="shanmuk sai srinivas" userId="c1b44e370da95be1" providerId="LiveId" clId="{9F8E2EC8-786B-4FEC-A1F4-D78D3F2A3CF2}" dt="2025-11-10T08:20:01.602" v="1963" actId="1035"/>
+        <pc:spChg chg="add del mod">
+          <ac:chgData name="shanmuk sai srinivas" userId="c1b44e370da95be1" providerId="LiveId" clId="{9F8E2EC8-786B-4FEC-A1F4-D78D3F2A3CF2}" dt="2025-11-11T08:39:27.641" v="2516"/>
           <ac:spMkLst>
             <pc:docMk/>
             <pc:sldMk cId="1470700881" sldId="270"/>
@@ -1053,8 +622,8 @@
           </ac:picMkLst>
         </pc:picChg>
       </pc:sldChg>
-      <pc:sldChg chg="addSp modSp new mod">
-        <pc:chgData name="shanmuk sai srinivas" userId="c1b44e370da95be1" providerId="LiveId" clId="{9F8E2EC8-786B-4FEC-A1F4-D78D3F2A3CF2}" dt="2025-11-10T08:55:22.973" v="2121" actId="20577"/>
+      <pc:sldChg chg="addSp modSp new mod modShow">
+        <pc:chgData name="shanmuk sai srinivas" userId="c1b44e370da95be1" providerId="LiveId" clId="{9F8E2EC8-786B-4FEC-A1F4-D78D3F2A3CF2}" dt="2025-11-10T16:07:11.924" v="2476" actId="729"/>
         <pc:sldMkLst>
           <pc:docMk/>
           <pc:sldMk cId="3892926617" sldId="271"/>
@@ -1336,8 +905,8 @@
           </ac:picMkLst>
         </pc:picChg>
       </pc:sldChg>
-      <pc:sldChg chg="addSp modSp new mod">
-        <pc:chgData name="shanmuk sai srinivas" userId="c1b44e370da95be1" providerId="LiveId" clId="{9F8E2EC8-786B-4FEC-A1F4-D78D3F2A3CF2}" dt="2025-11-10T10:27:51.606" v="2475" actId="255"/>
+      <pc:sldChg chg="addSp modSp new mod modShow">
+        <pc:chgData name="shanmuk sai srinivas" userId="c1b44e370da95be1" providerId="LiveId" clId="{9F8E2EC8-786B-4FEC-A1F4-D78D3F2A3CF2}" dt="2025-11-10T16:07:32.185" v="2477" actId="729"/>
         <pc:sldMkLst>
           <pc:docMk/>
           <pc:sldMk cId="2811422353" sldId="276"/>
@@ -1383,9 +952,208 @@
           </ac:spMkLst>
         </pc:spChg>
       </pc:sldChg>
+      <pc:sldChg chg="addSp modSp new mod">
+        <pc:chgData name="shanmuk sai srinivas" userId="c1b44e370da95be1" providerId="LiveId" clId="{9F8E2EC8-786B-4FEC-A1F4-D78D3F2A3CF2}" dt="2025-11-11T09:51:23.520" v="2716" actId="1076"/>
+        <pc:sldMkLst>
+          <pc:docMk/>
+          <pc:sldMk cId="4049459621" sldId="277"/>
+        </pc:sldMkLst>
+        <pc:spChg chg="add mod">
+          <ac:chgData name="shanmuk sai srinivas" userId="c1b44e370da95be1" providerId="LiveId" clId="{9F8E2EC8-786B-4FEC-A1F4-D78D3F2A3CF2}" dt="2025-11-11T09:37:49.888" v="2660" actId="1036"/>
+          <ac:spMkLst>
+            <pc:docMk/>
+            <pc:sldMk cId="4049459621" sldId="277"/>
+            <ac:spMk id="2" creationId="{23071D7F-5EA6-1DDF-C286-0116195FCA20}"/>
+          </ac:spMkLst>
+        </pc:spChg>
+        <pc:spChg chg="add mod">
+          <ac:chgData name="shanmuk sai srinivas" userId="c1b44e370da95be1" providerId="LiveId" clId="{9F8E2EC8-786B-4FEC-A1F4-D78D3F2A3CF2}" dt="2025-11-11T09:51:12.928" v="2714" actId="1076"/>
+          <ac:spMkLst>
+            <pc:docMk/>
+            <pc:sldMk cId="4049459621" sldId="277"/>
+            <ac:spMk id="4" creationId="{9BCD1A62-0904-D63D-66B9-F3A86209C009}"/>
+          </ac:spMkLst>
+        </pc:spChg>
+        <pc:picChg chg="add mod">
+          <ac:chgData name="shanmuk sai srinivas" userId="c1b44e370da95be1" providerId="LiveId" clId="{9F8E2EC8-786B-4FEC-A1F4-D78D3F2A3CF2}" dt="2025-11-11T09:51:23.520" v="2716" actId="1076"/>
+          <ac:picMkLst>
+            <pc:docMk/>
+            <pc:sldMk cId="4049459621" sldId="277"/>
+            <ac:picMk id="6" creationId="{0F417AC1-9B20-BEF2-49D4-DD08719815DB}"/>
+          </ac:picMkLst>
+        </pc:picChg>
+      </pc:sldChg>
+      <pc:sldChg chg="addSp delSp modSp new mod">
+        <pc:chgData name="shanmuk sai srinivas" userId="c1b44e370da95be1" providerId="LiveId" clId="{9F8E2EC8-786B-4FEC-A1F4-D78D3F2A3CF2}" dt="2025-11-11T08:55:25.085" v="2623"/>
+        <pc:sldMkLst>
+          <pc:docMk/>
+          <pc:sldMk cId="381183921" sldId="278"/>
+        </pc:sldMkLst>
+        <pc:spChg chg="add mod">
+          <ac:chgData name="shanmuk sai srinivas" userId="c1b44e370da95be1" providerId="LiveId" clId="{9F8E2EC8-786B-4FEC-A1F4-D78D3F2A3CF2}" dt="2025-11-11T08:39:37.280" v="2519" actId="1076"/>
+          <ac:spMkLst>
+            <pc:docMk/>
+            <pc:sldMk cId="381183921" sldId="278"/>
+            <ac:spMk id="3" creationId="{78A068A9-D981-1883-894E-33B267C36126}"/>
+          </ac:spMkLst>
+        </pc:spChg>
+        <pc:spChg chg="add mod">
+          <ac:chgData name="shanmuk sai srinivas" userId="c1b44e370da95be1" providerId="LiveId" clId="{9F8E2EC8-786B-4FEC-A1F4-D78D3F2A3CF2}" dt="2025-11-11T08:42:17.699" v="2572" actId="20577"/>
+          <ac:spMkLst>
+            <pc:docMk/>
+            <pc:sldMk cId="381183921" sldId="278"/>
+            <ac:spMk id="4" creationId="{9B484A80-2F30-B990-616F-6F6BE4553BEA}"/>
+          </ac:spMkLst>
+        </pc:spChg>
+        <pc:spChg chg="add mod">
+          <ac:chgData name="shanmuk sai srinivas" userId="c1b44e370da95be1" providerId="LiveId" clId="{9F8E2EC8-786B-4FEC-A1F4-D78D3F2A3CF2}" dt="2025-11-11T08:47:45.197" v="2591" actId="1076"/>
+          <ac:spMkLst>
+            <pc:docMk/>
+            <pc:sldMk cId="381183921" sldId="278"/>
+            <ac:spMk id="6" creationId="{8F924D01-5A5D-4DB1-80BB-91D416B27998}"/>
+          </ac:spMkLst>
+        </pc:spChg>
+        <pc:spChg chg="add mod">
+          <ac:chgData name="shanmuk sai srinivas" userId="c1b44e370da95be1" providerId="LiveId" clId="{9F8E2EC8-786B-4FEC-A1F4-D78D3F2A3CF2}" dt="2025-11-11T08:47:38.124" v="2590" actId="1076"/>
+          <ac:spMkLst>
+            <pc:docMk/>
+            <pc:sldMk cId="381183921" sldId="278"/>
+            <ac:spMk id="9" creationId="{F1A98474-D529-01CC-E260-0A51AF263649}"/>
+          </ac:spMkLst>
+        </pc:spChg>
+        <pc:picChg chg="add del mod">
+          <ac:chgData name="shanmuk sai srinivas" userId="c1b44e370da95be1" providerId="LiveId" clId="{9F8E2EC8-786B-4FEC-A1F4-D78D3F2A3CF2}" dt="2025-11-11T08:54:02.934" v="2615" actId="478"/>
+          <ac:picMkLst>
+            <pc:docMk/>
+            <pc:sldMk cId="381183921" sldId="278"/>
+            <ac:picMk id="8" creationId="{3B8EA610-8DB0-3359-5AE9-02AF84E80B0B}"/>
+          </ac:picMkLst>
+        </pc:picChg>
+        <pc:picChg chg="add mod">
+          <ac:chgData name="shanmuk sai srinivas" userId="c1b44e370da95be1" providerId="LiveId" clId="{9F8E2EC8-786B-4FEC-A1F4-D78D3F2A3CF2}" dt="2025-11-11T08:55:25.085" v="2623"/>
+          <ac:picMkLst>
+            <pc:docMk/>
+            <pc:sldMk cId="381183921" sldId="278"/>
+            <ac:picMk id="11" creationId="{E89C4A77-D9BA-4146-EF9C-AE833BCEE514}"/>
+          </ac:picMkLst>
+        </pc:picChg>
+      </pc:sldChg>
+      <pc:sldChg chg="addSp modSp new mod">
+        <pc:chgData name="shanmuk sai srinivas" userId="c1b44e370da95be1" providerId="LiveId" clId="{9F8E2EC8-786B-4FEC-A1F4-D78D3F2A3CF2}" dt="2025-11-11T10:04:51.037" v="2857"/>
+        <pc:sldMkLst>
+          <pc:docMk/>
+          <pc:sldMk cId="3880878545" sldId="279"/>
+        </pc:sldMkLst>
+        <pc:spChg chg="add mod">
+          <ac:chgData name="shanmuk sai srinivas" userId="c1b44e370da95be1" providerId="LiveId" clId="{9F8E2EC8-786B-4FEC-A1F4-D78D3F2A3CF2}" dt="2025-11-11T08:52:30.900" v="2614" actId="1076"/>
+          <ac:spMkLst>
+            <pc:docMk/>
+            <pc:sldMk cId="3880878545" sldId="279"/>
+            <ac:spMk id="3" creationId="{8091DC38-4216-3F56-B962-C3A0A404012E}"/>
+          </ac:spMkLst>
+        </pc:spChg>
+        <pc:picChg chg="add mod">
+          <ac:chgData name="shanmuk sai srinivas" userId="c1b44e370da95be1" providerId="LiveId" clId="{9F8E2EC8-786B-4FEC-A1F4-D78D3F2A3CF2}" dt="2025-11-11T08:56:17.863" v="2630" actId="14100"/>
+          <ac:picMkLst>
+            <pc:docMk/>
+            <pc:sldMk cId="3880878545" sldId="279"/>
+            <ac:picMk id="5" creationId="{12280074-8BFD-EB89-3CD6-B2678417FE73}"/>
+          </ac:picMkLst>
+        </pc:picChg>
+        <pc:inkChg chg="add">
+          <ac:chgData name="shanmuk sai srinivas" userId="c1b44e370da95be1" providerId="LiveId" clId="{9F8E2EC8-786B-4FEC-A1F4-D78D3F2A3CF2}" dt="2025-11-11T10:04:51.037" v="2857"/>
+          <ac:inkMkLst>
+            <pc:docMk/>
+            <pc:sldMk cId="3880878545" sldId="279"/>
+            <ac:inkMk id="6" creationId="{9F0D4B87-8FBA-2F5B-2436-EE204EFCF927}"/>
+          </ac:inkMkLst>
+        </pc:inkChg>
+      </pc:sldChg>
+      <pc:sldChg chg="addSp delSp modSp new mod">
+        <pc:chgData name="shanmuk sai srinivas" userId="c1b44e370da95be1" providerId="LiveId" clId="{9F8E2EC8-786B-4FEC-A1F4-D78D3F2A3CF2}" dt="2025-11-11T10:07:40.388" v="2859" actId="22"/>
+        <pc:sldMkLst>
+          <pc:docMk/>
+          <pc:sldMk cId="3350741607" sldId="280"/>
+        </pc:sldMkLst>
+        <pc:spChg chg="add mod">
+          <ac:chgData name="shanmuk sai srinivas" userId="c1b44e370da95be1" providerId="LiveId" clId="{9F8E2EC8-786B-4FEC-A1F4-D78D3F2A3CF2}" dt="2025-11-11T09:51:40.950" v="2719" actId="1076"/>
+          <ac:spMkLst>
+            <pc:docMk/>
+            <pc:sldMk cId="3350741607" sldId="280"/>
+            <ac:spMk id="3" creationId="{FA5E645D-E983-052B-6004-F98084203B62}"/>
+          </ac:spMkLst>
+        </pc:spChg>
+        <pc:spChg chg="add del">
+          <ac:chgData name="shanmuk sai srinivas" userId="c1b44e370da95be1" providerId="LiveId" clId="{9F8E2EC8-786B-4FEC-A1F4-D78D3F2A3CF2}" dt="2025-11-11T10:07:40.388" v="2859" actId="22"/>
+          <ac:spMkLst>
+            <pc:docMk/>
+            <pc:sldMk cId="3350741607" sldId="280"/>
+            <ac:spMk id="5" creationId="{88FCB1C6-2B3C-3193-1161-C17F1BF53F2E}"/>
+          </ac:spMkLst>
+        </pc:spChg>
+      </pc:sldChg>
+      <pc:sldChg chg="addSp delSp modSp new mod">
+        <pc:chgData name="shanmuk sai srinivas" userId="c1b44e370da95be1" providerId="LiveId" clId="{9F8E2EC8-786B-4FEC-A1F4-D78D3F2A3CF2}" dt="2025-11-11T10:09:08.439" v="2872"/>
+        <pc:sldMkLst>
+          <pc:docMk/>
+          <pc:sldMk cId="3191257207" sldId="281"/>
+        </pc:sldMkLst>
+        <pc:spChg chg="add mod">
+          <ac:chgData name="shanmuk sai srinivas" userId="c1b44e370da95be1" providerId="LiveId" clId="{9F8E2EC8-786B-4FEC-A1F4-D78D3F2A3CF2}" dt="2025-11-11T10:08:07.916" v="2864" actId="1076"/>
+          <ac:spMkLst>
+            <pc:docMk/>
+            <pc:sldMk cId="3191257207" sldId="281"/>
+            <ac:spMk id="3" creationId="{C528E383-99A3-0F7B-5EC2-731C2E266375}"/>
+          </ac:spMkLst>
+        </pc:spChg>
+        <pc:spChg chg="add mod">
+          <ac:chgData name="shanmuk sai srinivas" userId="c1b44e370da95be1" providerId="LiveId" clId="{9F8E2EC8-786B-4FEC-A1F4-D78D3F2A3CF2}" dt="2025-11-11T10:08:46.595" v="2869" actId="1076"/>
+          <ac:spMkLst>
+            <pc:docMk/>
+            <pc:sldMk cId="3191257207" sldId="281"/>
+            <ac:spMk id="5" creationId="{B6C9A119-C8B0-3E00-9582-4088DF0C5D0C}"/>
+          </ac:spMkLst>
+        </pc:spChg>
+        <pc:spChg chg="add del mod">
+          <ac:chgData name="shanmuk sai srinivas" userId="c1b44e370da95be1" providerId="LiveId" clId="{9F8E2EC8-786B-4FEC-A1F4-D78D3F2A3CF2}" dt="2025-11-11T10:09:08.439" v="2872"/>
+          <ac:spMkLst>
+            <pc:docMk/>
+            <pc:sldMk cId="3191257207" sldId="281"/>
+            <ac:spMk id="6" creationId="{6FEBB3B1-7D38-8ED5-2E9E-137E20F7C976}"/>
+          </ac:spMkLst>
+        </pc:spChg>
+      </pc:sldChg>
     </pc:docChg>
   </pc:docChgLst>
 </pc:chgInfo>
+</file>
+
+<file path=ppt/ink/ink1.xml><?xml version="1.0" encoding="utf-8"?>
+<inkml:ink xmlns:inkml="http://www.w3.org/2003/InkML">
+  <inkml:definitions>
+    <inkml:context xml:id="ctx0">
+      <inkml:inkSource xml:id="inkSrc0">
+        <inkml:traceFormat>
+          <inkml:channel name="X" type="integer" max="1920" units="cm"/>
+          <inkml:channel name="Y" type="integer" max="1080" units="cm"/>
+          <inkml:channel name="T" type="integer" max="2.14748E9" units="dev"/>
+        </inkml:traceFormat>
+        <inkml:channelProperties>
+          <inkml:channelProperty channel="X" name="resolution" value="55.81395" units="1/cm"/>
+          <inkml:channelProperty channel="Y" name="resolution" value="55.95855" units="1/cm"/>
+          <inkml:channelProperty channel="T" name="resolution" value="1" units="1/dev"/>
+        </inkml:channelProperties>
+      </inkml:inkSource>
+      <inkml:timestamp xml:id="ts0" timeString="2025-11-11T10:04:35.449"/>
+    </inkml:context>
+    <inkml:brush xml:id="br0">
+      <inkml:brushProperty name="width" value="0.05292" units="cm"/>
+      <inkml:brushProperty name="height" value="0.05292" units="cm"/>
+      <inkml:brushProperty name="color" value="#FF0000"/>
+    </inkml:brush>
+  </inkml:definitions>
+  <inkml:trace contextRef="#ctx0" brushRef="#br0">9331 14411 0</inkml:trace>
+</inkml:ink>
 </file>
 
 <file path=ppt/notesMasters/notesMaster1.xml><?xml version="1.0" encoding="utf-8"?>
@@ -1470,7 +1238,7 @@
           <a:p>
             <a:fld id="{4F1ED29B-AA07-4052-BC00-975482F6F750}" type="datetimeFigureOut">
               <a:rPr lang="en-IN" smtClean="0"/>
-              <a:t>10-11-2025</a:t>
+              <a:t>11-11-2025</a:t>
             </a:fld>
             <a:endParaRPr lang="en-IN"/>
           </a:p>
@@ -2324,7 +2092,7 @@
           <a:p>
             <a:fld id="{1034F576-A948-4BDE-9731-CCB1C5CC4121}" type="datetimeFigureOut">
               <a:rPr lang="en-IN" smtClean="0"/>
-              <a:t>10-11-2025</a:t>
+              <a:t>11-11-2025</a:t>
             </a:fld>
             <a:endParaRPr lang="en-IN"/>
           </a:p>
@@ -2620,7 +2388,7 @@
           <a:p>
             <a:fld id="{1034F576-A948-4BDE-9731-CCB1C5CC4121}" type="datetimeFigureOut">
               <a:rPr lang="en-IN" smtClean="0"/>
-              <a:t>10-11-2025</a:t>
+              <a:t>11-11-2025</a:t>
             </a:fld>
             <a:endParaRPr lang="en-IN"/>
           </a:p>
@@ -2868,7 +2636,7 @@
           <a:p>
             <a:fld id="{1034F576-A948-4BDE-9731-CCB1C5CC4121}" type="datetimeFigureOut">
               <a:rPr lang="en-IN" smtClean="0"/>
-              <a:t>10-11-2025</a:t>
+              <a:t>11-11-2025</a:t>
             </a:fld>
             <a:endParaRPr lang="en-IN"/>
           </a:p>
@@ -3408,7 +3176,7 @@
           <a:p>
             <a:fld id="{1034F576-A948-4BDE-9731-CCB1C5CC4121}" type="datetimeFigureOut">
               <a:rPr lang="en-IN" smtClean="0"/>
-              <a:t>10-11-2025</a:t>
+              <a:t>11-11-2025</a:t>
             </a:fld>
             <a:endParaRPr lang="en-IN"/>
           </a:p>
@@ -3656,7 +3424,7 @@
           <a:p>
             <a:fld id="{1034F576-A948-4BDE-9731-CCB1C5CC4121}" type="datetimeFigureOut">
               <a:rPr lang="en-IN" smtClean="0"/>
-              <a:t>10-11-2025</a:t>
+              <a:t>11-11-2025</a:t>
             </a:fld>
             <a:endParaRPr lang="en-IN"/>
           </a:p>
@@ -4188,7 +3956,7 @@
           <a:p>
             <a:fld id="{1034F576-A948-4BDE-9731-CCB1C5CC4121}" type="datetimeFigureOut">
               <a:rPr lang="en-IN" smtClean="0"/>
-              <a:t>10-11-2025</a:t>
+              <a:t>11-11-2025</a:t>
             </a:fld>
             <a:endParaRPr lang="en-IN"/>
           </a:p>
@@ -4485,7 +4253,7 @@
           <a:p>
             <a:fld id="{1034F576-A948-4BDE-9731-CCB1C5CC4121}" type="datetimeFigureOut">
               <a:rPr lang="en-IN" smtClean="0"/>
-              <a:t>10-11-2025</a:t>
+              <a:t>11-11-2025</a:t>
             </a:fld>
             <a:endParaRPr lang="en-IN"/>
           </a:p>
@@ -4659,7 +4427,7 @@
           <a:p>
             <a:fld id="{1034F576-A948-4BDE-9731-CCB1C5CC4121}" type="datetimeFigureOut">
               <a:rPr lang="en-IN" smtClean="0"/>
-              <a:t>10-11-2025</a:t>
+              <a:t>11-11-2025</a:t>
             </a:fld>
             <a:endParaRPr lang="en-IN"/>
           </a:p>
@@ -4839,7 +4607,7 @@
           <a:p>
             <a:fld id="{1034F576-A948-4BDE-9731-CCB1C5CC4121}" type="datetimeFigureOut">
               <a:rPr lang="en-IN" smtClean="0"/>
-              <a:t>10-11-2025</a:t>
+              <a:t>11-11-2025</a:t>
             </a:fld>
             <a:endParaRPr lang="en-IN"/>
           </a:p>
@@ -5009,7 +4777,7 @@
           <a:p>
             <a:fld id="{1034F576-A948-4BDE-9731-CCB1C5CC4121}" type="datetimeFigureOut">
               <a:rPr lang="en-IN" smtClean="0"/>
-              <a:t>10-11-2025</a:t>
+              <a:t>11-11-2025</a:t>
             </a:fld>
             <a:endParaRPr lang="en-IN"/>
           </a:p>
@@ -5260,7 +5028,7 @@
           <a:p>
             <a:fld id="{1034F576-A948-4BDE-9731-CCB1C5CC4121}" type="datetimeFigureOut">
               <a:rPr lang="en-IN" smtClean="0"/>
-              <a:t>10-11-2025</a:t>
+              <a:t>11-11-2025</a:t>
             </a:fld>
             <a:endParaRPr lang="en-IN"/>
           </a:p>
@@ -5557,7 +5325,7 @@
           <a:p>
             <a:fld id="{1034F576-A948-4BDE-9731-CCB1C5CC4121}" type="datetimeFigureOut">
               <a:rPr lang="en-IN" smtClean="0"/>
-              <a:t>10-11-2025</a:t>
+              <a:t>11-11-2025</a:t>
             </a:fld>
             <a:endParaRPr lang="en-IN"/>
           </a:p>
@@ -5999,7 +5767,7 @@
           <a:p>
             <a:fld id="{1034F576-A948-4BDE-9731-CCB1C5CC4121}" type="datetimeFigureOut">
               <a:rPr lang="en-IN" smtClean="0"/>
-              <a:t>10-11-2025</a:t>
+              <a:t>11-11-2025</a:t>
             </a:fld>
             <a:endParaRPr lang="en-IN"/>
           </a:p>
@@ -6117,7 +5885,7 @@
           <a:p>
             <a:fld id="{1034F576-A948-4BDE-9731-CCB1C5CC4121}" type="datetimeFigureOut">
               <a:rPr lang="en-IN" smtClean="0"/>
-              <a:t>10-11-2025</a:t>
+              <a:t>11-11-2025</a:t>
             </a:fld>
             <a:endParaRPr lang="en-IN"/>
           </a:p>
@@ -6212,7 +5980,7 @@
           <a:p>
             <a:fld id="{1034F576-A948-4BDE-9731-CCB1C5CC4121}" type="datetimeFigureOut">
               <a:rPr lang="en-IN" smtClean="0"/>
-              <a:t>10-11-2025</a:t>
+              <a:t>11-11-2025</a:t>
             </a:fld>
             <a:endParaRPr lang="en-IN"/>
           </a:p>
@@ -6495,7 +6263,7 @@
           <a:p>
             <a:fld id="{1034F576-A948-4BDE-9731-CCB1C5CC4121}" type="datetimeFigureOut">
               <a:rPr lang="en-IN" smtClean="0"/>
-              <a:t>10-11-2025</a:t>
+              <a:t>11-11-2025</a:t>
             </a:fld>
             <a:endParaRPr lang="en-IN"/>
           </a:p>
@@ -6786,7 +6554,7 @@
           <a:p>
             <a:fld id="{1034F576-A948-4BDE-9731-CCB1C5CC4121}" type="datetimeFigureOut">
               <a:rPr lang="en-IN" smtClean="0"/>
-              <a:t>10-11-2025</a:t>
+              <a:t>11-11-2025</a:t>
             </a:fld>
             <a:endParaRPr lang="en-IN"/>
           </a:p>
@@ -7316,7 +7084,7 @@
           <a:p>
             <a:fld id="{1034F576-A948-4BDE-9731-CCB1C5CC4121}" type="datetimeFigureOut">
               <a:rPr lang="en-IN" smtClean="0"/>
-              <a:t>10-11-2025</a:t>
+              <a:t>11-11-2025</a:t>
             </a:fld>
             <a:endParaRPr lang="en-IN"/>
           </a:p>
@@ -7881,31 +7649,6 @@
           </a:p>
         </p:txBody>
       </p:sp>
-      <p:sp>
-        <p:nvSpPr>
-          <p:cNvPr id="3" name="Subtitle 2">
-            <a:extLst>
-              <a:ext uri="{FF2B5EF4-FFF2-40B4-BE49-F238E27FC236}">
-                <a16:creationId xmlns:a16="http://schemas.microsoft.com/office/drawing/2014/main" id="{39AB41D3-F2B8-B652-34D7-31CE44A228F6}"/>
-              </a:ext>
-            </a:extLst>
-          </p:cNvPr>
-          <p:cNvSpPr>
-            <a:spLocks noGrp="1"/>
-          </p:cNvSpPr>
-          <p:nvPr>
-            <p:ph type="subTitle" idx="1"/>
-          </p:nvPr>
-        </p:nvSpPr>
-        <p:spPr/>
-        <p:txBody>
-          <a:bodyPr/>
-          <a:lstStyle/>
-          <a:p>
-            <a:endParaRPr lang="en-IN" dirty="0"/>
-          </a:p>
-        </p:txBody>
-      </p:sp>
       <p:pic>
         <p:nvPicPr>
           <p:cNvPr id="5" name="Picture 4">
@@ -7945,6 +7688,222 @@
           </a:prstGeom>
         </p:spPr>
       </p:pic>
+      <p:sp>
+        <p:nvSpPr>
+          <p:cNvPr id="6" name="TextBox 5">
+            <a:extLst>
+              <a:ext uri="{FF2B5EF4-FFF2-40B4-BE49-F238E27FC236}">
+                <a16:creationId xmlns:a16="http://schemas.microsoft.com/office/drawing/2014/main" id="{E8566418-233A-7BE4-7CB1-BB52F633FCED}"/>
+              </a:ext>
+            </a:extLst>
+          </p:cNvPr>
+          <p:cNvSpPr txBox="1"/>
+          <p:nvPr/>
+        </p:nvSpPr>
+        <p:spPr>
+          <a:xfrm>
+            <a:off x="8160774" y="3163969"/>
+            <a:ext cx="3577261" cy="1754326"/>
+          </a:xfrm>
+          <a:prstGeom prst="rect">
+            <a:avLst/>
+          </a:prstGeom>
+          <a:noFill/>
+        </p:spPr>
+        <p:txBody>
+          <a:bodyPr wrap="none" rtlCol="0">
+            <a:spAutoFit/>
+          </a:bodyPr>
+          <a:lstStyle/>
+          <a:p>
+            <a:r>
+              <a:rPr lang="en-IN" b="1" dirty="0"/>
+              <a:t>Intern: </a:t>
+            </a:r>
+            <a:br>
+              <a:rPr lang="en-IN" dirty="0"/>
+            </a:br>
+            <a:r>
+              <a:rPr lang="en-IN" dirty="0"/>
+              <a:t>Name: G. shanmuk</a:t>
+            </a:r>
+            <a:br>
+              <a:rPr lang="en-IN" dirty="0"/>
+            </a:br>
+            <a:r>
+              <a:rPr lang="en-IN" dirty="0"/>
+              <a:t>Email: </a:t>
+            </a:r>
+            <a:r>
+              <a:rPr lang="en-IN" dirty="0">
+                <a:hlinkClick r:id="rId3"/>
+              </a:rPr>
+              <a:t>srinivasganji027@gmail.com</a:t>
+            </a:r>
+            <a:br>
+              <a:rPr lang="en-IN" dirty="0"/>
+            </a:br>
+            <a:r>
+              <a:rPr lang="en-IN" dirty="0"/>
+              <a:t>Batch: 3</a:t>
+            </a:r>
+          </a:p>
+          <a:p>
+            <a:r>
+              <a:rPr lang="en-IN" dirty="0"/>
+              <a:t>Training starting date</a:t>
+            </a:r>
+            <a:r>
+              <a:rPr lang="en-IN"/>
+              <a:t>: 22/8/2025</a:t>
+            </a:r>
+            <a:br>
+              <a:rPr lang="en-IN" dirty="0"/>
+            </a:br>
+            <a:r>
+              <a:rPr lang="en-IN"/>
+              <a:t>ending date: 21/11/2025</a:t>
+            </a:r>
+            <a:endParaRPr lang="en-IN" dirty="0"/>
+          </a:p>
+        </p:txBody>
+      </p:sp>
+      <p:sp>
+        <p:nvSpPr>
+          <p:cNvPr id="8" name="TextBox 7">
+            <a:extLst>
+              <a:ext uri="{FF2B5EF4-FFF2-40B4-BE49-F238E27FC236}">
+                <a16:creationId xmlns:a16="http://schemas.microsoft.com/office/drawing/2014/main" id="{9CB924F7-3B5A-430F-2F4F-353FB3C6821F}"/>
+              </a:ext>
+            </a:extLst>
+          </p:cNvPr>
+          <p:cNvSpPr txBox="1"/>
+          <p:nvPr/>
+        </p:nvSpPr>
+        <p:spPr>
+          <a:xfrm>
+            <a:off x="8160774" y="5154766"/>
+            <a:ext cx="3834580" cy="646331"/>
+          </a:xfrm>
+          <a:prstGeom prst="rect">
+            <a:avLst/>
+          </a:prstGeom>
+          <a:noFill/>
+        </p:spPr>
+        <p:txBody>
+          <a:bodyPr wrap="square">
+            <a:spAutoFit/>
+          </a:bodyPr>
+          <a:lstStyle/>
+          <a:p>
+            <a:r>
+              <a:rPr lang="en-US" b="1" dirty="0"/>
+              <a:t>Mentor's Name</a:t>
+            </a:r>
+            <a:r>
+              <a:rPr lang="en-US" dirty="0"/>
+              <a:t>: </a:t>
+            </a:r>
+            <a:r>
+              <a:rPr lang="en-IN" dirty="0"/>
+              <a:t>Asma</a:t>
+            </a:r>
+          </a:p>
+          <a:p>
+            <a:pPr>
+              <a:buNone/>
+            </a:pPr>
+            <a:r>
+              <a:rPr lang="en-US" dirty="0"/>
+              <a:t>Email: </a:t>
+            </a:r>
+            <a:r>
+              <a:rPr lang="en-IN" dirty="0"/>
+              <a:t>springboardm05@gmail.com</a:t>
+            </a:r>
+            <a:endParaRPr lang="en-US" dirty="0"/>
+          </a:p>
+        </p:txBody>
+      </p:sp>
+      <p:cxnSp>
+        <p:nvCxnSpPr>
+          <p:cNvPr id="10" name="Straight Connector 9">
+            <a:extLst>
+              <a:ext uri="{FF2B5EF4-FFF2-40B4-BE49-F238E27FC236}">
+                <a16:creationId xmlns:a16="http://schemas.microsoft.com/office/drawing/2014/main" id="{91A41918-86FA-EEC9-4827-CABC61F6F426}"/>
+              </a:ext>
+            </a:extLst>
+          </p:cNvPr>
+          <p:cNvCxnSpPr/>
+          <p:nvPr/>
+        </p:nvCxnSpPr>
+        <p:spPr>
+          <a:xfrm>
+            <a:off x="8032955" y="5154766"/>
+            <a:ext cx="1406013" cy="0"/>
+          </a:xfrm>
+          <a:prstGeom prst="line">
+            <a:avLst/>
+          </a:prstGeom>
+        </p:spPr>
+        <p:style>
+          <a:lnRef idx="1">
+            <a:schemeClr val="accent1"/>
+          </a:lnRef>
+          <a:fillRef idx="0">
+            <a:schemeClr val="accent1"/>
+          </a:fillRef>
+          <a:effectRef idx="0">
+            <a:schemeClr val="accent1"/>
+          </a:effectRef>
+          <a:fontRef idx="minor">
+            <a:schemeClr val="tx1"/>
+          </a:fontRef>
+        </p:style>
+      </p:cxnSp>
+      <p:cxnSp>
+        <p:nvCxnSpPr>
+          <p:cNvPr id="12" name="Straight Connector 11">
+            <a:extLst>
+              <a:ext uri="{FF2B5EF4-FFF2-40B4-BE49-F238E27FC236}">
+                <a16:creationId xmlns:a16="http://schemas.microsoft.com/office/drawing/2014/main" id="{BB8A0244-741F-E8AE-6DB4-16268D337AE4}"/>
+              </a:ext>
+            </a:extLst>
+          </p:cNvPr>
+          <p:cNvCxnSpPr>
+            <a:cxnSpLocks/>
+          </p:cNvCxnSpPr>
+          <p:nvPr/>
+        </p:nvCxnSpPr>
+        <p:spPr>
+          <a:xfrm>
+            <a:off x="8229600" y="4955458"/>
+            <a:ext cx="2614215" cy="0"/>
+          </a:xfrm>
+          <a:prstGeom prst="line">
+            <a:avLst/>
+          </a:prstGeom>
+          <a:ln>
+            <a:solidFill>
+              <a:schemeClr val="tx1"/>
+            </a:solidFill>
+          </a:ln>
+        </p:spPr>
+        <p:style>
+          <a:lnRef idx="1">
+            <a:schemeClr val="accent1"/>
+          </a:lnRef>
+          <a:fillRef idx="0">
+            <a:schemeClr val="accent1"/>
+          </a:fillRef>
+          <a:effectRef idx="0">
+            <a:schemeClr val="accent1"/>
+          </a:effectRef>
+          <a:fontRef idx="minor">
+            <a:schemeClr val="tx1"/>
+          </a:fontRef>
+        </p:style>
+      </p:cxnSp>
     </p:spTree>
     <p:extLst>
       <p:ext uri="{BB962C8B-B14F-4D97-AF65-F5344CB8AC3E}">
@@ -12157,10 +12116,10 @@
       </p:grpSpPr>
       <p:sp>
         <p:nvSpPr>
-          <p:cNvPr id="2" name="TextBox 1">
+          <p:cNvPr id="3" name="TextBox 2">
             <a:extLst>
               <a:ext uri="{FF2B5EF4-FFF2-40B4-BE49-F238E27FC236}">
-                <a16:creationId xmlns:a16="http://schemas.microsoft.com/office/drawing/2014/main" id="{C4371C90-8F54-8069-1F02-072E36554E89}"/>
+                <a16:creationId xmlns:a16="http://schemas.microsoft.com/office/drawing/2014/main" id="{78A068A9-D981-1883-894E-33B267C36126}"/>
               </a:ext>
             </a:extLst>
           </p:cNvPr>
@@ -12169,8 +12128,158 @@
         </p:nvSpPr>
         <p:spPr>
           <a:xfrm>
-            <a:off x="4463845" y="78659"/>
-            <a:ext cx="3254478" cy="461665"/>
+            <a:off x="3048000" y="70973"/>
+            <a:ext cx="6096000" cy="369332"/>
+          </a:xfrm>
+          <a:prstGeom prst="rect">
+            <a:avLst/>
+          </a:prstGeom>
+          <a:noFill/>
+        </p:spPr>
+        <p:txBody>
+          <a:bodyPr wrap="square">
+            <a:spAutoFit/>
+          </a:bodyPr>
+          <a:lstStyle/>
+          <a:p>
+            <a:pPr algn="ctr"/>
+            <a:r>
+              <a:rPr lang="en-IN" sz="1800" b="1" dirty="0"/>
+              <a:t>Project guide</a:t>
+            </a:r>
+          </a:p>
+        </p:txBody>
+      </p:sp>
+      <p:sp>
+        <p:nvSpPr>
+          <p:cNvPr id="4" name="TextBox 3">
+            <a:extLst>
+              <a:ext uri="{FF2B5EF4-FFF2-40B4-BE49-F238E27FC236}">
+                <a16:creationId xmlns:a16="http://schemas.microsoft.com/office/drawing/2014/main" id="{9B484A80-2F30-B990-616F-6F6BE4553BEA}"/>
+              </a:ext>
+            </a:extLst>
+          </p:cNvPr>
+          <p:cNvSpPr txBox="1"/>
+          <p:nvPr/>
+        </p:nvSpPr>
+        <p:spPr>
+          <a:xfrm>
+            <a:off x="1681316" y="440305"/>
+            <a:ext cx="1913794" cy="369332"/>
+          </a:xfrm>
+          <a:prstGeom prst="rect">
+            <a:avLst/>
+          </a:prstGeom>
+          <a:noFill/>
+        </p:spPr>
+        <p:txBody>
+          <a:bodyPr wrap="none" rtlCol="0">
+            <a:spAutoFit/>
+          </a:bodyPr>
+          <a:lstStyle/>
+          <a:p>
+            <a:r>
+              <a:rPr lang="en-US" b="1" dirty="0"/>
+              <a:t>1. Authentication</a:t>
+            </a:r>
+          </a:p>
+        </p:txBody>
+      </p:sp>
+      <p:sp>
+        <p:nvSpPr>
+          <p:cNvPr id="6" name="TextBox 5">
+            <a:extLst>
+              <a:ext uri="{FF2B5EF4-FFF2-40B4-BE49-F238E27FC236}">
+                <a16:creationId xmlns:a16="http://schemas.microsoft.com/office/drawing/2014/main" id="{8F924D01-5A5D-4DB1-80BB-91D416B27998}"/>
+              </a:ext>
+            </a:extLst>
+          </p:cNvPr>
+          <p:cNvSpPr txBox="1"/>
+          <p:nvPr/>
+        </p:nvSpPr>
+        <p:spPr>
+          <a:xfrm>
+            <a:off x="1563329" y="968762"/>
+            <a:ext cx="5240594" cy="2308324"/>
+          </a:xfrm>
+          <a:prstGeom prst="rect">
+            <a:avLst/>
+          </a:prstGeom>
+          <a:noFill/>
+        </p:spPr>
+        <p:txBody>
+          <a:bodyPr wrap="square">
+            <a:spAutoFit/>
+          </a:bodyPr>
+          <a:lstStyle/>
+          <a:p>
+            <a:pPr>
+              <a:buFont typeface="Arial" panose="020B0604020202020204" pitchFamily="34" charset="0"/>
+              <a:buChar char="•"/>
+            </a:pPr>
+            <a:r>
+              <a:rPr lang="en-US" b="1" dirty="0"/>
+              <a:t>Authentication (Login):</a:t>
+            </a:r>
+            <a:r>
+              <a:rPr lang="en-US" dirty="0"/>
+              <a:t> Verifies the user's identity.</a:t>
+            </a:r>
+          </a:p>
+          <a:p>
+            <a:pPr marL="742950" lvl="1" indent="-285750">
+              <a:buFont typeface="Arial" panose="020B0604020202020204" pitchFamily="34" charset="0"/>
+              <a:buChar char="•"/>
+            </a:pPr>
+            <a:r>
+              <a:rPr lang="en-US" dirty="0"/>
+              <a:t>The system sends credentials to </a:t>
+            </a:r>
+            <a:r>
+              <a:rPr lang="en-US" b="1" dirty="0"/>
+              <a:t>Firebase Authentication</a:t>
+            </a:r>
+            <a:r>
+              <a:rPr lang="en-US" dirty="0"/>
+              <a:t> for validation.</a:t>
+            </a:r>
+          </a:p>
+          <a:p>
+            <a:pPr marL="742950" lvl="1" indent="-285750">
+              <a:buFont typeface="Arial" panose="020B0604020202020204" pitchFamily="34" charset="0"/>
+              <a:buChar char="•"/>
+            </a:pPr>
+            <a:r>
+              <a:rPr lang="en-US" dirty="0"/>
+              <a:t>Upon success, the server creates a secure, temporary </a:t>
+            </a:r>
+            <a:r>
+              <a:rPr lang="en-US" b="1" dirty="0"/>
+              <a:t>JSON Web Token (JWT)</a:t>
+            </a:r>
+            <a:r>
+              <a:rPr lang="en-US" dirty="0"/>
+              <a:t>, which is saved in a cookie. This JWT confirms the user's identity for all subsequent protected actions.</a:t>
+            </a:r>
+          </a:p>
+        </p:txBody>
+      </p:sp>
+      <p:sp>
+        <p:nvSpPr>
+          <p:cNvPr id="9" name="TextBox 8">
+            <a:extLst>
+              <a:ext uri="{FF2B5EF4-FFF2-40B4-BE49-F238E27FC236}">
+                <a16:creationId xmlns:a16="http://schemas.microsoft.com/office/drawing/2014/main" id="{F1A98474-D529-01CC-E260-0A51AF263649}"/>
+              </a:ext>
+            </a:extLst>
+          </p:cNvPr>
+          <p:cNvSpPr txBox="1"/>
+          <p:nvPr/>
+        </p:nvSpPr>
+        <p:spPr>
+          <a:xfrm>
+            <a:off x="1681316" y="3436212"/>
+            <a:ext cx="9969910" cy="1754326"/>
           </a:xfrm>
           <a:prstGeom prst="rect">
             <a:avLst/>
@@ -12183,14 +12292,395 @@
           </a:bodyPr>
           <a:lstStyle/>
           <a:p>
-            <a:pPr algn="ctr"/>
-            <a:r>
-              <a:rPr lang="en-IN" sz="2400" b="1" dirty="0"/>
-              <a:t>Coding Details</a:t>
+            <a:pPr>
+              <a:buFont typeface="Arial" panose="020B0604020202020204" pitchFamily="34" charset="0"/>
+              <a:buChar char="•"/>
+            </a:pPr>
+            <a:r>
+              <a:rPr lang="en-US" b="1" dirty="0"/>
+              <a:t>Authorization (Roles):</a:t>
+            </a:r>
+            <a:r>
+              <a:rPr lang="en-US" dirty="0"/>
+              <a:t> Determines user permissions.</a:t>
+            </a:r>
+          </a:p>
+          <a:p>
+            <a:pPr marL="742950" lvl="1" indent="-285750">
+              <a:buFont typeface="Arial" panose="020B0604020202020204" pitchFamily="34" charset="0"/>
+              <a:buChar char="•"/>
+            </a:pPr>
+            <a:r>
+              <a:rPr lang="en-US" dirty="0"/>
+              <a:t>The system uses </a:t>
+            </a:r>
+            <a:r>
+              <a:rPr lang="en-US" b="1" dirty="0"/>
+              <a:t>Role-Based Access Control (RBAC)</a:t>
+            </a:r>
+            <a:r>
+              <a:rPr lang="en-US" dirty="0"/>
+              <a:t>:</a:t>
+            </a:r>
+          </a:p>
+          <a:p>
+            <a:pPr marL="1143000" lvl="2" indent="-228600">
+              <a:buFont typeface="Arial" panose="020B0604020202020204" pitchFamily="34" charset="0"/>
+              <a:buChar char="•"/>
+            </a:pPr>
+            <a:r>
+              <a:rPr lang="en-US" b="1" dirty="0"/>
+              <a:t>Admin:</a:t>
+            </a:r>
+            <a:r>
+              <a:rPr lang="en-US" dirty="0"/>
+              <a:t> Has permission to control camera streams and view other user data.</a:t>
+            </a:r>
+          </a:p>
+          <a:p>
+            <a:pPr marL="1143000" lvl="2" indent="-228600">
+              <a:buFont typeface="Arial" panose="020B0604020202020204" pitchFamily="34" charset="0"/>
+              <a:buChar char="•"/>
+            </a:pPr>
+            <a:r>
+              <a:rPr lang="en-US" b="1" dirty="0"/>
+              <a:t>Standard/Guest:</a:t>
+            </a:r>
+            <a:r>
+              <a:rPr lang="en-US" dirty="0"/>
+              <a:t> Only has permission to view their own data.</a:t>
+            </a:r>
+          </a:p>
+          <a:p>
+            <a:pPr marL="742950" lvl="1" indent="-285750">
+              <a:buFont typeface="Arial" panose="020B0604020202020204" pitchFamily="34" charset="0"/>
+              <a:buChar char="•"/>
+            </a:pPr>
+            <a:r>
+              <a:rPr lang="en-US" dirty="0"/>
+              <a:t>The application checks the user's role on restricted pages (e.g., </a:t>
+            </a:r>
+            <a:r>
+              <a:rPr lang="en-US" dirty="0">
+                <a:latin typeface="Courier New" panose="02070309020205020404" pitchFamily="49" charset="0"/>
+              </a:rPr>
+              <a:t>/</a:t>
+            </a:r>
+            <a:r>
+              <a:rPr lang="en-US" dirty="0" err="1">
+                <a:latin typeface="Courier New" panose="02070309020205020404" pitchFamily="49" charset="0"/>
+              </a:rPr>
+              <a:t>cam_manage</a:t>
+            </a:r>
+            <a:r>
+              <a:rPr lang="en-US" dirty="0"/>
+              <a:t>) before granting access.</a:t>
             </a:r>
           </a:p>
         </p:txBody>
       </p:sp>
+      <p:pic>
+        <p:nvPicPr>
+          <p:cNvPr id="11" name="Picture 10" descr="A screenshot of a computer screen&#10;&#10;AI-generated content may be incorrect.">
+            <a:hlinkClick r:id="rId2" action="ppaction://hlinkfile"/>
+            <a:extLst>
+              <a:ext uri="{FF2B5EF4-FFF2-40B4-BE49-F238E27FC236}">
+                <a16:creationId xmlns:a16="http://schemas.microsoft.com/office/drawing/2014/main" id="{E89C4A77-D9BA-4146-EF9C-AE833BCEE514}"/>
+              </a:ext>
+            </a:extLst>
+          </p:cNvPr>
+          <p:cNvPicPr>
+            <a:picLocks noChangeAspect="1"/>
+          </p:cNvPicPr>
+          <p:nvPr/>
+        </p:nvPicPr>
+        <p:blipFill>
+          <a:blip r:embed="rId3">
+            <a:extLst>
+              <a:ext uri="{28A0092B-C50C-407E-A947-70E740481C1C}">
+                <a14:useLocalDpi xmlns:a14="http://schemas.microsoft.com/office/drawing/2010/main" val="0"/>
+              </a:ext>
+            </a:extLst>
+          </a:blip>
+          <a:stretch>
+            <a:fillRect/>
+          </a:stretch>
+        </p:blipFill>
+        <p:spPr>
+          <a:xfrm>
+            <a:off x="6803923" y="784096"/>
+            <a:ext cx="5202522" cy="2411388"/>
+          </a:xfrm>
+          <a:prstGeom prst="rect">
+            <a:avLst/>
+          </a:prstGeom>
+        </p:spPr>
+      </p:pic>
+    </p:spTree>
+    <p:extLst>
+      <p:ext uri="{BB962C8B-B14F-4D97-AF65-F5344CB8AC3E}">
+        <p14:creationId xmlns:p14="http://schemas.microsoft.com/office/powerpoint/2010/main" val="381183921"/>
+      </p:ext>
+    </p:extLst>
+  </p:cSld>
+  <p:clrMapOvr>
+    <a:masterClrMapping/>
+  </p:clrMapOvr>
+</p:sld>
+</file>
+
+<file path=ppt/slides/slide16.xml><?xml version="1.0" encoding="utf-8"?>
+<p:sld xmlns:a="http://schemas.openxmlformats.org/drawingml/2006/main" xmlns:r="http://schemas.openxmlformats.org/officeDocument/2006/relationships" xmlns:p="http://schemas.openxmlformats.org/presentationml/2006/main">
+  <p:cSld>
+    <p:spTree>
+      <p:nvGrpSpPr>
+        <p:cNvPr id="1" name=""/>
+        <p:cNvGrpSpPr/>
+        <p:nvPr/>
+      </p:nvGrpSpPr>
+      <p:grpSpPr>
+        <a:xfrm>
+          <a:off x="0" y="0"/>
+          <a:ext cx="0" cy="0"/>
+          <a:chOff x="0" y="0"/>
+          <a:chExt cx="0" cy="0"/>
+        </a:xfrm>
+      </p:grpSpPr>
+      <p:sp>
+        <p:nvSpPr>
+          <p:cNvPr id="3" name="TextBox 2">
+            <a:extLst>
+              <a:ext uri="{FF2B5EF4-FFF2-40B4-BE49-F238E27FC236}">
+                <a16:creationId xmlns:a16="http://schemas.microsoft.com/office/drawing/2014/main" id="{8091DC38-4216-3F56-B962-C3A0A404012E}"/>
+              </a:ext>
+            </a:extLst>
+          </p:cNvPr>
+          <p:cNvSpPr txBox="1"/>
+          <p:nvPr/>
+        </p:nvSpPr>
+        <p:spPr>
+          <a:xfrm>
+            <a:off x="1700980" y="230490"/>
+            <a:ext cx="10333704" cy="2109587"/>
+          </a:xfrm>
+          <a:prstGeom prst="rect">
+            <a:avLst/>
+          </a:prstGeom>
+          <a:noFill/>
+        </p:spPr>
+        <p:txBody>
+          <a:bodyPr wrap="square">
+            <a:spAutoFit/>
+          </a:bodyPr>
+          <a:lstStyle/>
+          <a:p>
+            <a:pPr>
+              <a:buNone/>
+            </a:pPr>
+            <a:r>
+              <a:rPr lang="en-US" b="1" dirty="0"/>
+              <a:t>Sign-Up:</a:t>
+            </a:r>
+          </a:p>
+          <a:p>
+            <a:pPr>
+              <a:buFont typeface="Arial" panose="020B0604020202020204" pitchFamily="34" charset="0"/>
+              <a:buChar char="•"/>
+            </a:pPr>
+            <a:r>
+              <a:rPr lang="en-US" b="1" dirty="0"/>
+              <a:t>Data Split:</a:t>
+            </a:r>
+            <a:r>
+              <a:rPr lang="en-US" dirty="0"/>
+              <a:t> Registration data is stored securely in two places:</a:t>
+            </a:r>
+          </a:p>
+          <a:p>
+            <a:pPr marL="742950" lvl="1" indent="-285750">
+              <a:buFont typeface="Arial" panose="020B0604020202020204" pitchFamily="34" charset="0"/>
+              <a:buChar char="•"/>
+            </a:pPr>
+            <a:r>
+              <a:rPr lang="en-US" b="1" dirty="0"/>
+              <a:t>Email/Password:</a:t>
+            </a:r>
+            <a:r>
+              <a:rPr lang="en-US" dirty="0"/>
+              <a:t> Handled securely by the </a:t>
+            </a:r>
+            <a:r>
+              <a:rPr lang="en-US" b="1" dirty="0"/>
+              <a:t>Firebase Authentication Service</a:t>
+            </a:r>
+            <a:r>
+              <a:rPr lang="en-US" dirty="0"/>
+              <a:t>.</a:t>
+            </a:r>
+          </a:p>
+          <a:p>
+            <a:pPr marL="742950" lvl="1" indent="-285750">
+              <a:buFont typeface="Arial" panose="020B0604020202020204" pitchFamily="34" charset="0"/>
+              <a:buChar char="•"/>
+            </a:pPr>
+            <a:r>
+              <a:rPr lang="en-US" b="1" dirty="0"/>
+              <a:t>Username/Role:</a:t>
+            </a:r>
+            <a:r>
+              <a:rPr lang="en-US" dirty="0"/>
+              <a:t> Stored in the </a:t>
+            </a:r>
+            <a:r>
+              <a:rPr lang="en-US" b="1" dirty="0"/>
+              <a:t>Firebase Realtime Database</a:t>
+            </a:r>
+            <a:r>
+              <a:rPr lang="en-US" dirty="0"/>
+              <a:t>, linked by the unique User ID (UID) returned by the Authentication service.</a:t>
+            </a:r>
+          </a:p>
+          <a:p>
+            <a:pPr>
+              <a:buFont typeface="Arial" panose="020B0604020202020204" pitchFamily="34" charset="0"/>
+              <a:buChar char="•"/>
+            </a:pPr>
+            <a:r>
+              <a:rPr lang="en-US" b="1" dirty="0"/>
+              <a:t>Guest Access:</a:t>
+            </a:r>
+            <a:r>
+              <a:rPr lang="en-US" dirty="0"/>
+              <a:t> Provides a limited, </a:t>
+            </a:r>
+            <a:r>
+              <a:rPr lang="en-US" b="1" dirty="0"/>
+              <a:t>non-persistent</a:t>
+            </a:r>
+            <a:r>
+              <a:rPr lang="en-US" dirty="0"/>
+              <a:t> way to test features, with all log data stored only in the temporary user session.</a:t>
+            </a:r>
+          </a:p>
+        </p:txBody>
+      </p:sp>
+      <p:pic>
+        <p:nvPicPr>
+          <p:cNvPr id="5" name="Picture 4" descr="A screenshot of a computer&#10;&#10;AI-generated content may be incorrect.">
+            <a:extLst>
+              <a:ext uri="{FF2B5EF4-FFF2-40B4-BE49-F238E27FC236}">
+                <a16:creationId xmlns:a16="http://schemas.microsoft.com/office/drawing/2014/main" id="{12280074-8BFD-EB89-3CD6-B2678417FE73}"/>
+              </a:ext>
+            </a:extLst>
+          </p:cNvPr>
+          <p:cNvPicPr>
+            <a:picLocks noChangeAspect="1"/>
+          </p:cNvPicPr>
+          <p:nvPr/>
+        </p:nvPicPr>
+        <p:blipFill>
+          <a:blip r:embed="rId2">
+            <a:extLst>
+              <a:ext uri="{28A0092B-C50C-407E-A947-70E740481C1C}">
+                <a14:useLocalDpi xmlns:a14="http://schemas.microsoft.com/office/drawing/2010/main" val="0"/>
+              </a:ext>
+            </a:extLst>
+          </a:blip>
+          <a:stretch>
+            <a:fillRect/>
+          </a:stretch>
+        </p:blipFill>
+        <p:spPr>
+          <a:xfrm>
+            <a:off x="2394155" y="2476931"/>
+            <a:ext cx="8293510" cy="3873486"/>
+          </a:xfrm>
+          <a:prstGeom prst="rect">
+            <a:avLst/>
+          </a:prstGeom>
+        </p:spPr>
+      </p:pic>
+      <mc:AlternateContent xmlns:mc="http://schemas.openxmlformats.org/markup-compatibility/2006" xmlns:p14="http://schemas.microsoft.com/office/powerpoint/2010/main">
+        <mc:Choice Requires="p14">
+          <p:contentPart p14:bwMode="auto" r:id="rId3">
+            <p14:nvContentPartPr>
+              <p14:cNvPr id="6" name="Ink 5">
+                <a:extLst>
+                  <a:ext uri="{FF2B5EF4-FFF2-40B4-BE49-F238E27FC236}">
+                    <a16:creationId xmlns:a16="http://schemas.microsoft.com/office/drawing/2014/main" id="{9F0D4B87-8FBA-2F5B-2436-EE204EFCF927}"/>
+                  </a:ext>
+                </a:extLst>
+              </p14:cNvPr>
+              <p14:cNvContentPartPr/>
+              <p14:nvPr/>
+            </p14:nvContentPartPr>
+            <p14:xfrm>
+              <a:off x="3359160" y="5187960"/>
+              <a:ext cx="360" cy="360"/>
+            </p14:xfrm>
+          </p:contentPart>
+        </mc:Choice>
+        <mc:Fallback xmlns="">
+          <p:pic>
+            <p:nvPicPr>
+              <p:cNvPr id="6" name="Ink 5">
+                <a:extLst>
+                  <a:ext uri="{FF2B5EF4-FFF2-40B4-BE49-F238E27FC236}">
+                    <a16:creationId xmlns:a16="http://schemas.microsoft.com/office/drawing/2014/main" id="{9F0D4B87-8FBA-2F5B-2436-EE204EFCF927}"/>
+                  </a:ext>
+                </a:extLst>
+              </p:cNvPr>
+              <p:cNvPicPr/>
+              <p:nvPr/>
+            </p:nvPicPr>
+            <p:blipFill>
+              <a:blip r:embed="rId4"/>
+              <a:stretch>
+                <a:fillRect/>
+              </a:stretch>
+            </p:blipFill>
+            <p:spPr>
+              <a:xfrm>
+                <a:off x="3349800" y="5178600"/>
+                <a:ext cx="19080" cy="19080"/>
+              </a:xfrm>
+              <a:prstGeom prst="rect">
+                <a:avLst/>
+              </a:prstGeom>
+            </p:spPr>
+          </p:pic>
+        </mc:Fallback>
+      </mc:AlternateContent>
+    </p:spTree>
+    <p:extLst>
+      <p:ext uri="{BB962C8B-B14F-4D97-AF65-F5344CB8AC3E}">
+        <p14:creationId xmlns:p14="http://schemas.microsoft.com/office/powerpoint/2010/main" val="3880878545"/>
+      </p:ext>
+    </p:extLst>
+  </p:cSld>
+  <p:clrMapOvr>
+    <a:masterClrMapping/>
+  </p:clrMapOvr>
+</p:sld>
+</file>
+
+<file path=ppt/slides/slide17.xml><?xml version="1.0" encoding="utf-8"?>
+<p:sld xmlns:a="http://schemas.openxmlformats.org/drawingml/2006/main" xmlns:r="http://schemas.openxmlformats.org/officeDocument/2006/relationships" xmlns:p="http://schemas.openxmlformats.org/presentationml/2006/main">
+  <p:cSld>
+    <p:spTree>
+      <p:nvGrpSpPr>
+        <p:cNvPr id="1" name=""/>
+        <p:cNvGrpSpPr/>
+        <p:nvPr/>
+      </p:nvGrpSpPr>
+      <p:grpSpPr>
+        <a:xfrm>
+          <a:off x="0" y="0"/>
+          <a:ext cx="0" cy="0"/>
+          <a:chOff x="0" y="0"/>
+          <a:chExt cx="0" cy="0"/>
+        </a:xfrm>
+      </p:grpSpPr>
       <p:sp>
         <p:nvSpPr>
           <p:cNvPr id="3" name="Rectangle 1">
@@ -12476,8 +12966,8 @@
 </p:sld>
 </file>
 
-<file path=ppt/slides/slide16.xml><?xml version="1.0" encoding="utf-8"?>
-<p:sld xmlns:a="http://schemas.openxmlformats.org/drawingml/2006/main" xmlns:r="http://schemas.openxmlformats.org/officeDocument/2006/relationships" xmlns:p="http://schemas.openxmlformats.org/presentationml/2006/main">
+<file path=ppt/slides/slide18.xml><?xml version="1.0" encoding="utf-8"?>
+<p:sld xmlns:a="http://schemas.openxmlformats.org/drawingml/2006/main" xmlns:r="http://schemas.openxmlformats.org/officeDocument/2006/relationships" xmlns:p="http://schemas.openxmlformats.org/presentationml/2006/main" show="0">
   <p:cSld>
     <p:spTree>
       <p:nvGrpSpPr>
@@ -12928,7 +13418,7 @@
 </p:sld>
 </file>
 
-<file path=ppt/slides/slide17.xml><?xml version="1.0" encoding="utf-8"?>
+<file path=ppt/slides/slide19.xml><?xml version="1.0" encoding="utf-8"?>
 <p:sld xmlns:a="http://schemas.openxmlformats.org/drawingml/2006/main" xmlns:r="http://schemas.openxmlformats.org/officeDocument/2006/relationships" xmlns:p="http://schemas.openxmlformats.org/presentationml/2006/main">
   <p:cSld>
     <p:spTree>
@@ -13218,7 +13708,109 @@
 </p:sld>
 </file>
 
-<file path=ppt/slides/slide18.xml><?xml version="1.0" encoding="utf-8"?>
+<file path=ppt/slides/slide2.xml><?xml version="1.0" encoding="utf-8"?>
+<p:sld xmlns:a="http://schemas.openxmlformats.org/drawingml/2006/main" xmlns:r="http://schemas.openxmlformats.org/officeDocument/2006/relationships" xmlns:p="http://schemas.openxmlformats.org/presentationml/2006/main">
+  <p:cSld>
+    <p:spTree>
+      <p:nvGrpSpPr>
+        <p:cNvPr id="1" name=""/>
+        <p:cNvGrpSpPr/>
+        <p:nvPr/>
+      </p:nvGrpSpPr>
+      <p:grpSpPr>
+        <a:xfrm>
+          <a:off x="0" y="0"/>
+          <a:ext cx="0" cy="0"/>
+          <a:chOff x="0" y="0"/>
+          <a:chExt cx="0" cy="0"/>
+        </a:xfrm>
+      </p:grpSpPr>
+      <p:sp>
+        <p:nvSpPr>
+          <p:cNvPr id="2" name="Title 1">
+            <a:extLst>
+              <a:ext uri="{FF2B5EF4-FFF2-40B4-BE49-F238E27FC236}">
+                <a16:creationId xmlns:a16="http://schemas.microsoft.com/office/drawing/2014/main" id="{8993BAA4-1E45-0EB8-E4D6-F998E245B6D0}"/>
+              </a:ext>
+            </a:extLst>
+          </p:cNvPr>
+          <p:cNvSpPr>
+            <a:spLocks noGrp="1"/>
+          </p:cNvSpPr>
+          <p:nvPr>
+            <p:ph type="title"/>
+          </p:nvPr>
+        </p:nvSpPr>
+        <p:spPr/>
+        <p:txBody>
+          <a:bodyPr/>
+          <a:lstStyle/>
+          <a:p>
+            <a:r>
+              <a:rPr lang="en-IN" b="1" dirty="0"/>
+              <a:t>Purpose of the crowd count</a:t>
+            </a:r>
+          </a:p>
+        </p:txBody>
+      </p:sp>
+      <p:sp>
+        <p:nvSpPr>
+          <p:cNvPr id="3" name="Content Placeholder 2">
+            <a:extLst>
+              <a:ext uri="{FF2B5EF4-FFF2-40B4-BE49-F238E27FC236}">
+                <a16:creationId xmlns:a16="http://schemas.microsoft.com/office/drawing/2014/main" id="{FADE842A-6C30-6B1A-2A32-CB7980EB2F36}"/>
+              </a:ext>
+            </a:extLst>
+          </p:cNvPr>
+          <p:cNvSpPr>
+            <a:spLocks noGrp="1"/>
+          </p:cNvSpPr>
+          <p:nvPr>
+            <p:ph idx="1"/>
+          </p:nvPr>
+        </p:nvSpPr>
+        <p:spPr/>
+        <p:txBody>
+          <a:bodyPr/>
+          <a:lstStyle/>
+          <a:p>
+            <a:r>
+              <a:rPr lang="en-US" dirty="0"/>
+              <a:t>The primary objective of the </a:t>
+            </a:r>
+            <a:r>
+              <a:rPr lang="en-US" b="1" dirty="0"/>
+              <a:t>Crowd Count</a:t>
+            </a:r>
+            <a:r>
+              <a:rPr lang="en-US" dirty="0"/>
+              <a:t> system is to </a:t>
+            </a:r>
+            <a:r>
+              <a:rPr lang="en-US" b="1" dirty="0"/>
+              <a:t>automatically estimate the number of people in a given area using visual data (images or video feeds)</a:t>
+            </a:r>
+            <a:r>
+              <a:rPr lang="en-US" dirty="0"/>
+              <a:t> and to generate actionable insights for effective crowd management. This system is designed to support real-time monitoring, spatial analysis, and trend visualization, enabling proactive decision-making in dynamic environments.</a:t>
+            </a:r>
+          </a:p>
+        </p:txBody>
+      </p:sp>
+    </p:spTree>
+    <p:extLst>
+      <p:ext uri="{BB962C8B-B14F-4D97-AF65-F5344CB8AC3E}">
+        <p14:creationId xmlns:p14="http://schemas.microsoft.com/office/powerpoint/2010/main" val="102244544"/>
+      </p:ext>
+    </p:extLst>
+  </p:cSld>
+  <p:clrMapOvr>
+    <a:masterClrMapping/>
+  </p:clrMapOvr>
+</p:sld>
+</file>
+
+<file path=ppt/slides/slide20.xml><?xml version="1.0" encoding="utf-8"?>
 <p:sld xmlns:a="http://schemas.openxmlformats.org/drawingml/2006/main" xmlns:r="http://schemas.openxmlformats.org/officeDocument/2006/relationships" xmlns:p="http://schemas.openxmlformats.org/presentationml/2006/main">
   <p:cSld>
     <p:spTree>
@@ -13739,7 +14331,7 @@
 </p:sld>
 </file>
 
-<file path=ppt/slides/slide19.xml><?xml version="1.0" encoding="utf-8"?>
+<file path=ppt/slides/slide21.xml><?xml version="1.0" encoding="utf-8"?>
 <p:sld xmlns:a="http://schemas.openxmlformats.org/drawingml/2006/main" xmlns:r="http://schemas.openxmlformats.org/officeDocument/2006/relationships" xmlns:p="http://schemas.openxmlformats.org/presentationml/2006/main">
   <p:cSld>
     <p:spTree>
@@ -13849,109 +14441,7 @@
 </p:sld>
 </file>
 
-<file path=ppt/slides/slide2.xml><?xml version="1.0" encoding="utf-8"?>
-<p:sld xmlns:a="http://schemas.openxmlformats.org/drawingml/2006/main" xmlns:r="http://schemas.openxmlformats.org/officeDocument/2006/relationships" xmlns:p="http://schemas.openxmlformats.org/presentationml/2006/main">
-  <p:cSld>
-    <p:spTree>
-      <p:nvGrpSpPr>
-        <p:cNvPr id="1" name=""/>
-        <p:cNvGrpSpPr/>
-        <p:nvPr/>
-      </p:nvGrpSpPr>
-      <p:grpSpPr>
-        <a:xfrm>
-          <a:off x="0" y="0"/>
-          <a:ext cx="0" cy="0"/>
-          <a:chOff x="0" y="0"/>
-          <a:chExt cx="0" cy="0"/>
-        </a:xfrm>
-      </p:grpSpPr>
-      <p:sp>
-        <p:nvSpPr>
-          <p:cNvPr id="2" name="Title 1">
-            <a:extLst>
-              <a:ext uri="{FF2B5EF4-FFF2-40B4-BE49-F238E27FC236}">
-                <a16:creationId xmlns:a16="http://schemas.microsoft.com/office/drawing/2014/main" id="{8993BAA4-1E45-0EB8-E4D6-F998E245B6D0}"/>
-              </a:ext>
-            </a:extLst>
-          </p:cNvPr>
-          <p:cNvSpPr>
-            <a:spLocks noGrp="1"/>
-          </p:cNvSpPr>
-          <p:nvPr>
-            <p:ph type="title"/>
-          </p:nvPr>
-        </p:nvSpPr>
-        <p:spPr/>
-        <p:txBody>
-          <a:bodyPr/>
-          <a:lstStyle/>
-          <a:p>
-            <a:r>
-              <a:rPr lang="en-IN" b="1" dirty="0"/>
-              <a:t>Purpose of the crowd count</a:t>
-            </a:r>
-          </a:p>
-        </p:txBody>
-      </p:sp>
-      <p:sp>
-        <p:nvSpPr>
-          <p:cNvPr id="3" name="Content Placeholder 2">
-            <a:extLst>
-              <a:ext uri="{FF2B5EF4-FFF2-40B4-BE49-F238E27FC236}">
-                <a16:creationId xmlns:a16="http://schemas.microsoft.com/office/drawing/2014/main" id="{FADE842A-6C30-6B1A-2A32-CB7980EB2F36}"/>
-              </a:ext>
-            </a:extLst>
-          </p:cNvPr>
-          <p:cNvSpPr>
-            <a:spLocks noGrp="1"/>
-          </p:cNvSpPr>
-          <p:nvPr>
-            <p:ph idx="1"/>
-          </p:nvPr>
-        </p:nvSpPr>
-        <p:spPr/>
-        <p:txBody>
-          <a:bodyPr/>
-          <a:lstStyle/>
-          <a:p>
-            <a:r>
-              <a:rPr lang="en-US" dirty="0"/>
-              <a:t>The primary objective of the </a:t>
-            </a:r>
-            <a:r>
-              <a:rPr lang="en-US" b="1" dirty="0"/>
-              <a:t>Crowd Count</a:t>
-            </a:r>
-            <a:r>
-              <a:rPr lang="en-US" dirty="0"/>
-              <a:t> system is to </a:t>
-            </a:r>
-            <a:r>
-              <a:rPr lang="en-US" b="1" dirty="0"/>
-              <a:t>automatically estimate the number of people in a given area using visual data (images or video feeds)</a:t>
-            </a:r>
-            <a:r>
-              <a:rPr lang="en-US" dirty="0"/>
-              <a:t> and to generate actionable insights for effective crowd management. This system is designed to support real-time monitoring, spatial analysis, and trend visualization, enabling proactive decision-making in dynamic environments.</a:t>
-            </a:r>
-          </a:p>
-        </p:txBody>
-      </p:sp>
-    </p:spTree>
-    <p:extLst>
-      <p:ext uri="{BB962C8B-B14F-4D97-AF65-F5344CB8AC3E}">
-        <p14:creationId xmlns:p14="http://schemas.microsoft.com/office/powerpoint/2010/main" val="102244544"/>
-      </p:ext>
-    </p:extLst>
-  </p:cSld>
-  <p:clrMapOvr>
-    <a:masterClrMapping/>
-  </p:clrMapOvr>
-</p:sld>
-</file>
-
-<file path=ppt/slides/slide20.xml><?xml version="1.0" encoding="utf-8"?>
+<file path=ppt/slides/slide22.xml><?xml version="1.0" encoding="utf-8"?>
 <p:sld xmlns:a="http://schemas.openxmlformats.org/drawingml/2006/main" xmlns:r="http://schemas.openxmlformats.org/officeDocument/2006/relationships" xmlns:p="http://schemas.openxmlformats.org/presentationml/2006/main">
   <p:cSld>
     <p:spTree>
@@ -14362,8 +14852,8 @@
 </p:sld>
 </file>
 
-<file path=ppt/slides/slide21.xml><?xml version="1.0" encoding="utf-8"?>
-<p:sld xmlns:a="http://schemas.openxmlformats.org/drawingml/2006/main" xmlns:r="http://schemas.openxmlformats.org/officeDocument/2006/relationships" xmlns:p="http://schemas.openxmlformats.org/presentationml/2006/main">
+<file path=ppt/slides/slide23.xml><?xml version="1.0" encoding="utf-8"?>
+<p:sld xmlns:a="http://schemas.openxmlformats.org/drawingml/2006/main" xmlns:r="http://schemas.openxmlformats.org/officeDocument/2006/relationships" xmlns:p="http://schemas.openxmlformats.org/presentationml/2006/main" show="0">
   <p:cSld>
     <p:spTree>
       <p:nvGrpSpPr>
@@ -14828,6 +15318,671 @@
     <p:extLst>
       <p:ext uri="{BB962C8B-B14F-4D97-AF65-F5344CB8AC3E}">
         <p14:creationId xmlns:p14="http://schemas.microsoft.com/office/powerpoint/2010/main" val="2811422353"/>
+      </p:ext>
+    </p:extLst>
+  </p:cSld>
+  <p:clrMapOvr>
+    <a:masterClrMapping/>
+  </p:clrMapOvr>
+</p:sld>
+</file>
+
+<file path=ppt/slides/slide24.xml><?xml version="1.0" encoding="utf-8"?>
+<p:sld xmlns:a="http://schemas.openxmlformats.org/drawingml/2006/main" xmlns:r="http://schemas.openxmlformats.org/officeDocument/2006/relationships" xmlns:p="http://schemas.openxmlformats.org/presentationml/2006/main">
+  <p:cSld>
+    <p:spTree>
+      <p:nvGrpSpPr>
+        <p:cNvPr id="1" name=""/>
+        <p:cNvGrpSpPr/>
+        <p:nvPr/>
+      </p:nvGrpSpPr>
+      <p:grpSpPr>
+        <a:xfrm>
+          <a:off x="0" y="0"/>
+          <a:ext cx="0" cy="0"/>
+          <a:chOff x="0" y="0"/>
+          <a:chExt cx="0" cy="0"/>
+        </a:xfrm>
+      </p:grpSpPr>
+      <p:sp>
+        <p:nvSpPr>
+          <p:cNvPr id="2" name="TextBox 1">
+            <a:extLst>
+              <a:ext uri="{FF2B5EF4-FFF2-40B4-BE49-F238E27FC236}">
+                <a16:creationId xmlns:a16="http://schemas.microsoft.com/office/drawing/2014/main" id="{23071D7F-5EA6-1DDF-C286-0116195FCA20}"/>
+              </a:ext>
+            </a:extLst>
+          </p:cNvPr>
+          <p:cNvSpPr txBox="1"/>
+          <p:nvPr/>
+        </p:nvSpPr>
+        <p:spPr>
+          <a:xfrm>
+            <a:off x="5372084" y="49160"/>
+            <a:ext cx="1447832" cy="400110"/>
+          </a:xfrm>
+          <a:prstGeom prst="rect">
+            <a:avLst/>
+          </a:prstGeom>
+          <a:noFill/>
+        </p:spPr>
+        <p:txBody>
+          <a:bodyPr wrap="none" rtlCol="0">
+            <a:spAutoFit/>
+          </a:bodyPr>
+          <a:lstStyle/>
+          <a:p>
+            <a:r>
+              <a:rPr lang="en-IN" sz="2000" b="1" dirty="0"/>
+              <a:t>Dash board</a:t>
+            </a:r>
+          </a:p>
+        </p:txBody>
+      </p:sp>
+      <p:sp>
+        <p:nvSpPr>
+          <p:cNvPr id="4" name="TextBox 3">
+            <a:extLst>
+              <a:ext uri="{FF2B5EF4-FFF2-40B4-BE49-F238E27FC236}">
+                <a16:creationId xmlns:a16="http://schemas.microsoft.com/office/drawing/2014/main" id="{9BCD1A62-0904-D63D-66B9-F3A86209C009}"/>
+              </a:ext>
+            </a:extLst>
+          </p:cNvPr>
+          <p:cNvSpPr txBox="1"/>
+          <p:nvPr/>
+        </p:nvSpPr>
+        <p:spPr>
+          <a:xfrm>
+            <a:off x="1297858" y="1373502"/>
+            <a:ext cx="4798142" cy="4801314"/>
+          </a:xfrm>
+          <a:prstGeom prst="rect">
+            <a:avLst/>
+          </a:prstGeom>
+          <a:noFill/>
+        </p:spPr>
+        <p:txBody>
+          <a:bodyPr wrap="square">
+            <a:spAutoFit/>
+          </a:bodyPr>
+          <a:lstStyle/>
+          <a:p>
+            <a:r>
+              <a:rPr lang="en-US" b="1" dirty="0"/>
+              <a:t>1. View Registered Users </a:t>
+            </a:r>
+          </a:p>
+          <a:p>
+            <a:r>
+              <a:rPr lang="en-US" b="1" dirty="0"/>
+              <a:t>Purpose:</a:t>
+            </a:r>
+            <a:r>
+              <a:rPr lang="en-US" dirty="0"/>
+              <a:t> Provides the </a:t>
+            </a:r>
+            <a:r>
+              <a:rPr lang="en-US" b="1" dirty="0"/>
+              <a:t>administrative entry point</a:t>
+            </a:r>
+            <a:r>
+              <a:rPr lang="en-US" dirty="0"/>
+              <a:t> to monitor other user accounts. Selecting a user switches the dashboard to </a:t>
+            </a:r>
+            <a:r>
+              <a:rPr lang="en-US" b="1" dirty="0"/>
+              <a:t>Admin View</a:t>
+            </a:r>
+            <a:r>
+              <a:rPr lang="en-US" dirty="0"/>
+              <a:t>.</a:t>
+            </a:r>
+          </a:p>
+          <a:p>
+            <a:r>
+              <a:rPr lang="en-US" b="1" dirty="0"/>
+              <a:t>Visible Data:</a:t>
+            </a:r>
+            <a:r>
+              <a:rPr lang="en-US" dirty="0"/>
+              <a:t> Displays a list of user IDs (demo_1, Admin_1, demo_2).</a:t>
+            </a:r>
+          </a:p>
+          <a:p>
+            <a:endParaRPr lang="en-US" dirty="0"/>
+          </a:p>
+          <a:p>
+            <a:r>
+              <a:rPr lang="en-US" b="1" dirty="0"/>
+              <a:t>2. Live Camera Status Overview </a:t>
+            </a:r>
+          </a:p>
+          <a:p>
+            <a:r>
+              <a:rPr lang="en-US" b="1" dirty="0"/>
+              <a:t>Purpose:</a:t>
+            </a:r>
+            <a:r>
+              <a:rPr lang="en-US" dirty="0"/>
+              <a:t> Delivers the </a:t>
+            </a:r>
+            <a:r>
+              <a:rPr lang="en-US" b="1" dirty="0"/>
+              <a:t>immediate, high-level operational status</a:t>
+            </a:r>
+            <a:r>
+              <a:rPr lang="en-US" dirty="0"/>
+              <a:t> of the currently selected area.</a:t>
+            </a:r>
+          </a:p>
+          <a:p>
+            <a:r>
+              <a:rPr lang="en-US" b="1" dirty="0"/>
+              <a:t>Visible Data:</a:t>
+            </a:r>
+            <a:r>
+              <a:rPr lang="en-US" dirty="0"/>
+              <a:t> Displays critical, real-time metrics for the stream: </a:t>
+            </a:r>
+            <a:r>
+              <a:rPr lang="en-US" b="1" dirty="0"/>
+              <a:t>Area Name</a:t>
+            </a:r>
+            <a:r>
+              <a:rPr lang="en-US" dirty="0"/>
+              <a:t> (Main entrance), </a:t>
+            </a:r>
+            <a:r>
+              <a:rPr lang="en-US" b="1" dirty="0"/>
+              <a:t>Source Type</a:t>
+            </a:r>
+            <a:r>
+              <a:rPr lang="en-US" dirty="0"/>
+              <a:t> (Video File), </a:t>
+            </a:r>
+            <a:r>
+              <a:rPr lang="en-US" b="1" dirty="0"/>
+              <a:t>Current Count</a:t>
+            </a:r>
+            <a:r>
+              <a:rPr lang="en-US" dirty="0"/>
+              <a:t> (29 people), </a:t>
+            </a:r>
+            <a:r>
+              <a:rPr lang="en-US" b="1" dirty="0"/>
+              <a:t>Capacity Threshold</a:t>
+            </a:r>
+            <a:r>
+              <a:rPr lang="en-US" dirty="0"/>
+              <a:t> (30 people), and operational </a:t>
+            </a:r>
+            <a:r>
+              <a:rPr lang="en-US" b="1" dirty="0"/>
+              <a:t>Status</a:t>
+            </a:r>
+            <a:r>
+              <a:rPr lang="en-US" dirty="0"/>
+              <a:t> (Live).</a:t>
+            </a:r>
+          </a:p>
+          <a:p>
+            <a:endParaRPr lang="en-US" dirty="0"/>
+          </a:p>
+        </p:txBody>
+      </p:sp>
+      <p:pic>
+        <p:nvPicPr>
+          <p:cNvPr id="6" name="Picture 5" descr="A screenshot of a computer&#10;&#10;AI-generated content may be incorrect.">
+            <a:hlinkClick r:id="rId2" action="ppaction://hlinkfile"/>
+            <a:extLst>
+              <a:ext uri="{FF2B5EF4-FFF2-40B4-BE49-F238E27FC236}">
+                <a16:creationId xmlns:a16="http://schemas.microsoft.com/office/drawing/2014/main" id="{0F417AC1-9B20-BEF2-49D4-DD08719815DB}"/>
+              </a:ext>
+            </a:extLst>
+          </p:cNvPr>
+          <p:cNvPicPr>
+            <a:picLocks noChangeAspect="1"/>
+          </p:cNvPicPr>
+          <p:nvPr/>
+        </p:nvPicPr>
+        <p:blipFill>
+          <a:blip r:embed="rId3">
+            <a:extLst>
+              <a:ext uri="{28A0092B-C50C-407E-A947-70E740481C1C}">
+                <a14:useLocalDpi xmlns:a14="http://schemas.microsoft.com/office/drawing/2010/main" val="0"/>
+              </a:ext>
+            </a:extLst>
+          </a:blip>
+          <a:stretch>
+            <a:fillRect/>
+          </a:stretch>
+        </p:blipFill>
+        <p:spPr>
+          <a:xfrm>
+            <a:off x="6096000" y="1550947"/>
+            <a:ext cx="5977207" cy="2775245"/>
+          </a:xfrm>
+          <a:prstGeom prst="rect">
+            <a:avLst/>
+          </a:prstGeom>
+        </p:spPr>
+      </p:pic>
+    </p:spTree>
+    <p:extLst>
+      <p:ext uri="{BB962C8B-B14F-4D97-AF65-F5344CB8AC3E}">
+        <p14:creationId xmlns:p14="http://schemas.microsoft.com/office/powerpoint/2010/main" val="4049459621"/>
+      </p:ext>
+    </p:extLst>
+  </p:cSld>
+  <p:clrMapOvr>
+    <a:masterClrMapping/>
+  </p:clrMapOvr>
+</p:sld>
+</file>
+
+<file path=ppt/slides/slide25.xml><?xml version="1.0" encoding="utf-8"?>
+<p:sld xmlns:a="http://schemas.openxmlformats.org/drawingml/2006/main" xmlns:r="http://schemas.openxmlformats.org/officeDocument/2006/relationships" xmlns:p="http://schemas.openxmlformats.org/presentationml/2006/main">
+  <p:cSld>
+    <p:spTree>
+      <p:nvGrpSpPr>
+        <p:cNvPr id="1" name=""/>
+        <p:cNvGrpSpPr/>
+        <p:nvPr/>
+      </p:nvGrpSpPr>
+      <p:grpSpPr>
+        <a:xfrm>
+          <a:off x="0" y="0"/>
+          <a:ext cx="0" cy="0"/>
+          <a:chOff x="0" y="0"/>
+          <a:chExt cx="0" cy="0"/>
+        </a:xfrm>
+      </p:grpSpPr>
+      <p:sp>
+        <p:nvSpPr>
+          <p:cNvPr id="3" name="TextBox 2">
+            <a:extLst>
+              <a:ext uri="{FF2B5EF4-FFF2-40B4-BE49-F238E27FC236}">
+                <a16:creationId xmlns:a16="http://schemas.microsoft.com/office/drawing/2014/main" id="{FA5E645D-E983-052B-6004-F98084203B62}"/>
+              </a:ext>
+            </a:extLst>
+          </p:cNvPr>
+          <p:cNvSpPr txBox="1"/>
+          <p:nvPr/>
+        </p:nvSpPr>
+        <p:spPr>
+          <a:xfrm>
+            <a:off x="1514168" y="491613"/>
+            <a:ext cx="10530348" cy="5355312"/>
+          </a:xfrm>
+          <a:prstGeom prst="rect">
+            <a:avLst/>
+          </a:prstGeom>
+          <a:noFill/>
+        </p:spPr>
+        <p:txBody>
+          <a:bodyPr wrap="square">
+            <a:spAutoFit/>
+          </a:bodyPr>
+          <a:lstStyle/>
+          <a:p>
+            <a:r>
+              <a:rPr lang="en-US" b="1" dirty="0"/>
+              <a:t>3. Real-Time Crowd Density (Bar Graph) </a:t>
+            </a:r>
+          </a:p>
+          <a:p>
+            <a:r>
+              <a:rPr lang="en-US" b="1" dirty="0"/>
+              <a:t>Purpose:</a:t>
+            </a:r>
+            <a:r>
+              <a:rPr lang="en-US" dirty="0"/>
+              <a:t> Visually represents the </a:t>
+            </a:r>
+            <a:r>
+              <a:rPr lang="en-US" b="1" dirty="0"/>
+              <a:t>current load relative to the threshold</a:t>
+            </a:r>
+            <a:r>
+              <a:rPr lang="en-US" dirty="0"/>
+              <a:t>, acting as an actionable density gauge.</a:t>
+            </a:r>
+          </a:p>
+          <a:p>
+            <a:r>
+              <a:rPr lang="en-US" b="1" dirty="0"/>
+              <a:t>Visual Logic:</a:t>
+            </a:r>
+            <a:r>
+              <a:rPr lang="en-US" dirty="0"/>
+              <a:t> The bar shows the percentage of capacity used (29/30). The bar being completely </a:t>
+            </a:r>
+            <a:r>
+              <a:rPr lang="en-US" b="1" dirty="0"/>
+              <a:t>Red</a:t>
+            </a:r>
+            <a:r>
+              <a:rPr lang="en-US" dirty="0"/>
+              <a:t> indicates the count is near or at capacity, serving as an instant visual alert.</a:t>
+            </a:r>
+          </a:p>
+          <a:p>
+            <a:endParaRPr lang="en-US" b="1" dirty="0"/>
+          </a:p>
+          <a:p>
+            <a:r>
+              <a:rPr lang="en-US" b="1" dirty="0"/>
+              <a:t>4. Historical Trend (Scatter Plot) </a:t>
+            </a:r>
+          </a:p>
+          <a:p>
+            <a:r>
+              <a:rPr lang="en-US" b="1" dirty="0"/>
+              <a:t>Purpose:</a:t>
+            </a:r>
+            <a:r>
+              <a:rPr lang="en-US" dirty="0"/>
+              <a:t> Serves as the </a:t>
+            </a:r>
+            <a:r>
+              <a:rPr lang="en-US" b="1" dirty="0"/>
+              <a:t>historical trend visualization</a:t>
+            </a:r>
+            <a:r>
+              <a:rPr lang="en-US" dirty="0"/>
+              <a:t>, allowing managers to quickly assess recent count fluctuations.</a:t>
+            </a:r>
+          </a:p>
+          <a:p>
+            <a:r>
+              <a:rPr lang="en-US" b="1" dirty="0"/>
+              <a:t>Visualization:</a:t>
+            </a:r>
+            <a:r>
+              <a:rPr lang="en-US" dirty="0"/>
+              <a:t> Displays a plot showing recent count points over time (a scatter plot overlaid on a connecting line).</a:t>
+            </a:r>
+          </a:p>
+          <a:p>
+            <a:endParaRPr lang="en-US" dirty="0"/>
+          </a:p>
+          <a:p>
+            <a:r>
+              <a:rPr lang="en-US" b="1" dirty="0"/>
+              <a:t>5. Total Area Wise Graph and Alert Feature </a:t>
+            </a:r>
+          </a:p>
+          <a:p>
+            <a:r>
+              <a:rPr lang="en-US" b="1" dirty="0"/>
+              <a:t>Total Area Wise Graph:</a:t>
+            </a:r>
+            <a:r>
+              <a:rPr lang="en-US" dirty="0"/>
+              <a:t> Shows the </a:t>
+            </a:r>
+            <a:r>
+              <a:rPr lang="en-US" b="1" dirty="0"/>
+              <a:t>count over a longer time scale</a:t>
+            </a:r>
+            <a:r>
+              <a:rPr lang="en-US" dirty="0"/>
+              <a:t> ("Total Crowd Trend"), representing the overall usage pattern for the current user/area.</a:t>
+            </a:r>
+          </a:p>
+          <a:p>
+            <a:r>
+              <a:rPr lang="en-US" b="1" dirty="0"/>
+              <a:t>Alert Feature (Purpose):</a:t>
+            </a:r>
+            <a:r>
+              <a:rPr lang="en-US" dirty="0"/>
+              <a:t> Confirms the system's ability to trigger and display an </a:t>
+            </a:r>
+            <a:r>
+              <a:rPr lang="en-US" b="1" dirty="0"/>
+              <a:t>immediate, actionable alert</a:t>
+            </a:r>
+            <a:r>
+              <a:rPr lang="en-US" dirty="0"/>
+              <a:t> when the capacity threshold is nearly exceeded.</a:t>
+            </a:r>
+          </a:p>
+          <a:p>
+            <a:r>
+              <a:rPr lang="en-US" b="1" dirty="0"/>
+              <a:t>Alert Display:</a:t>
+            </a:r>
+            <a:r>
+              <a:rPr lang="en-US" dirty="0"/>
+              <a:t> The alert is visible as the high-priority </a:t>
+            </a:r>
+            <a:r>
+              <a:rPr lang="en-US" b="1" dirty="0"/>
+              <a:t>CRITICAL CROWD LEVEL!</a:t>
+            </a:r>
+            <a:r>
+              <a:rPr lang="en-US" dirty="0"/>
+              <a:t> red box in the bottom-right corner.</a:t>
+            </a:r>
+          </a:p>
+        </p:txBody>
+      </p:sp>
+    </p:spTree>
+    <p:extLst>
+      <p:ext uri="{BB962C8B-B14F-4D97-AF65-F5344CB8AC3E}">
+        <p14:creationId xmlns:p14="http://schemas.microsoft.com/office/powerpoint/2010/main" val="3350741607"/>
+      </p:ext>
+    </p:extLst>
+  </p:cSld>
+  <p:clrMapOvr>
+    <a:masterClrMapping/>
+  </p:clrMapOvr>
+</p:sld>
+</file>
+
+<file path=ppt/slides/slide26.xml><?xml version="1.0" encoding="utf-8"?>
+<p:sld xmlns:a="http://schemas.openxmlformats.org/drawingml/2006/main" xmlns:r="http://schemas.openxmlformats.org/officeDocument/2006/relationships" xmlns:p="http://schemas.openxmlformats.org/presentationml/2006/main">
+  <p:cSld>
+    <p:spTree>
+      <p:nvGrpSpPr>
+        <p:cNvPr id="1" name=""/>
+        <p:cNvGrpSpPr/>
+        <p:nvPr/>
+      </p:nvGrpSpPr>
+      <p:grpSpPr>
+        <a:xfrm>
+          <a:off x="0" y="0"/>
+          <a:ext cx="0" cy="0"/>
+          <a:chOff x="0" y="0"/>
+          <a:chExt cx="0" cy="0"/>
+        </a:xfrm>
+      </p:grpSpPr>
+      <p:sp>
+        <p:nvSpPr>
+          <p:cNvPr id="3" name="TextBox 2">
+            <a:extLst>
+              <a:ext uri="{FF2B5EF4-FFF2-40B4-BE49-F238E27FC236}">
+                <a16:creationId xmlns:a16="http://schemas.microsoft.com/office/drawing/2014/main" id="{C528E383-99A3-0F7B-5EC2-731C2E266375}"/>
+              </a:ext>
+            </a:extLst>
+          </p:cNvPr>
+          <p:cNvSpPr txBox="1"/>
+          <p:nvPr/>
+        </p:nvSpPr>
+        <p:spPr>
+          <a:xfrm>
+            <a:off x="2930013" y="188960"/>
+            <a:ext cx="6096000" cy="369332"/>
+          </a:xfrm>
+          <a:prstGeom prst="rect">
+            <a:avLst/>
+          </a:prstGeom>
+          <a:noFill/>
+        </p:spPr>
+        <p:txBody>
+          <a:bodyPr wrap="square">
+            <a:spAutoFit/>
+          </a:bodyPr>
+          <a:lstStyle/>
+          <a:p>
+            <a:pPr algn="ctr"/>
+            <a:r>
+              <a:rPr lang="en-US" b="1" dirty="0"/>
+              <a:t>Conclusion of the Crowd Counting Project </a:t>
+            </a:r>
+            <a:endParaRPr lang="en-IN" b="1" dirty="0"/>
+          </a:p>
+        </p:txBody>
+      </p:sp>
+      <p:sp>
+        <p:nvSpPr>
+          <p:cNvPr id="5" name="TextBox 4">
+            <a:extLst>
+              <a:ext uri="{FF2B5EF4-FFF2-40B4-BE49-F238E27FC236}">
+                <a16:creationId xmlns:a16="http://schemas.microsoft.com/office/drawing/2014/main" id="{B6C9A119-C8B0-3E00-9582-4088DF0C5D0C}"/>
+              </a:ext>
+            </a:extLst>
+          </p:cNvPr>
+          <p:cNvSpPr txBox="1"/>
+          <p:nvPr/>
+        </p:nvSpPr>
+        <p:spPr>
+          <a:xfrm>
+            <a:off x="2930013" y="1455173"/>
+            <a:ext cx="7541342" cy="2585323"/>
+          </a:xfrm>
+          <a:prstGeom prst="rect">
+            <a:avLst/>
+          </a:prstGeom>
+          <a:noFill/>
+        </p:spPr>
+        <p:txBody>
+          <a:bodyPr wrap="square">
+            <a:spAutoFit/>
+          </a:bodyPr>
+          <a:lstStyle/>
+          <a:p>
+            <a:pPr>
+              <a:buNone/>
+            </a:pPr>
+            <a:r>
+              <a:rPr lang="en-US" dirty="0"/>
+              <a:t>This project successfully developed a </a:t>
+            </a:r>
+            <a:r>
+              <a:rPr lang="en-US" b="1" dirty="0"/>
+              <a:t>Real-Time Crowd Counting System</a:t>
+            </a:r>
+            <a:r>
+              <a:rPr lang="en-US" dirty="0"/>
+              <a:t> using </a:t>
+            </a:r>
+            <a:r>
+              <a:rPr lang="en-US" b="1" dirty="0"/>
+              <a:t>YOLOv8</a:t>
+            </a:r>
+            <a:r>
+              <a:rPr lang="en-US" dirty="0"/>
+              <a:t> and a multithreaded </a:t>
+            </a:r>
+            <a:r>
+              <a:rPr lang="en-US" b="1" dirty="0"/>
+              <a:t>Flask</a:t>
+            </a:r>
+            <a:r>
+              <a:rPr lang="en-US" dirty="0"/>
+              <a:t> backend.</a:t>
+            </a:r>
+          </a:p>
+          <a:p>
+            <a:pPr>
+              <a:buNone/>
+            </a:pPr>
+            <a:endParaRPr lang="en-US" dirty="0"/>
+          </a:p>
+          <a:p>
+            <a:pPr>
+              <a:buNone/>
+            </a:pPr>
+            <a:r>
+              <a:rPr lang="en-US" dirty="0"/>
+              <a:t>The system's core success lies in:</a:t>
+            </a:r>
+          </a:p>
+          <a:p>
+            <a:pPr>
+              <a:buFont typeface="+mj-lt"/>
+              <a:buAutoNum type="arabicPeriod"/>
+            </a:pPr>
+            <a:r>
+              <a:rPr lang="en-US" b="1" dirty="0"/>
+              <a:t>Safety:</a:t>
+            </a:r>
+            <a:r>
+              <a:rPr lang="en-US" dirty="0"/>
+              <a:t> Providing </a:t>
+            </a:r>
+            <a:r>
+              <a:rPr lang="en-US" b="1" dirty="0"/>
+              <a:t>live, accurate counts</a:t>
+            </a:r>
+            <a:r>
+              <a:rPr lang="en-US" dirty="0"/>
+              <a:t> and immediate </a:t>
+            </a:r>
+            <a:r>
+              <a:rPr lang="en-US" b="1" dirty="0"/>
+              <a:t>threshold alerts</a:t>
+            </a:r>
+            <a:r>
+              <a:rPr lang="en-US" dirty="0"/>
+              <a:t> to prevent dangerous overcrowding.</a:t>
+            </a:r>
+          </a:p>
+          <a:p>
+            <a:pPr>
+              <a:buFont typeface="+mj-lt"/>
+              <a:buAutoNum type="arabicPeriod"/>
+            </a:pPr>
+            <a:endParaRPr lang="en-US" dirty="0"/>
+          </a:p>
+          <a:p>
+            <a:pPr>
+              <a:buFont typeface="+mj-lt"/>
+              <a:buAutoNum type="arabicPeriod"/>
+            </a:pPr>
+            <a:r>
+              <a:rPr lang="en-US" b="1" dirty="0"/>
+              <a:t>Efficiency:</a:t>
+            </a:r>
+            <a:r>
+              <a:rPr lang="en-US" dirty="0"/>
+              <a:t> Enabling data-driven management through </a:t>
+            </a:r>
+            <a:r>
+              <a:rPr lang="en-US" b="1" dirty="0"/>
+              <a:t>historical usage trends</a:t>
+            </a:r>
+            <a:r>
+              <a:rPr lang="en-US" dirty="0"/>
+              <a:t> and a secure, role-based </a:t>
+            </a:r>
+            <a:r>
+              <a:rPr lang="en-US" b="1" dirty="0"/>
+              <a:t>Admin Dashboard</a:t>
+            </a:r>
+            <a:r>
+              <a:rPr lang="en-US" dirty="0"/>
+              <a:t>.</a:t>
+            </a:r>
+          </a:p>
+        </p:txBody>
+      </p:sp>
+    </p:spTree>
+    <p:extLst>
+      <p:ext uri="{BB962C8B-B14F-4D97-AF65-F5344CB8AC3E}">
+        <p14:creationId xmlns:p14="http://schemas.microsoft.com/office/powerpoint/2010/main" val="3191257207"/>
       </p:ext>
     </p:extLst>
   </p:cSld>

--- a/Crowd Count.pptx
+++ b/Crowd Count.pptx
@@ -143,7 +143,7 @@
 <file path=ppt/revisionInfo.xml><?xml version="1.0" encoding="utf-8"?>
 <p1510:revInfo xmlns:a="http://schemas.openxmlformats.org/drawingml/2006/main" xmlns:r="http://schemas.openxmlformats.org/officeDocument/2006/relationships" xmlns:p1510="http://schemas.microsoft.com/office/powerpoint/2015/10/main">
   <p1510:revLst>
-    <p1510:client id="{0DBA14E7-686A-4968-9A21-51D3FAA03437}" v="281" dt="2025-11-11T10:09:06.119"/>
+    <p1510:client id="{2AC62A23-F997-41C8-ADBA-DC9231C4C13F}" v="27" dt="2025-11-28T14:58:33.441"/>
   </p1510:revLst>
 </p1510:revInfo>
 </file>
@@ -153,32 +153,16 @@
   <pc:docChgLst>
     <pc:chgData name="shanmuk sai srinivas" userId="c1b44e370da95be1" providerId="LiveId" clId="{9F8E2EC8-786B-4FEC-A1F4-D78D3F2A3CF2}"/>
     <pc:docChg chg="undo custSel addSld delSld modSld">
-      <pc:chgData name="shanmuk sai srinivas" userId="c1b44e370da95be1" providerId="LiveId" clId="{9F8E2EC8-786B-4FEC-A1F4-D78D3F2A3CF2}" dt="2025-11-11T15:15:49.493" v="2938" actId="20577"/>
+      <pc:chgData name="shanmuk sai srinivas" userId="c1b44e370da95be1" providerId="LiveId" clId="{9F8E2EC8-786B-4FEC-A1F4-D78D3F2A3CF2}" dt="2025-11-28T14:58:33.441" v="3147"/>
       <pc:docMkLst>
         <pc:docMk/>
       </pc:docMkLst>
       <pc:sldChg chg="addSp delSp modSp mod">
-        <pc:chgData name="shanmuk sai srinivas" userId="c1b44e370da95be1" providerId="LiveId" clId="{9F8E2EC8-786B-4FEC-A1F4-D78D3F2A3CF2}" dt="2025-11-11T15:15:49.493" v="2938" actId="20577"/>
+        <pc:chgData name="shanmuk sai srinivas" userId="c1b44e370da95be1" providerId="LiveId" clId="{9F8E2EC8-786B-4FEC-A1F4-D78D3F2A3CF2}" dt="2025-11-28T14:52:50.156" v="2949" actId="1036"/>
         <pc:sldMkLst>
           <pc:docMk/>
           <pc:sldMk cId="1688948147" sldId="256"/>
         </pc:sldMkLst>
-        <pc:spChg chg="del mod">
-          <ac:chgData name="shanmuk sai srinivas" userId="c1b44e370da95be1" providerId="LiveId" clId="{9F8E2EC8-786B-4FEC-A1F4-D78D3F2A3CF2}" dt="2025-11-11T09:56:11.437" v="2733" actId="478"/>
-          <ac:spMkLst>
-            <pc:docMk/>
-            <pc:sldMk cId="1688948147" sldId="256"/>
-            <ac:spMk id="3" creationId="{39AB41D3-F2B8-B652-34D7-31CE44A228F6}"/>
-          </ac:spMkLst>
-        </pc:spChg>
-        <pc:spChg chg="add del mod">
-          <ac:chgData name="shanmuk sai srinivas" userId="c1b44e370da95be1" providerId="LiveId" clId="{9F8E2EC8-786B-4FEC-A1F4-D78D3F2A3CF2}" dt="2025-11-11T09:59:01.431" v="2823" actId="478"/>
-          <ac:spMkLst>
-            <pc:docMk/>
-            <pc:sldMk cId="1688948147" sldId="256"/>
-            <ac:spMk id="4" creationId="{A98C5681-13AA-90EE-A45F-30531F08BDD8}"/>
-          </ac:spMkLst>
-        </pc:spChg>
         <pc:spChg chg="add mod">
           <ac:chgData name="shanmuk sai srinivas" userId="c1b44e370da95be1" providerId="LiveId" clId="{9F8E2EC8-786B-4FEC-A1F4-D78D3F2A3CF2}" dt="2025-11-11T15:15:49.493" v="2938" actId="20577"/>
           <ac:spMkLst>
@@ -195,6 +179,14 @@
             <ac:spMk id="8" creationId="{9CB924F7-3B5A-430F-2F4F-353FB3C6821F}"/>
           </ac:spMkLst>
         </pc:spChg>
+        <pc:picChg chg="add mod">
+          <ac:chgData name="shanmuk sai srinivas" userId="c1b44e370da95be1" providerId="LiveId" clId="{9F8E2EC8-786B-4FEC-A1F4-D78D3F2A3CF2}" dt="2025-11-28T14:52:50.156" v="2949" actId="1036"/>
+          <ac:picMkLst>
+            <pc:docMk/>
+            <pc:sldMk cId="1688948147" sldId="256"/>
+            <ac:picMk id="4" creationId="{912CD447-D180-E67D-8BDE-FC892428742F}"/>
+          </ac:picMkLst>
+        </pc:picChg>
         <pc:picChg chg="add mod">
           <ac:chgData name="shanmuk sai srinivas" userId="c1b44e370da95be1" providerId="LiveId" clId="{9F8E2EC8-786B-4FEC-A1F4-D78D3F2A3CF2}" dt="2025-11-09T08:03:59.842" v="10" actId="1076"/>
           <ac:picMkLst>
@@ -220,8 +212,8 @@
           </ac:cxnSpMkLst>
         </pc:cxnChg>
       </pc:sldChg>
-      <pc:sldChg chg="modSp mod">
-        <pc:chgData name="shanmuk sai srinivas" userId="c1b44e370da95be1" providerId="LiveId" clId="{9F8E2EC8-786B-4FEC-A1F4-D78D3F2A3CF2}" dt="2025-11-09T08:23:13.538" v="36"/>
+      <pc:sldChg chg="addSp modSp mod">
+        <pc:chgData name="shanmuk sai srinivas" userId="c1b44e370da95be1" providerId="LiveId" clId="{9F8E2EC8-786B-4FEC-A1F4-D78D3F2A3CF2}" dt="2025-11-28T14:52:53.822" v="2950"/>
         <pc:sldMkLst>
           <pc:docMk/>
           <pc:sldMk cId="102244544" sldId="257"/>
@@ -242,9 +234,17 @@
             <ac:spMk id="3" creationId="{FADE842A-6C30-6B1A-2A32-CB7980EB2F36}"/>
           </ac:spMkLst>
         </pc:spChg>
+        <pc:picChg chg="add mod">
+          <ac:chgData name="shanmuk sai srinivas" userId="c1b44e370da95be1" providerId="LiveId" clId="{9F8E2EC8-786B-4FEC-A1F4-D78D3F2A3CF2}" dt="2025-11-28T14:52:53.822" v="2950"/>
+          <ac:picMkLst>
+            <pc:docMk/>
+            <pc:sldMk cId="102244544" sldId="257"/>
+            <ac:picMk id="4" creationId="{A24394CF-0270-DCCD-6B4E-21E822F04114}"/>
+          </ac:picMkLst>
+        </pc:picChg>
       </pc:sldChg>
       <pc:sldChg chg="addSp delSp modSp mod">
-        <pc:chgData name="shanmuk sai srinivas" userId="c1b44e370da95be1" providerId="LiveId" clId="{9F8E2EC8-786B-4FEC-A1F4-D78D3F2A3CF2}" dt="2025-11-09T15:17:14.668" v="988" actId="20577"/>
+        <pc:chgData name="shanmuk sai srinivas" userId="c1b44e370da95be1" providerId="LiveId" clId="{9F8E2EC8-786B-4FEC-A1F4-D78D3F2A3CF2}" dt="2025-11-28T14:53:00.026" v="2951"/>
         <pc:sldMkLst>
           <pc:docMk/>
           <pc:sldMk cId="3753706779" sldId="258"/>
@@ -281,24 +281,40 @@
             <ac:graphicFrameMk id="13" creationId="{B4F2EFAF-C5CD-A852-CC7D-DE8D250A6312}"/>
           </ac:graphicFrameMkLst>
         </pc:graphicFrameChg>
+        <pc:picChg chg="add mod">
+          <ac:chgData name="shanmuk sai srinivas" userId="c1b44e370da95be1" providerId="LiveId" clId="{9F8E2EC8-786B-4FEC-A1F4-D78D3F2A3CF2}" dt="2025-11-28T14:53:00.026" v="2951"/>
+          <ac:picMkLst>
+            <pc:docMk/>
+            <pc:sldMk cId="3753706779" sldId="258"/>
+            <ac:picMk id="4" creationId="{98403C02-16A8-9A9B-9A54-18FCE0DCBC1B}"/>
+          </ac:picMkLst>
+        </pc:picChg>
       </pc:sldChg>
       <pc:sldChg chg="addSp delSp modSp new mod">
-        <pc:chgData name="shanmuk sai srinivas" userId="c1b44e370da95be1" providerId="LiveId" clId="{9F8E2EC8-786B-4FEC-A1F4-D78D3F2A3CF2}" dt="2025-11-09T09:29:57.799" v="762" actId="14100"/>
+        <pc:chgData name="shanmuk sai srinivas" userId="c1b44e370da95be1" providerId="LiveId" clId="{9F8E2EC8-786B-4FEC-A1F4-D78D3F2A3CF2}" dt="2025-11-28T14:53:18.972" v="2955" actId="1076"/>
         <pc:sldMkLst>
           <pc:docMk/>
           <pc:sldMk cId="251097109" sldId="259"/>
         </pc:sldMkLst>
         <pc:graphicFrameChg chg="add mod modGraphic">
-          <ac:chgData name="shanmuk sai srinivas" userId="c1b44e370da95be1" providerId="LiveId" clId="{9F8E2EC8-786B-4FEC-A1F4-D78D3F2A3CF2}" dt="2025-11-09T09:29:57.799" v="762" actId="14100"/>
+          <ac:chgData name="shanmuk sai srinivas" userId="c1b44e370da95be1" providerId="LiveId" clId="{9F8E2EC8-786B-4FEC-A1F4-D78D3F2A3CF2}" dt="2025-11-28T14:53:18.972" v="2955" actId="1076"/>
           <ac:graphicFrameMkLst>
             <pc:docMk/>
             <pc:sldMk cId="251097109" sldId="259"/>
             <ac:graphicFrameMk id="3" creationId="{F5F2FA78-21FB-4D90-BB7C-618960284202}"/>
           </ac:graphicFrameMkLst>
         </pc:graphicFrameChg>
+        <pc:picChg chg="add mod">
+          <ac:chgData name="shanmuk sai srinivas" userId="c1b44e370da95be1" providerId="LiveId" clId="{9F8E2EC8-786B-4FEC-A1F4-D78D3F2A3CF2}" dt="2025-11-28T14:53:12.244" v="2954" actId="1076"/>
+          <ac:picMkLst>
+            <pc:docMk/>
+            <pc:sldMk cId="251097109" sldId="259"/>
+            <ac:picMk id="2" creationId="{03EB1830-6416-C885-00BF-F052C00B5913}"/>
+          </ac:picMkLst>
+        </pc:picChg>
       </pc:sldChg>
       <pc:sldChg chg="addSp delSp modSp new mod">
-        <pc:chgData name="shanmuk sai srinivas" userId="c1b44e370da95be1" providerId="LiveId" clId="{9F8E2EC8-786B-4FEC-A1F4-D78D3F2A3CF2}" dt="2025-11-09T09:48:18.981" v="955" actId="14100"/>
+        <pc:chgData name="shanmuk sai srinivas" userId="c1b44e370da95be1" providerId="LiveId" clId="{9F8E2EC8-786B-4FEC-A1F4-D78D3F2A3CF2}" dt="2025-11-28T14:54:11.447" v="2966" actId="1036"/>
         <pc:sldMkLst>
           <pc:docMk/>
           <pc:sldMk cId="872676559" sldId="260"/>
@@ -312,16 +328,24 @@
           </ac:spMkLst>
         </pc:spChg>
         <pc:graphicFrameChg chg="add mod modGraphic">
-          <ac:chgData name="shanmuk sai srinivas" userId="c1b44e370da95be1" providerId="LiveId" clId="{9F8E2EC8-786B-4FEC-A1F4-D78D3F2A3CF2}" dt="2025-11-09T09:48:18.981" v="955" actId="14100"/>
+          <ac:chgData name="shanmuk sai srinivas" userId="c1b44e370da95be1" providerId="LiveId" clId="{9F8E2EC8-786B-4FEC-A1F4-D78D3F2A3CF2}" dt="2025-11-28T14:54:11.447" v="2966" actId="1036"/>
           <ac:graphicFrameMkLst>
             <pc:docMk/>
             <pc:sldMk cId="872676559" sldId="260"/>
             <ac:graphicFrameMk id="5" creationId="{4A0E4AB1-CC51-186D-9C0F-7C9799FD3621}"/>
           </ac:graphicFrameMkLst>
         </pc:graphicFrameChg>
+        <pc:picChg chg="add mod">
+          <ac:chgData name="shanmuk sai srinivas" userId="c1b44e370da95be1" providerId="LiveId" clId="{9F8E2EC8-786B-4FEC-A1F4-D78D3F2A3CF2}" dt="2025-11-28T14:53:24.296" v="2956"/>
+          <ac:picMkLst>
+            <pc:docMk/>
+            <pc:sldMk cId="872676559" sldId="260"/>
+            <ac:picMk id="3" creationId="{F5699912-F16B-442A-EB5F-7365529ACE01}"/>
+          </ac:picMkLst>
+        </pc:picChg>
       </pc:sldChg>
       <pc:sldChg chg="addSp modSp new mod">
-        <pc:chgData name="shanmuk sai srinivas" userId="c1b44e370da95be1" providerId="LiveId" clId="{9F8E2EC8-786B-4FEC-A1F4-D78D3F2A3CF2}" dt="2025-11-09T09:51:33.085" v="977" actId="14100"/>
+        <pc:chgData name="shanmuk sai srinivas" userId="c1b44e370da95be1" providerId="LiveId" clId="{9F8E2EC8-786B-4FEC-A1F4-D78D3F2A3CF2}" dt="2025-11-28T14:54:25.816" v="2986" actId="1036"/>
         <pc:sldMkLst>
           <pc:docMk/>
           <pc:sldMk cId="2802661815" sldId="261"/>
@@ -335,16 +359,24 @@
           </ac:spMkLst>
         </pc:spChg>
         <pc:graphicFrameChg chg="add mod modGraphic">
-          <ac:chgData name="shanmuk sai srinivas" userId="c1b44e370da95be1" providerId="LiveId" clId="{9F8E2EC8-786B-4FEC-A1F4-D78D3F2A3CF2}" dt="2025-11-09T09:51:33.085" v="977" actId="14100"/>
+          <ac:chgData name="shanmuk sai srinivas" userId="c1b44e370da95be1" providerId="LiveId" clId="{9F8E2EC8-786B-4FEC-A1F4-D78D3F2A3CF2}" dt="2025-11-28T14:54:25.816" v="2986" actId="1036"/>
           <ac:graphicFrameMkLst>
             <pc:docMk/>
             <pc:sldMk cId="2802661815" sldId="261"/>
             <ac:graphicFrameMk id="3" creationId="{F884CA89-BBF4-E4FC-CA92-36792B53AD33}"/>
           </ac:graphicFrameMkLst>
         </pc:graphicFrameChg>
+        <pc:picChg chg="add mod">
+          <ac:chgData name="shanmuk sai srinivas" userId="c1b44e370da95be1" providerId="LiveId" clId="{9F8E2EC8-786B-4FEC-A1F4-D78D3F2A3CF2}" dt="2025-11-28T14:54:17.457" v="2967"/>
+          <ac:picMkLst>
+            <pc:docMk/>
+            <pc:sldMk cId="2802661815" sldId="261"/>
+            <ac:picMk id="4" creationId="{82BA80E5-EE1D-A4D6-58FE-19488406448C}"/>
+          </ac:picMkLst>
+        </pc:picChg>
       </pc:sldChg>
       <pc:sldChg chg="addSp modSp new mod">
-        <pc:chgData name="shanmuk sai srinivas" userId="c1b44e370da95be1" providerId="LiveId" clId="{9F8E2EC8-786B-4FEC-A1F4-D78D3F2A3CF2}" dt="2025-11-09T15:27:48.537" v="1128" actId="1076"/>
+        <pc:chgData name="shanmuk sai srinivas" userId="c1b44e370da95be1" providerId="LiveId" clId="{9F8E2EC8-786B-4FEC-A1F4-D78D3F2A3CF2}" dt="2025-11-28T14:54:36.964" v="3000" actId="1036"/>
         <pc:sldMkLst>
           <pc:docMk/>
           <pc:sldMk cId="2505740019" sldId="262"/>
@@ -358,22 +390,30 @@
           </ac:spMkLst>
         </pc:spChg>
         <pc:spChg chg="add mod">
-          <ac:chgData name="shanmuk sai srinivas" userId="c1b44e370da95be1" providerId="LiveId" clId="{9F8E2EC8-786B-4FEC-A1F4-D78D3F2A3CF2}" dt="2025-11-09T15:25:23.327" v="1113" actId="5793"/>
+          <ac:chgData name="shanmuk sai srinivas" userId="c1b44e370da95be1" providerId="LiveId" clId="{9F8E2EC8-786B-4FEC-A1F4-D78D3F2A3CF2}" dt="2025-11-28T14:54:36.964" v="3000" actId="1036"/>
           <ac:spMkLst>
             <pc:docMk/>
             <pc:sldMk cId="2505740019" sldId="262"/>
             <ac:spMk id="3" creationId="{CA9D50FC-9B90-E92E-1923-D8A19B113233}"/>
           </ac:spMkLst>
         </pc:spChg>
+        <pc:picChg chg="add mod">
+          <ac:chgData name="shanmuk sai srinivas" userId="c1b44e370da95be1" providerId="LiveId" clId="{9F8E2EC8-786B-4FEC-A1F4-D78D3F2A3CF2}" dt="2025-11-28T14:54:29.759" v="2987"/>
+          <ac:picMkLst>
+            <pc:docMk/>
+            <pc:sldMk cId="2505740019" sldId="262"/>
+            <ac:picMk id="4" creationId="{551ACC4C-52AA-A441-AAAF-0001E1044CA2}"/>
+          </ac:picMkLst>
+        </pc:picChg>
       </pc:sldChg>
       <pc:sldChg chg="addSp modSp new mod">
-        <pc:chgData name="shanmuk sai srinivas" userId="c1b44e370da95be1" providerId="LiveId" clId="{9F8E2EC8-786B-4FEC-A1F4-D78D3F2A3CF2}" dt="2025-11-09T15:46:17.901" v="1153" actId="1076"/>
+        <pc:chgData name="shanmuk sai srinivas" userId="c1b44e370da95be1" providerId="LiveId" clId="{9F8E2EC8-786B-4FEC-A1F4-D78D3F2A3CF2}" dt="2025-11-28T14:54:52.304" v="3016" actId="1036"/>
         <pc:sldMkLst>
           <pc:docMk/>
           <pc:sldMk cId="2045719196" sldId="263"/>
         </pc:sldMkLst>
         <pc:spChg chg="add mod">
-          <ac:chgData name="shanmuk sai srinivas" userId="c1b44e370da95be1" providerId="LiveId" clId="{9F8E2EC8-786B-4FEC-A1F4-D78D3F2A3CF2}" dt="2025-11-09T15:40:44.894" v="1152" actId="14100"/>
+          <ac:chgData name="shanmuk sai srinivas" userId="c1b44e370da95be1" providerId="LiveId" clId="{9F8E2EC8-786B-4FEC-A1F4-D78D3F2A3CF2}" dt="2025-11-28T14:54:45.241" v="3010" actId="1037"/>
           <ac:spMkLst>
             <pc:docMk/>
             <pc:sldMk cId="2045719196" sldId="263"/>
@@ -381,16 +421,24 @@
           </ac:spMkLst>
         </pc:spChg>
         <pc:spChg chg="add mod">
-          <ac:chgData name="shanmuk sai srinivas" userId="c1b44e370da95be1" providerId="LiveId" clId="{9F8E2EC8-786B-4FEC-A1F4-D78D3F2A3CF2}" dt="2025-11-09T15:46:17.901" v="1153" actId="1076"/>
+          <ac:chgData name="shanmuk sai srinivas" userId="c1b44e370da95be1" providerId="LiveId" clId="{9F8E2EC8-786B-4FEC-A1F4-D78D3F2A3CF2}" dt="2025-11-28T14:54:52.304" v="3016" actId="1036"/>
           <ac:spMkLst>
             <pc:docMk/>
             <pc:sldMk cId="2045719196" sldId="263"/>
             <ac:spMk id="3" creationId="{B91495C7-59D7-478B-29A2-7B5BCE167282}"/>
           </ac:spMkLst>
         </pc:spChg>
+        <pc:picChg chg="add mod">
+          <ac:chgData name="shanmuk sai srinivas" userId="c1b44e370da95be1" providerId="LiveId" clId="{9F8E2EC8-786B-4FEC-A1F4-D78D3F2A3CF2}" dt="2025-11-28T14:54:39.803" v="3001"/>
+          <ac:picMkLst>
+            <pc:docMk/>
+            <pc:sldMk cId="2045719196" sldId="263"/>
+            <ac:picMk id="4" creationId="{97F126BB-1029-A411-B190-75BE28879DC3}"/>
+          </ac:picMkLst>
+        </pc:picChg>
       </pc:sldChg>
       <pc:sldChg chg="addSp modSp new mod">
-        <pc:chgData name="shanmuk sai srinivas" userId="c1b44e370da95be1" providerId="LiveId" clId="{9F8E2EC8-786B-4FEC-A1F4-D78D3F2A3CF2}" dt="2025-11-09T16:06:14.826" v="1175" actId="14100"/>
+        <pc:chgData name="shanmuk sai srinivas" userId="c1b44e370da95be1" providerId="LiveId" clId="{9F8E2EC8-786B-4FEC-A1F4-D78D3F2A3CF2}" dt="2025-11-28T14:54:55.779" v="3017"/>
         <pc:sldMkLst>
           <pc:docMk/>
           <pc:sldMk cId="1583984156" sldId="264"/>
@@ -411,24 +459,40 @@
             <ac:spMk id="3" creationId="{38FB25B0-ED64-9B07-F296-54688F0F60BF}"/>
           </ac:spMkLst>
         </pc:spChg>
+        <pc:picChg chg="add mod">
+          <ac:chgData name="shanmuk sai srinivas" userId="c1b44e370da95be1" providerId="LiveId" clId="{9F8E2EC8-786B-4FEC-A1F4-D78D3F2A3CF2}" dt="2025-11-28T14:54:55.779" v="3017"/>
+          <ac:picMkLst>
+            <pc:docMk/>
+            <pc:sldMk cId="1583984156" sldId="264"/>
+            <ac:picMk id="4" creationId="{E05902EA-E524-75DB-B55E-0BC7D627ADFC}"/>
+          </ac:picMkLst>
+        </pc:picChg>
       </pc:sldChg>
       <pc:sldChg chg="addSp modSp new mod">
-        <pc:chgData name="shanmuk sai srinivas" userId="c1b44e370da95be1" providerId="LiveId" clId="{9F8E2EC8-786B-4FEC-A1F4-D78D3F2A3CF2}" dt="2025-11-09T16:06:35.099" v="1178" actId="20577"/>
+        <pc:chgData name="shanmuk sai srinivas" userId="c1b44e370da95be1" providerId="LiveId" clId="{9F8E2EC8-786B-4FEC-A1F4-D78D3F2A3CF2}" dt="2025-11-28T14:55:11.020" v="3033" actId="1076"/>
         <pc:sldMkLst>
           <pc:docMk/>
           <pc:sldMk cId="1632183252" sldId="265"/>
         </pc:sldMkLst>
         <pc:spChg chg="add mod">
-          <ac:chgData name="shanmuk sai srinivas" userId="c1b44e370da95be1" providerId="LiveId" clId="{9F8E2EC8-786B-4FEC-A1F4-D78D3F2A3CF2}" dt="2025-11-09T16:06:35.099" v="1178" actId="20577"/>
+          <ac:chgData name="shanmuk sai srinivas" userId="c1b44e370da95be1" providerId="LiveId" clId="{9F8E2EC8-786B-4FEC-A1F4-D78D3F2A3CF2}" dt="2025-11-28T14:55:11.020" v="3033" actId="1076"/>
           <ac:spMkLst>
             <pc:docMk/>
             <pc:sldMk cId="1632183252" sldId="265"/>
             <ac:spMk id="3" creationId="{A1C86885-A001-6A3C-D733-812C04AB8748}"/>
           </ac:spMkLst>
         </pc:spChg>
+        <pc:picChg chg="add mod">
+          <ac:chgData name="shanmuk sai srinivas" userId="c1b44e370da95be1" providerId="LiveId" clId="{9F8E2EC8-786B-4FEC-A1F4-D78D3F2A3CF2}" dt="2025-11-28T14:54:58.419" v="3018"/>
+          <ac:picMkLst>
+            <pc:docMk/>
+            <pc:sldMk cId="1632183252" sldId="265"/>
+            <ac:picMk id="2" creationId="{7CF204F6-74C8-9372-E0D7-1B162004039C}"/>
+          </ac:picMkLst>
+        </pc:picChg>
       </pc:sldChg>
       <pc:sldChg chg="addSp delSp modSp new mod">
-        <pc:chgData name="shanmuk sai srinivas" userId="c1b44e370da95be1" providerId="LiveId" clId="{9F8E2EC8-786B-4FEC-A1F4-D78D3F2A3CF2}" dt="2025-11-09T16:44:29.470" v="1591" actId="5793"/>
+        <pc:chgData name="shanmuk sai srinivas" userId="c1b44e370da95be1" providerId="LiveId" clId="{9F8E2EC8-786B-4FEC-A1F4-D78D3F2A3CF2}" dt="2025-11-28T14:55:25.902" v="3050" actId="1036"/>
         <pc:sldMkLst>
           <pc:docMk/>
           <pc:sldMk cId="1101811125" sldId="266"/>
@@ -442,16 +506,24 @@
           </ac:spMkLst>
         </pc:spChg>
         <pc:spChg chg="add mod">
-          <ac:chgData name="shanmuk sai srinivas" userId="c1b44e370da95be1" providerId="LiveId" clId="{9F8E2EC8-786B-4FEC-A1F4-D78D3F2A3CF2}" dt="2025-11-09T16:44:29.470" v="1591" actId="5793"/>
+          <ac:chgData name="shanmuk sai srinivas" userId="c1b44e370da95be1" providerId="LiveId" clId="{9F8E2EC8-786B-4FEC-A1F4-D78D3F2A3CF2}" dt="2025-11-28T14:55:25.902" v="3050" actId="1036"/>
           <ac:spMkLst>
             <pc:docMk/>
             <pc:sldMk cId="1101811125" sldId="266"/>
             <ac:spMk id="4" creationId="{75DAB146-FECD-29AB-83B4-205878504592}"/>
           </ac:spMkLst>
         </pc:spChg>
+        <pc:picChg chg="add mod">
+          <ac:chgData name="shanmuk sai srinivas" userId="c1b44e370da95be1" providerId="LiveId" clId="{9F8E2EC8-786B-4FEC-A1F4-D78D3F2A3CF2}" dt="2025-11-28T14:55:13.963" v="3034"/>
+          <ac:picMkLst>
+            <pc:docMk/>
+            <pc:sldMk cId="1101811125" sldId="266"/>
+            <ac:picMk id="2" creationId="{A7DE06B0-9621-CE3A-9C1A-52B298F65060}"/>
+          </ac:picMkLst>
+        </pc:picChg>
       </pc:sldChg>
       <pc:sldChg chg="addSp delSp modSp new mod">
-        <pc:chgData name="shanmuk sai srinivas" userId="c1b44e370da95be1" providerId="LiveId" clId="{9F8E2EC8-786B-4FEC-A1F4-D78D3F2A3CF2}" dt="2025-11-09T16:49:19.705" v="1630" actId="1035"/>
+        <pc:chgData name="shanmuk sai srinivas" userId="c1b44e370da95be1" providerId="LiveId" clId="{9F8E2EC8-786B-4FEC-A1F4-D78D3F2A3CF2}" dt="2025-11-28T14:55:49.766" v="3083" actId="1037"/>
         <pc:sldMkLst>
           <pc:docMk/>
           <pc:sldMk cId="85001269" sldId="267"/>
@@ -465,16 +537,24 @@
           </ac:spMkLst>
         </pc:spChg>
         <pc:graphicFrameChg chg="add mod modGraphic">
-          <ac:chgData name="shanmuk sai srinivas" userId="c1b44e370da95be1" providerId="LiveId" clId="{9F8E2EC8-786B-4FEC-A1F4-D78D3F2A3CF2}" dt="2025-11-09T16:49:12.496" v="1626" actId="1076"/>
+          <ac:chgData name="shanmuk sai srinivas" userId="c1b44e370da95be1" providerId="LiveId" clId="{9F8E2EC8-786B-4FEC-A1F4-D78D3F2A3CF2}" dt="2025-11-28T14:55:49.766" v="3083" actId="1037"/>
           <ac:graphicFrameMkLst>
             <pc:docMk/>
             <pc:sldMk cId="85001269" sldId="267"/>
             <ac:graphicFrameMk id="4" creationId="{FAFA62C5-100C-1CCB-3893-30C941C00C89}"/>
           </ac:graphicFrameMkLst>
         </pc:graphicFrameChg>
+        <pc:picChg chg="add mod">
+          <ac:chgData name="shanmuk sai srinivas" userId="c1b44e370da95be1" providerId="LiveId" clId="{9F8E2EC8-786B-4FEC-A1F4-D78D3F2A3CF2}" dt="2025-11-28T14:55:31.031" v="3051"/>
+          <ac:picMkLst>
+            <pc:docMk/>
+            <pc:sldMk cId="85001269" sldId="267"/>
+            <ac:picMk id="3" creationId="{C8B14ED5-89D4-8108-F5C1-C25EE779ED8D}"/>
+          </ac:picMkLst>
+        </pc:picChg>
       </pc:sldChg>
       <pc:sldChg chg="addSp delSp modSp new mod">
-        <pc:chgData name="shanmuk sai srinivas" userId="c1b44e370da95be1" providerId="LiveId" clId="{9F8E2EC8-786B-4FEC-A1F4-D78D3F2A3CF2}" dt="2025-11-09T17:12:13.790" v="1789" actId="20577"/>
+        <pc:chgData name="shanmuk sai srinivas" userId="c1b44e370da95be1" providerId="LiveId" clId="{9F8E2EC8-786B-4FEC-A1F4-D78D3F2A3CF2}" dt="2025-11-28T14:55:57.831" v="3084"/>
         <pc:sldMkLst>
           <pc:docMk/>
           <pc:sldMk cId="764449189" sldId="268"/>
@@ -520,6 +600,14 @@
           </ac:graphicFrameMkLst>
         </pc:graphicFrameChg>
         <pc:picChg chg="add mod">
+          <ac:chgData name="shanmuk sai srinivas" userId="c1b44e370da95be1" providerId="LiveId" clId="{9F8E2EC8-786B-4FEC-A1F4-D78D3F2A3CF2}" dt="2025-11-28T14:55:57.831" v="3084"/>
+          <ac:picMkLst>
+            <pc:docMk/>
+            <pc:sldMk cId="764449189" sldId="268"/>
+            <ac:picMk id="3" creationId="{5F587C90-3FFF-5699-2233-6B0DE56DC51D}"/>
+          </ac:picMkLst>
+        </pc:picChg>
+        <pc:picChg chg="add mod">
           <ac:chgData name="shanmuk sai srinivas" userId="c1b44e370da95be1" providerId="LiveId" clId="{9F8E2EC8-786B-4FEC-A1F4-D78D3F2A3CF2}" dt="2025-11-09T17:09:07.336" v="1746" actId="1076"/>
           <ac:picMkLst>
             <pc:docMk/>
@@ -537,13 +625,13 @@
         </pc:picChg>
       </pc:sldChg>
       <pc:sldChg chg="addSp modSp new mod">
-        <pc:chgData name="shanmuk sai srinivas" userId="c1b44e370da95be1" providerId="LiveId" clId="{9F8E2EC8-786B-4FEC-A1F4-D78D3F2A3CF2}" dt="2025-11-09T17:27:00.297" v="1948" actId="14100"/>
+        <pc:chgData name="shanmuk sai srinivas" userId="c1b44e370da95be1" providerId="LiveId" clId="{9F8E2EC8-786B-4FEC-A1F4-D78D3F2A3CF2}" dt="2025-11-28T14:56:36.191" v="3089" actId="1076"/>
         <pc:sldMkLst>
           <pc:docMk/>
           <pc:sldMk cId="3218665575" sldId="269"/>
         </pc:sldMkLst>
         <pc:spChg chg="add mod">
-          <ac:chgData name="shanmuk sai srinivas" userId="c1b44e370da95be1" providerId="LiveId" clId="{9F8E2EC8-786B-4FEC-A1F4-D78D3F2A3CF2}" dt="2025-11-09T17:14:13.880" v="1815" actId="20577"/>
+          <ac:chgData name="shanmuk sai srinivas" userId="c1b44e370da95be1" providerId="LiveId" clId="{9F8E2EC8-786B-4FEC-A1F4-D78D3F2A3CF2}" dt="2025-11-28T14:56:36.191" v="3089" actId="1076"/>
           <ac:spMkLst>
             <pc:docMk/>
             <pc:sldMk cId="3218665575" sldId="269"/>
@@ -551,7 +639,7 @@
           </ac:spMkLst>
         </pc:spChg>
         <pc:graphicFrameChg chg="add mod modGraphic">
-          <ac:chgData name="shanmuk sai srinivas" userId="c1b44e370da95be1" providerId="LiveId" clId="{9F8E2EC8-786B-4FEC-A1F4-D78D3F2A3CF2}" dt="2025-11-09T17:24:38.819" v="1895" actId="20577"/>
+          <ac:chgData name="shanmuk sai srinivas" userId="c1b44e370da95be1" providerId="LiveId" clId="{9F8E2EC8-786B-4FEC-A1F4-D78D3F2A3CF2}" dt="2025-11-28T14:56:18.727" v="3087" actId="1076"/>
           <ac:graphicFrameMkLst>
             <pc:docMk/>
             <pc:sldMk cId="3218665575" sldId="269"/>
@@ -559,7 +647,15 @@
           </ac:graphicFrameMkLst>
         </pc:graphicFrameChg>
         <pc:picChg chg="add mod">
-          <ac:chgData name="shanmuk sai srinivas" userId="c1b44e370da95be1" providerId="LiveId" clId="{9F8E2EC8-786B-4FEC-A1F4-D78D3F2A3CF2}" dt="2025-11-09T17:27:00.297" v="1948" actId="14100"/>
+          <ac:chgData name="shanmuk sai srinivas" userId="c1b44e370da95be1" providerId="LiveId" clId="{9F8E2EC8-786B-4FEC-A1F4-D78D3F2A3CF2}" dt="2025-11-28T14:56:00.943" v="3085"/>
+          <ac:picMkLst>
+            <pc:docMk/>
+            <pc:sldMk cId="3218665575" sldId="269"/>
+            <ac:picMk id="2" creationId="{C7BC16BF-817F-8CE6-A4A6-2D1EAA39DAC3}"/>
+          </ac:picMkLst>
+        </pc:picChg>
+        <pc:picChg chg="add mod">
+          <ac:chgData name="shanmuk sai srinivas" userId="c1b44e370da95be1" providerId="LiveId" clId="{9F8E2EC8-786B-4FEC-A1F4-D78D3F2A3CF2}" dt="2025-11-28T14:56:29.058" v="3088" actId="1076"/>
           <ac:picMkLst>
             <pc:docMk/>
             <pc:sldMk cId="3218665575" sldId="269"/>
@@ -568,33 +664,17 @@
         </pc:picChg>
       </pc:sldChg>
       <pc:sldChg chg="addSp delSp modSp new mod">
-        <pc:chgData name="shanmuk sai srinivas" userId="c1b44e370da95be1" providerId="LiveId" clId="{9F8E2EC8-786B-4FEC-A1F4-D78D3F2A3CF2}" dt="2025-11-11T08:39:27.641" v="2516"/>
+        <pc:chgData name="shanmuk sai srinivas" userId="c1b44e370da95be1" providerId="LiveId" clId="{9F8E2EC8-786B-4FEC-A1F4-D78D3F2A3CF2}" dt="2025-11-28T14:57:13.873" v="3128" actId="1036"/>
         <pc:sldMkLst>
           <pc:docMk/>
           <pc:sldMk cId="1470700881" sldId="270"/>
         </pc:sldMkLst>
-        <pc:spChg chg="add del mod">
-          <ac:chgData name="shanmuk sai srinivas" userId="c1b44e370da95be1" providerId="LiveId" clId="{9F8E2EC8-786B-4FEC-A1F4-D78D3F2A3CF2}" dt="2025-11-11T08:39:27.641" v="2516"/>
-          <ac:spMkLst>
-            <pc:docMk/>
-            <pc:sldMk cId="1470700881" sldId="270"/>
-            <ac:spMk id="2" creationId="{C4371C90-8F54-8069-1F02-072E36554E89}"/>
-          </ac:spMkLst>
-        </pc:spChg>
         <pc:spChg chg="add mod">
           <ac:chgData name="shanmuk sai srinivas" userId="c1b44e370da95be1" providerId="LiveId" clId="{9F8E2EC8-786B-4FEC-A1F4-D78D3F2A3CF2}" dt="2025-11-10T08:35:37.093" v="1988" actId="20577"/>
           <ac:spMkLst>
             <pc:docMk/>
             <pc:sldMk cId="1470700881" sldId="270"/>
             <ac:spMk id="3" creationId="{70ECA8F7-033D-924E-F373-6FBF8D48EE23}"/>
-          </ac:spMkLst>
-        </pc:spChg>
-        <pc:spChg chg="add del mod">
-          <ac:chgData name="shanmuk sai srinivas" userId="c1b44e370da95be1" providerId="LiveId" clId="{9F8E2EC8-786B-4FEC-A1F4-D78D3F2A3CF2}" dt="2025-11-10T08:35:19.420" v="1982"/>
-          <ac:spMkLst>
-            <pc:docMk/>
-            <pc:sldMk cId="1470700881" sldId="270"/>
-            <ac:spMk id="6" creationId="{9D7146E5-C636-73C8-5E7D-1D426F892BFB}"/>
           </ac:spMkLst>
         </pc:spChg>
         <pc:spChg chg="add mod">
@@ -605,16 +685,16 @@
             <ac:spMk id="7" creationId="{BE4A4E08-AEE1-9B4E-5140-1C574909B885}"/>
           </ac:spMkLst>
         </pc:spChg>
-        <pc:spChg chg="add del mod">
-          <ac:chgData name="shanmuk sai srinivas" userId="c1b44e370da95be1" providerId="LiveId" clId="{9F8E2EC8-786B-4FEC-A1F4-D78D3F2A3CF2}" dt="2025-11-10T08:50:03.325" v="2059"/>
-          <ac:spMkLst>
+        <pc:picChg chg="add mod">
+          <ac:chgData name="shanmuk sai srinivas" userId="c1b44e370da95be1" providerId="LiveId" clId="{9F8E2EC8-786B-4FEC-A1F4-D78D3F2A3CF2}" dt="2025-11-28T14:57:09.766" v="3114"/>
+          <ac:picMkLst>
             <pc:docMk/>
             <pc:sldMk cId="1470700881" sldId="270"/>
-            <ac:spMk id="8" creationId="{29A4681F-CFDF-AB1C-7E4A-AEBC8391B1B6}"/>
-          </ac:spMkLst>
-        </pc:spChg>
+            <ac:picMk id="2" creationId="{F5A6298B-55E9-2CEA-C143-E92DCD6ADC95}"/>
+          </ac:picMkLst>
+        </pc:picChg>
         <pc:picChg chg="add mod">
-          <ac:chgData name="shanmuk sai srinivas" userId="c1b44e370da95be1" providerId="LiveId" clId="{9F8E2EC8-786B-4FEC-A1F4-D78D3F2A3CF2}" dt="2025-11-10T09:47:12.150" v="2152" actId="14100"/>
+          <ac:chgData name="shanmuk sai srinivas" userId="c1b44e370da95be1" providerId="LiveId" clId="{9F8E2EC8-786B-4FEC-A1F4-D78D3F2A3CF2}" dt="2025-11-28T14:57:13.873" v="3128" actId="1036"/>
           <ac:picMkLst>
             <pc:docMk/>
             <pc:sldMk cId="1470700881" sldId="270"/>
@@ -623,7 +703,7 @@
         </pc:picChg>
       </pc:sldChg>
       <pc:sldChg chg="addSp modSp new mod modShow">
-        <pc:chgData name="shanmuk sai srinivas" userId="c1b44e370da95be1" providerId="LiveId" clId="{9F8E2EC8-786B-4FEC-A1F4-D78D3F2A3CF2}" dt="2025-11-10T16:07:11.924" v="2476" actId="729"/>
+        <pc:chgData name="shanmuk sai srinivas" userId="c1b44e370da95be1" providerId="LiveId" clId="{9F8E2EC8-786B-4FEC-A1F4-D78D3F2A3CF2}" dt="2025-11-28T14:57:17.045" v="3129"/>
         <pc:sldMkLst>
           <pc:docMk/>
           <pc:sldMk cId="3892926617" sldId="271"/>
@@ -636,35 +716,27 @@
             <ac:spMk id="3" creationId="{21FE1FB8-BF3B-AAFF-909D-BAB62651D61B}"/>
           </ac:spMkLst>
         </pc:spChg>
+        <pc:picChg chg="add mod">
+          <ac:chgData name="shanmuk sai srinivas" userId="c1b44e370da95be1" providerId="LiveId" clId="{9F8E2EC8-786B-4FEC-A1F4-D78D3F2A3CF2}" dt="2025-11-28T14:57:17.045" v="3129"/>
+          <ac:picMkLst>
+            <pc:docMk/>
+            <pc:sldMk cId="3892926617" sldId="271"/>
+            <ac:picMk id="2" creationId="{D09AE75F-C916-52CA-4701-5E1359006F55}"/>
+          </ac:picMkLst>
+        </pc:picChg>
       </pc:sldChg>
       <pc:sldChg chg="addSp delSp modSp new mod">
-        <pc:chgData name="shanmuk sai srinivas" userId="c1b44e370da95be1" providerId="LiveId" clId="{9F8E2EC8-786B-4FEC-A1F4-D78D3F2A3CF2}" dt="2025-11-10T09:47:48.515" v="2156" actId="14100"/>
+        <pc:chgData name="shanmuk sai srinivas" userId="c1b44e370da95be1" providerId="LiveId" clId="{9F8E2EC8-786B-4FEC-A1F4-D78D3F2A3CF2}" dt="2025-11-28T14:57:26.519" v="3131" actId="1076"/>
         <pc:sldMkLst>
           <pc:docMk/>
           <pc:sldMk cId="3574847994" sldId="272"/>
         </pc:sldMkLst>
-        <pc:spChg chg="add del mod">
-          <ac:chgData name="shanmuk sai srinivas" userId="c1b44e370da95be1" providerId="LiveId" clId="{9F8E2EC8-786B-4FEC-A1F4-D78D3F2A3CF2}" dt="2025-11-10T08:58:38.527" v="2126"/>
-          <ac:spMkLst>
-            <pc:docMk/>
-            <pc:sldMk cId="3574847994" sldId="272"/>
-            <ac:spMk id="2" creationId="{9634B242-96E1-194C-9076-194DA10F73C6}"/>
-          </ac:spMkLst>
-        </pc:spChg>
         <pc:spChg chg="add mod">
           <ac:chgData name="shanmuk sai srinivas" userId="c1b44e370da95be1" providerId="LiveId" clId="{9F8E2EC8-786B-4FEC-A1F4-D78D3F2A3CF2}" dt="2025-11-10T08:59:17.819" v="2132" actId="1076"/>
           <ac:spMkLst>
             <pc:docMk/>
             <pc:sldMk cId="3574847994" sldId="272"/>
             <ac:spMk id="3" creationId="{B9FD4EF9-8A39-E01D-D189-9FC3C13FCF55}"/>
-          </ac:spMkLst>
-        </pc:spChg>
-        <pc:spChg chg="add del mod">
-          <ac:chgData name="shanmuk sai srinivas" userId="c1b44e370da95be1" providerId="LiveId" clId="{9F8E2EC8-786B-4FEC-A1F4-D78D3F2A3CF2}" dt="2025-11-10T08:59:33.738" v="2135"/>
-          <ac:spMkLst>
-            <pc:docMk/>
-            <pc:sldMk cId="3574847994" sldId="272"/>
-            <ac:spMk id="4" creationId="{246098DA-8683-FC94-020B-28875EDC88AE}"/>
           </ac:spMkLst>
         </pc:spChg>
         <pc:spChg chg="add mod">
@@ -676,7 +748,15 @@
           </ac:spMkLst>
         </pc:spChg>
         <pc:picChg chg="add mod">
-          <ac:chgData name="shanmuk sai srinivas" userId="c1b44e370da95be1" providerId="LiveId" clId="{9F8E2EC8-786B-4FEC-A1F4-D78D3F2A3CF2}" dt="2025-11-10T09:47:48.515" v="2156" actId="14100"/>
+          <ac:chgData name="shanmuk sai srinivas" userId="c1b44e370da95be1" providerId="LiveId" clId="{9F8E2EC8-786B-4FEC-A1F4-D78D3F2A3CF2}" dt="2025-11-28T14:57:19.999" v="3130"/>
+          <ac:picMkLst>
+            <pc:docMk/>
+            <pc:sldMk cId="3574847994" sldId="272"/>
+            <ac:picMk id="2" creationId="{B4D9E126-52C8-219D-6665-E0C728F3EBC8}"/>
+          </ac:picMkLst>
+        </pc:picChg>
+        <pc:picChg chg="add mod">
+          <ac:chgData name="shanmuk sai srinivas" userId="c1b44e370da95be1" providerId="LiveId" clId="{9F8E2EC8-786B-4FEC-A1F4-D78D3F2A3CF2}" dt="2025-11-28T14:57:26.519" v="3131" actId="1076"/>
           <ac:picMkLst>
             <pc:docMk/>
             <pc:sldMk cId="3574847994" sldId="272"/>
@@ -685,7 +765,7 @@
         </pc:picChg>
       </pc:sldChg>
       <pc:sldChg chg="addSp modSp new mod">
-        <pc:chgData name="shanmuk sai srinivas" userId="c1b44e370da95be1" providerId="LiveId" clId="{9F8E2EC8-786B-4FEC-A1F4-D78D3F2A3CF2}" dt="2025-11-10T10:04:10.171" v="2281" actId="1035"/>
+        <pc:chgData name="shanmuk sai srinivas" userId="c1b44e370da95be1" providerId="LiveId" clId="{9F8E2EC8-786B-4FEC-A1F4-D78D3F2A3CF2}" dt="2025-11-28T14:57:44.240" v="3135" actId="1076"/>
         <pc:sldMkLst>
           <pc:docMk/>
           <pc:sldMk cId="2841147846" sldId="273"/>
@@ -739,55 +819,23 @@
           </ac:spMkLst>
         </pc:spChg>
         <pc:spChg chg="add mod">
-          <ac:chgData name="shanmuk sai srinivas" userId="c1b44e370da95be1" providerId="LiveId" clId="{9F8E2EC8-786B-4FEC-A1F4-D78D3F2A3CF2}" dt="2025-11-10T10:00:45.576" v="2234" actId="14100"/>
-          <ac:spMkLst>
-            <pc:docMk/>
-            <pc:sldMk cId="2841147846" sldId="273"/>
-            <ac:spMk id="15" creationId="{2FDD1974-4227-D20F-C8B6-A4439D514F3E}"/>
-          </ac:spMkLst>
-        </pc:spChg>
-        <pc:spChg chg="add">
-          <ac:chgData name="shanmuk sai srinivas" userId="c1b44e370da95be1" providerId="LiveId" clId="{9F8E2EC8-786B-4FEC-A1F4-D78D3F2A3CF2}" dt="2025-11-10T10:00:51.309" v="2235"/>
-          <ac:spMkLst>
-            <pc:docMk/>
-            <pc:sldMk cId="2841147846" sldId="273"/>
-            <ac:spMk id="16" creationId="{77E1C119-A9DF-F357-2F38-011486CD759F}"/>
-          </ac:spMkLst>
-        </pc:spChg>
-        <pc:spChg chg="add">
-          <ac:chgData name="shanmuk sai srinivas" userId="c1b44e370da95be1" providerId="LiveId" clId="{9F8E2EC8-786B-4FEC-A1F4-D78D3F2A3CF2}" dt="2025-11-10T10:00:54.546" v="2236"/>
-          <ac:spMkLst>
-            <pc:docMk/>
-            <pc:sldMk cId="2841147846" sldId="273"/>
-            <ac:spMk id="17" creationId="{3A2ED2BA-B930-F986-0D20-8615299EFF85}"/>
-          </ac:spMkLst>
-        </pc:spChg>
-        <pc:spChg chg="add">
-          <ac:chgData name="shanmuk sai srinivas" userId="c1b44e370da95be1" providerId="LiveId" clId="{9F8E2EC8-786B-4FEC-A1F4-D78D3F2A3CF2}" dt="2025-11-10T10:01:07.169" v="2237"/>
-          <ac:spMkLst>
-            <pc:docMk/>
-            <pc:sldMk cId="2841147846" sldId="273"/>
-            <ac:spMk id="18" creationId="{4802CF5E-8B0C-7CCD-296E-CCB46B8873D3}"/>
-          </ac:spMkLst>
-        </pc:spChg>
-        <pc:spChg chg="add mod">
-          <ac:chgData name="shanmuk sai srinivas" userId="c1b44e370da95be1" providerId="LiveId" clId="{9F8E2EC8-786B-4FEC-A1F4-D78D3F2A3CF2}" dt="2025-11-10T10:04:00.522" v="2273" actId="1036"/>
+          <ac:chgData name="shanmuk sai srinivas" userId="c1b44e370da95be1" providerId="LiveId" clId="{9F8E2EC8-786B-4FEC-A1F4-D78D3F2A3CF2}" dt="2025-11-28T14:57:40.280" v="3134" actId="1076"/>
           <ac:spMkLst>
             <pc:docMk/>
             <pc:sldMk cId="2841147846" sldId="273"/>
             <ac:spMk id="21" creationId="{5B8144EB-18EC-5959-7A0E-F658E3378CF4}"/>
           </ac:spMkLst>
         </pc:spChg>
-        <pc:spChg chg="add">
-          <ac:chgData name="shanmuk sai srinivas" userId="c1b44e370da95be1" providerId="LiveId" clId="{9F8E2EC8-786B-4FEC-A1F4-D78D3F2A3CF2}" dt="2025-11-10T10:03:30.703" v="2255"/>
-          <ac:spMkLst>
+        <pc:picChg chg="add mod">
+          <ac:chgData name="shanmuk sai srinivas" userId="c1b44e370da95be1" providerId="LiveId" clId="{9F8E2EC8-786B-4FEC-A1F4-D78D3F2A3CF2}" dt="2025-11-28T14:57:29.585" v="3132"/>
+          <ac:picMkLst>
             <pc:docMk/>
             <pc:sldMk cId="2841147846" sldId="273"/>
-            <ac:spMk id="22" creationId="{80B3BA12-F57D-C983-2497-5C592CFC8F91}"/>
-          </ac:spMkLst>
-        </pc:spChg>
+            <ac:picMk id="4" creationId="{60D89709-6205-D7BA-E7DA-D7F0D1C037B5}"/>
+          </ac:picMkLst>
+        </pc:picChg>
         <pc:picChg chg="add mod">
-          <ac:chgData name="shanmuk sai srinivas" userId="c1b44e370da95be1" providerId="LiveId" clId="{9F8E2EC8-786B-4FEC-A1F4-D78D3F2A3CF2}" dt="2025-11-10T10:01:54.271" v="2243" actId="1076"/>
+          <ac:chgData name="shanmuk sai srinivas" userId="c1b44e370da95be1" providerId="LiveId" clId="{9F8E2EC8-786B-4FEC-A1F4-D78D3F2A3CF2}" dt="2025-11-28T14:57:44.240" v="3135" actId="1076"/>
           <ac:picMkLst>
             <pc:docMk/>
             <pc:sldMk cId="2841147846" sldId="273"/>
@@ -795,7 +843,7 @@
           </ac:picMkLst>
         </pc:picChg>
         <pc:picChg chg="add mod">
-          <ac:chgData name="shanmuk sai srinivas" userId="c1b44e370da95be1" providerId="LiveId" clId="{9F8E2EC8-786B-4FEC-A1F4-D78D3F2A3CF2}" dt="2025-11-10T10:03:52.441" v="2270" actId="1036"/>
+          <ac:chgData name="shanmuk sai srinivas" userId="c1b44e370da95be1" providerId="LiveId" clId="{9F8E2EC8-786B-4FEC-A1F4-D78D3F2A3CF2}" dt="2025-11-28T14:57:36.185" v="3133" actId="1076"/>
           <ac:picMkLst>
             <pc:docMk/>
             <pc:sldMk cId="2841147846" sldId="273"/>
@@ -812,7 +860,7 @@
         </pc:cxnChg>
       </pc:sldChg>
       <pc:sldChg chg="addSp modSp new mod">
-        <pc:chgData name="shanmuk sai srinivas" userId="c1b44e370da95be1" providerId="LiveId" clId="{9F8E2EC8-786B-4FEC-A1F4-D78D3F2A3CF2}" dt="2025-11-10T10:05:18.380" v="2299" actId="1076"/>
+        <pc:chgData name="shanmuk sai srinivas" userId="c1b44e370da95be1" providerId="LiveId" clId="{9F8E2EC8-786B-4FEC-A1F4-D78D3F2A3CF2}" dt="2025-11-28T14:57:47.920" v="3136"/>
         <pc:sldMkLst>
           <pc:docMk/>
           <pc:sldMk cId="1402842363" sldId="274"/>
@@ -825,14 +873,14 @@
             <ac:spMk id="3" creationId="{29C4E089-DF6E-AB8D-D691-A7416AE90449}"/>
           </ac:spMkLst>
         </pc:spChg>
-        <pc:spChg chg="add">
-          <ac:chgData name="shanmuk sai srinivas" userId="c1b44e370da95be1" providerId="LiveId" clId="{9F8E2EC8-786B-4FEC-A1F4-D78D3F2A3CF2}" dt="2025-11-10T10:05:11.755" v="2297"/>
-          <ac:spMkLst>
+        <pc:picChg chg="add mod">
+          <ac:chgData name="shanmuk sai srinivas" userId="c1b44e370da95be1" providerId="LiveId" clId="{9F8E2EC8-786B-4FEC-A1F4-D78D3F2A3CF2}" dt="2025-11-28T14:57:47.920" v="3136"/>
+          <ac:picMkLst>
             <pc:docMk/>
             <pc:sldMk cId="1402842363" sldId="274"/>
-            <ac:spMk id="4" creationId="{D6EAE0FB-1B95-B9B8-CDEF-17598FF75EDF}"/>
-          </ac:spMkLst>
-        </pc:spChg>
+            <ac:picMk id="2" creationId="{BC24ED23-D88D-0C85-212C-800502A90FA7}"/>
+          </ac:picMkLst>
+        </pc:picChg>
         <pc:picChg chg="add mod">
           <ac:chgData name="shanmuk sai srinivas" userId="c1b44e370da95be1" providerId="LiveId" clId="{9F8E2EC8-786B-4FEC-A1F4-D78D3F2A3CF2}" dt="2025-11-10T10:05:18.380" v="2299" actId="1076"/>
           <ac:picMkLst>
@@ -843,7 +891,7 @@
         </pc:picChg>
       </pc:sldChg>
       <pc:sldChg chg="addSp delSp modSp new mod">
-        <pc:chgData name="shanmuk sai srinivas" userId="c1b44e370da95be1" providerId="LiveId" clId="{9F8E2EC8-786B-4FEC-A1F4-D78D3F2A3CF2}" dt="2025-11-10T10:20:50.939" v="2416" actId="20577"/>
+        <pc:chgData name="shanmuk sai srinivas" userId="c1b44e370da95be1" providerId="LiveId" clId="{9F8E2EC8-786B-4FEC-A1F4-D78D3F2A3CF2}" dt="2025-11-28T14:57:53.743" v="3138" actId="1076"/>
         <pc:sldMkLst>
           <pc:docMk/>
           <pc:sldMk cId="3730478064" sldId="275"/>
@@ -862,14 +910,6 @@
             <pc:docMk/>
             <pc:sldMk cId="3730478064" sldId="275"/>
             <ac:spMk id="5" creationId="{B910A3D7-1090-6DEA-DE14-99C161AA539A}"/>
-          </ac:spMkLst>
-        </pc:spChg>
-        <pc:spChg chg="add del">
-          <ac:chgData name="shanmuk sai srinivas" userId="c1b44e370da95be1" providerId="LiveId" clId="{9F8E2EC8-786B-4FEC-A1F4-D78D3F2A3CF2}" dt="2025-11-10T10:12:12.970" v="2311" actId="22"/>
-          <ac:spMkLst>
-            <pc:docMk/>
-            <pc:sldMk cId="3730478064" sldId="275"/>
-            <ac:spMk id="7" creationId="{98A5E32D-0F0D-1163-0B05-998FAFD6FA80}"/>
           </ac:spMkLst>
         </pc:spChg>
         <pc:spChg chg="add mod">
@@ -897,7 +937,15 @@
           </ac:spMkLst>
         </pc:spChg>
         <pc:picChg chg="add mod">
-          <ac:chgData name="shanmuk sai srinivas" userId="c1b44e370da95be1" providerId="LiveId" clId="{9F8E2EC8-786B-4FEC-A1F4-D78D3F2A3CF2}" dt="2025-11-10T10:14:32.692" v="2321" actId="1076"/>
+          <ac:chgData name="shanmuk sai srinivas" userId="c1b44e370da95be1" providerId="LiveId" clId="{9F8E2EC8-786B-4FEC-A1F4-D78D3F2A3CF2}" dt="2025-11-28T14:57:50.231" v="3137"/>
+          <ac:picMkLst>
+            <pc:docMk/>
+            <pc:sldMk cId="3730478064" sldId="275"/>
+            <ac:picMk id="2" creationId="{284DD6C4-2B92-278C-13E9-B28BE6107A72}"/>
+          </ac:picMkLst>
+        </pc:picChg>
+        <pc:picChg chg="add mod">
+          <ac:chgData name="shanmuk sai srinivas" userId="c1b44e370da95be1" providerId="LiveId" clId="{9F8E2EC8-786B-4FEC-A1F4-D78D3F2A3CF2}" dt="2025-11-28T14:57:53.743" v="3138" actId="1076"/>
           <ac:picMkLst>
             <pc:docMk/>
             <pc:sldMk cId="3730478064" sldId="275"/>
@@ -906,7 +954,7 @@
         </pc:picChg>
       </pc:sldChg>
       <pc:sldChg chg="addSp modSp new mod modShow">
-        <pc:chgData name="shanmuk sai srinivas" userId="c1b44e370da95be1" providerId="LiveId" clId="{9F8E2EC8-786B-4FEC-A1F4-D78D3F2A3CF2}" dt="2025-11-10T16:07:32.185" v="2477" actId="729"/>
+        <pc:chgData name="shanmuk sai srinivas" userId="c1b44e370da95be1" providerId="LiveId" clId="{9F8E2EC8-786B-4FEC-A1F4-D78D3F2A3CF2}" dt="2025-11-28T14:58:18.405" v="3143" actId="1076"/>
         <pc:sldMkLst>
           <pc:docMk/>
           <pc:sldMk cId="2811422353" sldId="276"/>
@@ -920,7 +968,7 @@
           </ac:spMkLst>
         </pc:spChg>
         <pc:spChg chg="add mod">
-          <ac:chgData name="shanmuk sai srinivas" userId="c1b44e370da95be1" providerId="LiveId" clId="{9F8E2EC8-786B-4FEC-A1F4-D78D3F2A3CF2}" dt="2025-11-10T10:23:18.197" v="2436" actId="20577"/>
+          <ac:chgData name="shanmuk sai srinivas" userId="c1b44e370da95be1" providerId="LiveId" clId="{9F8E2EC8-786B-4FEC-A1F4-D78D3F2A3CF2}" dt="2025-11-28T14:58:18.405" v="3143" actId="1076"/>
           <ac:spMkLst>
             <pc:docMk/>
             <pc:sldMk cId="2811422353" sldId="276"/>
@@ -928,7 +976,7 @@
           </ac:spMkLst>
         </pc:spChg>
         <pc:spChg chg="add mod">
-          <ac:chgData name="shanmuk sai srinivas" userId="c1b44e370da95be1" providerId="LiveId" clId="{9F8E2EC8-786B-4FEC-A1F4-D78D3F2A3CF2}" dt="2025-11-10T10:24:29.230" v="2452" actId="1076"/>
+          <ac:chgData name="shanmuk sai srinivas" userId="c1b44e370da95be1" providerId="LiveId" clId="{9F8E2EC8-786B-4FEC-A1F4-D78D3F2A3CF2}" dt="2025-11-28T14:58:14.875" v="3142" actId="1076"/>
           <ac:spMkLst>
             <pc:docMk/>
             <pc:sldMk cId="2811422353" sldId="276"/>
@@ -936,7 +984,7 @@
           </ac:spMkLst>
         </pc:spChg>
         <pc:spChg chg="add mod">
-          <ac:chgData name="shanmuk sai srinivas" userId="c1b44e370da95be1" providerId="LiveId" clId="{9F8E2EC8-786B-4FEC-A1F4-D78D3F2A3CF2}" dt="2025-11-10T10:24:59.065" v="2454" actId="1076"/>
+          <ac:chgData name="shanmuk sai srinivas" userId="c1b44e370da95be1" providerId="LiveId" clId="{9F8E2EC8-786B-4FEC-A1F4-D78D3F2A3CF2}" dt="2025-11-28T14:58:10.292" v="3141" actId="1076"/>
           <ac:spMkLst>
             <pc:docMk/>
             <pc:sldMk cId="2811422353" sldId="276"/>
@@ -951,9 +999,17 @@
             <ac:spMk id="7" creationId="{113B5326-A612-0235-4F9A-AE7558B3478D}"/>
           </ac:spMkLst>
         </pc:spChg>
+        <pc:picChg chg="add mod">
+          <ac:chgData name="shanmuk sai srinivas" userId="c1b44e370da95be1" providerId="LiveId" clId="{9F8E2EC8-786B-4FEC-A1F4-D78D3F2A3CF2}" dt="2025-11-28T14:57:56.606" v="3139"/>
+          <ac:picMkLst>
+            <pc:docMk/>
+            <pc:sldMk cId="2811422353" sldId="276"/>
+            <ac:picMk id="5" creationId="{8F895EA3-A431-CE1B-EF68-FFE05E92CB55}"/>
+          </ac:picMkLst>
+        </pc:picChg>
       </pc:sldChg>
       <pc:sldChg chg="addSp modSp new mod">
-        <pc:chgData name="shanmuk sai srinivas" userId="c1b44e370da95be1" providerId="LiveId" clId="{9F8E2EC8-786B-4FEC-A1F4-D78D3F2A3CF2}" dt="2025-11-11T09:51:23.520" v="2716" actId="1076"/>
+        <pc:chgData name="shanmuk sai srinivas" userId="c1b44e370da95be1" providerId="LiveId" clId="{9F8E2EC8-786B-4FEC-A1F4-D78D3F2A3CF2}" dt="2025-11-28T14:58:22.673" v="3144"/>
         <pc:sldMkLst>
           <pc:docMk/>
           <pc:sldMk cId="4049459621" sldId="277"/>
@@ -975,6 +1031,14 @@
           </ac:spMkLst>
         </pc:spChg>
         <pc:picChg chg="add mod">
+          <ac:chgData name="shanmuk sai srinivas" userId="c1b44e370da95be1" providerId="LiveId" clId="{9F8E2EC8-786B-4FEC-A1F4-D78D3F2A3CF2}" dt="2025-11-28T14:58:22.673" v="3144"/>
+          <ac:picMkLst>
+            <pc:docMk/>
+            <pc:sldMk cId="4049459621" sldId="277"/>
+            <ac:picMk id="3" creationId="{FC86D9AB-BC4D-28C7-2062-10220D63767E}"/>
+          </ac:picMkLst>
+        </pc:picChg>
+        <pc:picChg chg="add mod">
           <ac:chgData name="shanmuk sai srinivas" userId="c1b44e370da95be1" providerId="LiveId" clId="{9F8E2EC8-786B-4FEC-A1F4-D78D3F2A3CF2}" dt="2025-11-11T09:51:23.520" v="2716" actId="1076"/>
           <ac:picMkLst>
             <pc:docMk/>
@@ -984,7 +1048,7 @@
         </pc:picChg>
       </pc:sldChg>
       <pc:sldChg chg="addSp delSp modSp new mod">
-        <pc:chgData name="shanmuk sai srinivas" userId="c1b44e370da95be1" providerId="LiveId" clId="{9F8E2EC8-786B-4FEC-A1F4-D78D3F2A3CF2}" dt="2025-11-11T08:55:25.085" v="2623"/>
+        <pc:chgData name="shanmuk sai srinivas" userId="c1b44e370da95be1" providerId="LiveId" clId="{9F8E2EC8-786B-4FEC-A1F4-D78D3F2A3CF2}" dt="2025-11-28T14:56:56.167" v="3111" actId="1076"/>
         <pc:sldMkLst>
           <pc:docMk/>
           <pc:sldMk cId="381183921" sldId="278"/>
@@ -1014,23 +1078,23 @@
           </ac:spMkLst>
         </pc:spChg>
         <pc:spChg chg="add mod">
-          <ac:chgData name="shanmuk sai srinivas" userId="c1b44e370da95be1" providerId="LiveId" clId="{9F8E2EC8-786B-4FEC-A1F4-D78D3F2A3CF2}" dt="2025-11-11T08:47:38.124" v="2590" actId="1076"/>
+          <ac:chgData name="shanmuk sai srinivas" userId="c1b44e370da95be1" providerId="LiveId" clId="{9F8E2EC8-786B-4FEC-A1F4-D78D3F2A3CF2}" dt="2025-11-28T14:56:56.167" v="3111" actId="1076"/>
           <ac:spMkLst>
             <pc:docMk/>
             <pc:sldMk cId="381183921" sldId="278"/>
             <ac:spMk id="9" creationId="{F1A98474-D529-01CC-E260-0A51AF263649}"/>
           </ac:spMkLst>
         </pc:spChg>
-        <pc:picChg chg="add del mod">
-          <ac:chgData name="shanmuk sai srinivas" userId="c1b44e370da95be1" providerId="LiveId" clId="{9F8E2EC8-786B-4FEC-A1F4-D78D3F2A3CF2}" dt="2025-11-11T08:54:02.934" v="2615" actId="478"/>
+        <pc:picChg chg="add mod">
+          <ac:chgData name="shanmuk sai srinivas" userId="c1b44e370da95be1" providerId="LiveId" clId="{9F8E2EC8-786B-4FEC-A1F4-D78D3F2A3CF2}" dt="2025-11-28T14:56:40.639" v="3090"/>
           <ac:picMkLst>
             <pc:docMk/>
             <pc:sldMk cId="381183921" sldId="278"/>
-            <ac:picMk id="8" creationId="{3B8EA610-8DB0-3359-5AE9-02AF84E80B0B}"/>
+            <ac:picMk id="2" creationId="{24B2FCEC-239E-FEEA-6EE4-E6357348ED45}"/>
           </ac:picMkLst>
         </pc:picChg>
         <pc:picChg chg="add mod">
-          <ac:chgData name="shanmuk sai srinivas" userId="c1b44e370da95be1" providerId="LiveId" clId="{9F8E2EC8-786B-4FEC-A1F4-D78D3F2A3CF2}" dt="2025-11-11T08:55:25.085" v="2623"/>
+          <ac:chgData name="shanmuk sai srinivas" userId="c1b44e370da95be1" providerId="LiveId" clId="{9F8E2EC8-786B-4FEC-A1F4-D78D3F2A3CF2}" dt="2025-11-28T14:56:49.892" v="3110" actId="1035"/>
           <ac:picMkLst>
             <pc:docMk/>
             <pc:sldMk cId="381183921" sldId="278"/>
@@ -1039,19 +1103,27 @@
         </pc:picChg>
       </pc:sldChg>
       <pc:sldChg chg="addSp modSp new mod">
-        <pc:chgData name="shanmuk sai srinivas" userId="c1b44e370da95be1" providerId="LiveId" clId="{9F8E2EC8-786B-4FEC-A1F4-D78D3F2A3CF2}" dt="2025-11-11T10:04:51.037" v="2857"/>
+        <pc:chgData name="shanmuk sai srinivas" userId="c1b44e370da95be1" providerId="LiveId" clId="{9F8E2EC8-786B-4FEC-A1F4-D78D3F2A3CF2}" dt="2025-11-28T14:57:07.033" v="3113" actId="1076"/>
         <pc:sldMkLst>
           <pc:docMk/>
           <pc:sldMk cId="3880878545" sldId="279"/>
         </pc:sldMkLst>
         <pc:spChg chg="add mod">
-          <ac:chgData name="shanmuk sai srinivas" userId="c1b44e370da95be1" providerId="LiveId" clId="{9F8E2EC8-786B-4FEC-A1F4-D78D3F2A3CF2}" dt="2025-11-11T08:52:30.900" v="2614" actId="1076"/>
+          <ac:chgData name="shanmuk sai srinivas" userId="c1b44e370da95be1" providerId="LiveId" clId="{9F8E2EC8-786B-4FEC-A1F4-D78D3F2A3CF2}" dt="2025-11-28T14:57:07.033" v="3113" actId="1076"/>
           <ac:spMkLst>
             <pc:docMk/>
             <pc:sldMk cId="3880878545" sldId="279"/>
             <ac:spMk id="3" creationId="{8091DC38-4216-3F56-B962-C3A0A404012E}"/>
           </ac:spMkLst>
         </pc:spChg>
+        <pc:picChg chg="add mod">
+          <ac:chgData name="shanmuk sai srinivas" userId="c1b44e370da95be1" providerId="LiveId" clId="{9F8E2EC8-786B-4FEC-A1F4-D78D3F2A3CF2}" dt="2025-11-28T14:57:00.223" v="3112"/>
+          <ac:picMkLst>
+            <pc:docMk/>
+            <pc:sldMk cId="3880878545" sldId="279"/>
+            <ac:picMk id="2" creationId="{41F1AE4A-26A9-5B9A-134D-421E72D49387}"/>
+          </ac:picMkLst>
+        </pc:picChg>
         <pc:picChg chg="add mod">
           <ac:chgData name="shanmuk sai srinivas" userId="c1b44e370da95be1" providerId="LiveId" clId="{9F8E2EC8-786B-4FEC-A1F4-D78D3F2A3CF2}" dt="2025-11-11T08:56:17.863" v="2630" actId="14100"/>
           <ac:picMkLst>
@@ -1070,30 +1142,30 @@
         </pc:inkChg>
       </pc:sldChg>
       <pc:sldChg chg="addSp delSp modSp new mod">
-        <pc:chgData name="shanmuk sai srinivas" userId="c1b44e370da95be1" providerId="LiveId" clId="{9F8E2EC8-786B-4FEC-A1F4-D78D3F2A3CF2}" dt="2025-11-11T10:07:40.388" v="2859" actId="22"/>
+        <pc:chgData name="shanmuk sai srinivas" userId="c1b44e370da95be1" providerId="LiveId" clId="{9F8E2EC8-786B-4FEC-A1F4-D78D3F2A3CF2}" dt="2025-11-28T14:58:29.919" v="3146" actId="1076"/>
         <pc:sldMkLst>
           <pc:docMk/>
           <pc:sldMk cId="3350741607" sldId="280"/>
         </pc:sldMkLst>
         <pc:spChg chg="add mod">
-          <ac:chgData name="shanmuk sai srinivas" userId="c1b44e370da95be1" providerId="LiveId" clId="{9F8E2EC8-786B-4FEC-A1F4-D78D3F2A3CF2}" dt="2025-11-11T09:51:40.950" v="2719" actId="1076"/>
+          <ac:chgData name="shanmuk sai srinivas" userId="c1b44e370da95be1" providerId="LiveId" clId="{9F8E2EC8-786B-4FEC-A1F4-D78D3F2A3CF2}" dt="2025-11-28T14:58:29.919" v="3146" actId="1076"/>
           <ac:spMkLst>
             <pc:docMk/>
             <pc:sldMk cId="3350741607" sldId="280"/>
             <ac:spMk id="3" creationId="{FA5E645D-E983-052B-6004-F98084203B62}"/>
           </ac:spMkLst>
         </pc:spChg>
-        <pc:spChg chg="add del">
-          <ac:chgData name="shanmuk sai srinivas" userId="c1b44e370da95be1" providerId="LiveId" clId="{9F8E2EC8-786B-4FEC-A1F4-D78D3F2A3CF2}" dt="2025-11-11T10:07:40.388" v="2859" actId="22"/>
-          <ac:spMkLst>
+        <pc:picChg chg="add mod">
+          <ac:chgData name="shanmuk sai srinivas" userId="c1b44e370da95be1" providerId="LiveId" clId="{9F8E2EC8-786B-4FEC-A1F4-D78D3F2A3CF2}" dt="2025-11-28T14:58:25.238" v="3145"/>
+          <ac:picMkLst>
             <pc:docMk/>
             <pc:sldMk cId="3350741607" sldId="280"/>
-            <ac:spMk id="5" creationId="{88FCB1C6-2B3C-3193-1161-C17F1BF53F2E}"/>
-          </ac:spMkLst>
-        </pc:spChg>
+            <ac:picMk id="2" creationId="{E84E78B2-4BF7-7428-8134-D6B0ADAA0621}"/>
+          </ac:picMkLst>
+        </pc:picChg>
       </pc:sldChg>
       <pc:sldChg chg="addSp delSp modSp new mod">
-        <pc:chgData name="shanmuk sai srinivas" userId="c1b44e370da95be1" providerId="LiveId" clId="{9F8E2EC8-786B-4FEC-A1F4-D78D3F2A3CF2}" dt="2025-11-11T10:09:08.439" v="2872"/>
+        <pc:chgData name="shanmuk sai srinivas" userId="c1b44e370da95be1" providerId="LiveId" clId="{9F8E2EC8-786B-4FEC-A1F4-D78D3F2A3CF2}" dt="2025-11-28T14:58:33.441" v="3147"/>
         <pc:sldMkLst>
           <pc:docMk/>
           <pc:sldMk cId="3191257207" sldId="281"/>
@@ -1114,14 +1186,14 @@
             <ac:spMk id="5" creationId="{B6C9A119-C8B0-3E00-9582-4088DF0C5D0C}"/>
           </ac:spMkLst>
         </pc:spChg>
-        <pc:spChg chg="add del mod">
-          <ac:chgData name="shanmuk sai srinivas" userId="c1b44e370da95be1" providerId="LiveId" clId="{9F8E2EC8-786B-4FEC-A1F4-D78D3F2A3CF2}" dt="2025-11-11T10:09:08.439" v="2872"/>
-          <ac:spMkLst>
+        <pc:picChg chg="add mod">
+          <ac:chgData name="shanmuk sai srinivas" userId="c1b44e370da95be1" providerId="LiveId" clId="{9F8E2EC8-786B-4FEC-A1F4-D78D3F2A3CF2}" dt="2025-11-28T14:58:33.441" v="3147"/>
+          <ac:picMkLst>
             <pc:docMk/>
             <pc:sldMk cId="3191257207" sldId="281"/>
-            <ac:spMk id="6" creationId="{6FEBB3B1-7D38-8ED5-2E9E-137E20F7C976}"/>
-          </ac:spMkLst>
-        </pc:spChg>
+            <ac:picMk id="2" creationId="{F9F38BD4-2DAA-23A7-1BF8-512B1E06DC49}"/>
+          </ac:picMkLst>
+        </pc:picChg>
       </pc:sldChg>
     </pc:docChg>
   </pc:docChgLst>
@@ -1238,7 +1310,7 @@
           <a:p>
             <a:fld id="{4F1ED29B-AA07-4052-BC00-975482F6F750}" type="datetimeFigureOut">
               <a:rPr lang="en-IN" smtClean="0"/>
-              <a:t>11-11-2025</a:t>
+              <a:t>28-11-2025</a:t>
             </a:fld>
             <a:endParaRPr lang="en-IN"/>
           </a:p>
@@ -2092,7 +2164,7 @@
           <a:p>
             <a:fld id="{1034F576-A948-4BDE-9731-CCB1C5CC4121}" type="datetimeFigureOut">
               <a:rPr lang="en-IN" smtClean="0"/>
-              <a:t>11-11-2025</a:t>
+              <a:t>28-11-2025</a:t>
             </a:fld>
             <a:endParaRPr lang="en-IN"/>
           </a:p>
@@ -2388,7 +2460,7 @@
           <a:p>
             <a:fld id="{1034F576-A948-4BDE-9731-CCB1C5CC4121}" type="datetimeFigureOut">
               <a:rPr lang="en-IN" smtClean="0"/>
-              <a:t>11-11-2025</a:t>
+              <a:t>28-11-2025</a:t>
             </a:fld>
             <a:endParaRPr lang="en-IN"/>
           </a:p>
@@ -2636,7 +2708,7 @@
           <a:p>
             <a:fld id="{1034F576-A948-4BDE-9731-CCB1C5CC4121}" type="datetimeFigureOut">
               <a:rPr lang="en-IN" smtClean="0"/>
-              <a:t>11-11-2025</a:t>
+              <a:t>28-11-2025</a:t>
             </a:fld>
             <a:endParaRPr lang="en-IN"/>
           </a:p>
@@ -3176,7 +3248,7 @@
           <a:p>
             <a:fld id="{1034F576-A948-4BDE-9731-CCB1C5CC4121}" type="datetimeFigureOut">
               <a:rPr lang="en-IN" smtClean="0"/>
-              <a:t>11-11-2025</a:t>
+              <a:t>28-11-2025</a:t>
             </a:fld>
             <a:endParaRPr lang="en-IN"/>
           </a:p>
@@ -3424,7 +3496,7 @@
           <a:p>
             <a:fld id="{1034F576-A948-4BDE-9731-CCB1C5CC4121}" type="datetimeFigureOut">
               <a:rPr lang="en-IN" smtClean="0"/>
-              <a:t>11-11-2025</a:t>
+              <a:t>28-11-2025</a:t>
             </a:fld>
             <a:endParaRPr lang="en-IN"/>
           </a:p>
@@ -3956,7 +4028,7 @@
           <a:p>
             <a:fld id="{1034F576-A948-4BDE-9731-CCB1C5CC4121}" type="datetimeFigureOut">
               <a:rPr lang="en-IN" smtClean="0"/>
-              <a:t>11-11-2025</a:t>
+              <a:t>28-11-2025</a:t>
             </a:fld>
             <a:endParaRPr lang="en-IN"/>
           </a:p>
@@ -4253,7 +4325,7 @@
           <a:p>
             <a:fld id="{1034F576-A948-4BDE-9731-CCB1C5CC4121}" type="datetimeFigureOut">
               <a:rPr lang="en-IN" smtClean="0"/>
-              <a:t>11-11-2025</a:t>
+              <a:t>28-11-2025</a:t>
             </a:fld>
             <a:endParaRPr lang="en-IN"/>
           </a:p>
@@ -4427,7 +4499,7 @@
           <a:p>
             <a:fld id="{1034F576-A948-4BDE-9731-CCB1C5CC4121}" type="datetimeFigureOut">
               <a:rPr lang="en-IN" smtClean="0"/>
-              <a:t>11-11-2025</a:t>
+              <a:t>28-11-2025</a:t>
             </a:fld>
             <a:endParaRPr lang="en-IN"/>
           </a:p>
@@ -4607,7 +4679,7 @@
           <a:p>
             <a:fld id="{1034F576-A948-4BDE-9731-CCB1C5CC4121}" type="datetimeFigureOut">
               <a:rPr lang="en-IN" smtClean="0"/>
-              <a:t>11-11-2025</a:t>
+              <a:t>28-11-2025</a:t>
             </a:fld>
             <a:endParaRPr lang="en-IN"/>
           </a:p>
@@ -4777,7 +4849,7 @@
           <a:p>
             <a:fld id="{1034F576-A948-4BDE-9731-CCB1C5CC4121}" type="datetimeFigureOut">
               <a:rPr lang="en-IN" smtClean="0"/>
-              <a:t>11-11-2025</a:t>
+              <a:t>28-11-2025</a:t>
             </a:fld>
             <a:endParaRPr lang="en-IN"/>
           </a:p>
@@ -5028,7 +5100,7 @@
           <a:p>
             <a:fld id="{1034F576-A948-4BDE-9731-CCB1C5CC4121}" type="datetimeFigureOut">
               <a:rPr lang="en-IN" smtClean="0"/>
-              <a:t>11-11-2025</a:t>
+              <a:t>28-11-2025</a:t>
             </a:fld>
             <a:endParaRPr lang="en-IN"/>
           </a:p>
@@ -5325,7 +5397,7 @@
           <a:p>
             <a:fld id="{1034F576-A948-4BDE-9731-CCB1C5CC4121}" type="datetimeFigureOut">
               <a:rPr lang="en-IN" smtClean="0"/>
-              <a:t>11-11-2025</a:t>
+              <a:t>28-11-2025</a:t>
             </a:fld>
             <a:endParaRPr lang="en-IN"/>
           </a:p>
@@ -5767,7 +5839,7 @@
           <a:p>
             <a:fld id="{1034F576-A948-4BDE-9731-CCB1C5CC4121}" type="datetimeFigureOut">
               <a:rPr lang="en-IN" smtClean="0"/>
-              <a:t>11-11-2025</a:t>
+              <a:t>28-11-2025</a:t>
             </a:fld>
             <a:endParaRPr lang="en-IN"/>
           </a:p>
@@ -5885,7 +5957,7 @@
           <a:p>
             <a:fld id="{1034F576-A948-4BDE-9731-CCB1C5CC4121}" type="datetimeFigureOut">
               <a:rPr lang="en-IN" smtClean="0"/>
-              <a:t>11-11-2025</a:t>
+              <a:t>28-11-2025</a:t>
             </a:fld>
             <a:endParaRPr lang="en-IN"/>
           </a:p>
@@ -5980,7 +6052,7 @@
           <a:p>
             <a:fld id="{1034F576-A948-4BDE-9731-CCB1C5CC4121}" type="datetimeFigureOut">
               <a:rPr lang="en-IN" smtClean="0"/>
-              <a:t>11-11-2025</a:t>
+              <a:t>28-11-2025</a:t>
             </a:fld>
             <a:endParaRPr lang="en-IN"/>
           </a:p>
@@ -6263,7 +6335,7 @@
           <a:p>
             <a:fld id="{1034F576-A948-4BDE-9731-CCB1C5CC4121}" type="datetimeFigureOut">
               <a:rPr lang="en-IN" smtClean="0"/>
-              <a:t>11-11-2025</a:t>
+              <a:t>28-11-2025</a:t>
             </a:fld>
             <a:endParaRPr lang="en-IN"/>
           </a:p>
@@ -6554,7 +6626,7 @@
           <a:p>
             <a:fld id="{1034F576-A948-4BDE-9731-CCB1C5CC4121}" type="datetimeFigureOut">
               <a:rPr lang="en-IN" smtClean="0"/>
-              <a:t>11-11-2025</a:t>
+              <a:t>28-11-2025</a:t>
             </a:fld>
             <a:endParaRPr lang="en-IN"/>
           </a:p>
@@ -7084,7 +7156,7 @@
           <a:p>
             <a:fld id="{1034F576-A948-4BDE-9731-CCB1C5CC4121}" type="datetimeFigureOut">
               <a:rPr lang="en-IN" smtClean="0"/>
-              <a:t>11-11-2025</a:t>
+              <a:t>28-11-2025</a:t>
             </a:fld>
             <a:endParaRPr lang="en-IN"/>
           </a:p>
@@ -7904,6 +7976,42 @@
           </a:fontRef>
         </p:style>
       </p:cxnSp>
+      <p:pic>
+        <p:nvPicPr>
+          <p:cNvPr id="4" name="Picture 3" descr="A close up of a logo&#10;&#10;AI-generated content may be incorrect.">
+            <a:extLst>
+              <a:ext uri="{FF2B5EF4-FFF2-40B4-BE49-F238E27FC236}">
+                <a16:creationId xmlns:a16="http://schemas.microsoft.com/office/drawing/2014/main" id="{912CD447-D180-E67D-8BDE-FC892428742F}"/>
+              </a:ext>
+            </a:extLst>
+          </p:cNvPr>
+          <p:cNvPicPr>
+            <a:picLocks noChangeAspect="1"/>
+          </p:cNvPicPr>
+          <p:nvPr/>
+        </p:nvPicPr>
+        <p:blipFill>
+          <a:blip r:embed="rId4">
+            <a:extLst>
+              <a:ext uri="{28A0092B-C50C-407E-A947-70E740481C1C}">
+                <a14:useLocalDpi xmlns:a14="http://schemas.microsoft.com/office/drawing/2010/main" val="0"/>
+              </a:ext>
+            </a:extLst>
+          </a:blip>
+          <a:stretch>
+            <a:fillRect/>
+          </a:stretch>
+        </p:blipFill>
+        <p:spPr>
+          <a:xfrm>
+            <a:off x="9536707" y="261037"/>
+            <a:ext cx="2218347" cy="686140"/>
+          </a:xfrm>
+          <a:prstGeom prst="rect">
+            <a:avLst/>
+          </a:prstGeom>
+        </p:spPr>
+      </p:pic>
     </p:spTree>
     <p:extLst>
       <p:ext uri="{BB962C8B-B14F-4D97-AF65-F5344CB8AC3E}">
@@ -7948,7 +8056,7 @@
         </p:nvSpPr>
         <p:spPr>
           <a:xfrm>
-            <a:off x="1769806" y="234047"/>
+            <a:off x="1454846" y="782687"/>
             <a:ext cx="10422194" cy="3693319"/>
           </a:xfrm>
           <a:prstGeom prst="rect">
@@ -8086,6 +8194,42 @@
           </a:p>
         </p:txBody>
       </p:sp>
+      <p:pic>
+        <p:nvPicPr>
+          <p:cNvPr id="2" name="Picture 1" descr="A close up of a logo&#10;&#10;AI-generated content may be incorrect.">
+            <a:extLst>
+              <a:ext uri="{FF2B5EF4-FFF2-40B4-BE49-F238E27FC236}">
+                <a16:creationId xmlns:a16="http://schemas.microsoft.com/office/drawing/2014/main" id="{7CF204F6-74C8-9372-E0D7-1B162004039C}"/>
+              </a:ext>
+            </a:extLst>
+          </p:cNvPr>
+          <p:cNvPicPr>
+            <a:picLocks noChangeAspect="1"/>
+          </p:cNvPicPr>
+          <p:nvPr/>
+        </p:nvPicPr>
+        <p:blipFill>
+          <a:blip r:embed="rId2">
+            <a:extLst>
+              <a:ext uri="{28A0092B-C50C-407E-A947-70E740481C1C}">
+                <a14:useLocalDpi xmlns:a14="http://schemas.microsoft.com/office/drawing/2010/main" val="0"/>
+              </a:ext>
+            </a:extLst>
+          </a:blip>
+          <a:stretch>
+            <a:fillRect/>
+          </a:stretch>
+        </p:blipFill>
+        <p:spPr>
+          <a:xfrm>
+            <a:off x="9536707" y="251205"/>
+            <a:ext cx="2218347" cy="686140"/>
+          </a:xfrm>
+          <a:prstGeom prst="rect">
+            <a:avLst/>
+          </a:prstGeom>
+        </p:spPr>
+      </p:pic>
     </p:spTree>
     <p:extLst>
       <p:ext uri="{BB962C8B-B14F-4D97-AF65-F5344CB8AC3E}">
@@ -8166,7 +8310,7 @@
         </p:nvSpPr>
         <p:spPr>
           <a:xfrm>
-            <a:off x="1376516" y="747250"/>
+            <a:off x="1376516" y="980930"/>
             <a:ext cx="10687664" cy="5632311"/>
           </a:xfrm>
           <a:prstGeom prst="rect">
@@ -8359,6 +8503,42 @@
           </a:p>
         </p:txBody>
       </p:sp>
+      <p:pic>
+        <p:nvPicPr>
+          <p:cNvPr id="2" name="Picture 1" descr="A close up of a logo&#10;&#10;AI-generated content may be incorrect.">
+            <a:extLst>
+              <a:ext uri="{FF2B5EF4-FFF2-40B4-BE49-F238E27FC236}">
+                <a16:creationId xmlns:a16="http://schemas.microsoft.com/office/drawing/2014/main" id="{A7DE06B0-9621-CE3A-9C1A-52B298F65060}"/>
+              </a:ext>
+            </a:extLst>
+          </p:cNvPr>
+          <p:cNvPicPr>
+            <a:picLocks noChangeAspect="1"/>
+          </p:cNvPicPr>
+          <p:nvPr/>
+        </p:nvPicPr>
+        <p:blipFill>
+          <a:blip r:embed="rId2">
+            <a:extLst>
+              <a:ext uri="{28A0092B-C50C-407E-A947-70E740481C1C}">
+                <a14:useLocalDpi xmlns:a14="http://schemas.microsoft.com/office/drawing/2010/main" val="0"/>
+              </a:ext>
+            </a:extLst>
+          </a:blip>
+          <a:stretch>
+            <a:fillRect/>
+          </a:stretch>
+        </p:blipFill>
+        <p:spPr>
+          <a:xfrm>
+            <a:off x="9536707" y="251205"/>
+            <a:ext cx="2218347" cy="686140"/>
+          </a:xfrm>
+          <a:prstGeom prst="rect">
+            <a:avLst/>
+          </a:prstGeom>
+        </p:spPr>
+      </p:pic>
     </p:spTree>
     <p:extLst>
       <p:ext uri="{BB962C8B-B14F-4D97-AF65-F5344CB8AC3E}">
@@ -8441,42 +8621,42 @@
           <p:nvPr>
             <p:extLst>
               <p:ext uri="{D42A27DB-BD31-4B8C-83A1-F6EECF244321}">
-                <p14:modId xmlns:p14="http://schemas.microsoft.com/office/powerpoint/2010/main" val="2097668157"/>
+                <p14:modId xmlns:p14="http://schemas.microsoft.com/office/powerpoint/2010/main" val="219249497"/>
               </p:ext>
             </p:extLst>
           </p:nvPr>
         </p:nvGraphicFramePr>
         <p:xfrm>
-          <a:off x="1691148" y="599318"/>
-          <a:ext cx="10500852" cy="6041745"/>
+          <a:off x="1452880" y="782198"/>
+          <a:ext cx="10149839" cy="5835049"/>
         </p:xfrm>
         <a:graphic>
           <a:graphicData uri="http://schemas.openxmlformats.org/drawingml/2006/table">
             <a:tbl>
               <a:tblPr/>
               <a:tblGrid>
-                <a:gridCol w="1995948">
+                <a:gridCol w="1929229">
                   <a:extLst>
                     <a:ext uri="{9D8B030D-6E8A-4147-A177-3AD203B41FA5}">
                       <a16:colId xmlns:a16="http://schemas.microsoft.com/office/drawing/2014/main" val="3494387155"/>
                     </a:ext>
                   </a:extLst>
                 </a:gridCol>
-                <a:gridCol w="1936955">
+                <a:gridCol w="1872208">
                   <a:extLst>
                     <a:ext uri="{9D8B030D-6E8A-4147-A177-3AD203B41FA5}">
                       <a16:colId xmlns:a16="http://schemas.microsoft.com/office/drawing/2014/main" val="3142373697"/>
                     </a:ext>
                   </a:extLst>
                 </a:gridCol>
-                <a:gridCol w="2694038">
+                <a:gridCol w="2603984">
                   <a:extLst>
                     <a:ext uri="{9D8B030D-6E8A-4147-A177-3AD203B41FA5}">
                       <a16:colId xmlns:a16="http://schemas.microsoft.com/office/drawing/2014/main" val="815569911"/>
                     </a:ext>
                   </a:extLst>
                 </a:gridCol>
-                <a:gridCol w="3873911">
+                <a:gridCol w="3744418">
                   <a:extLst>
                     <a:ext uri="{9D8B030D-6E8A-4147-A177-3AD203B41FA5}">
                       <a16:colId xmlns:a16="http://schemas.microsoft.com/office/drawing/2014/main" val="3262015197"/>
@@ -8484,7 +8664,7 @@
                   </a:extLst>
                 </a:gridCol>
               </a:tblGrid>
-              <a:tr h="286531">
+              <a:tr h="280368">
                 <a:tc>
                   <a:txBody>
                     <a:bodyPr/>
@@ -8759,7 +8939,7 @@
                   </a:ext>
                 </a:extLst>
               </a:tr>
-              <a:tr h="739227">
+              <a:tr h="712658">
                 <a:tc>
                   <a:txBody>
                     <a:bodyPr/>
@@ -8970,7 +9150,7 @@
                         <a:buNone/>
                       </a:pPr>
                       <a:r>
-                        <a:rPr lang="en-US" sz="1600">
+                        <a:rPr lang="en-US" sz="1600" dirty="0">
                           <a:solidFill>
                             <a:srgbClr val="1B1C1D"/>
                           </a:solidFill>
@@ -9027,7 +9207,7 @@
                   </a:ext>
                 </a:extLst>
               </a:tr>
-              <a:tr h="883311">
+              <a:tr h="851564">
                 <a:tc>
                   <a:txBody>
                     <a:bodyPr/>
@@ -9295,7 +9475,7 @@
                   </a:ext>
                 </a:extLst>
               </a:tr>
-              <a:tr h="684384">
+              <a:tr h="659786">
                 <a:tc>
                   <a:txBody>
                     <a:bodyPr/>
@@ -9563,7 +9743,7 @@
                   </a:ext>
                 </a:extLst>
               </a:tr>
-              <a:tr h="883311">
+              <a:tr h="851564">
                 <a:tc>
                   <a:txBody>
                     <a:bodyPr/>
@@ -9851,7 +10031,7 @@
                   </a:ext>
                 </a:extLst>
               </a:tr>
-              <a:tr h="739227">
+              <a:tr h="712658">
                 <a:tc>
                   <a:txBody>
                     <a:bodyPr/>
@@ -10139,7 +10319,7 @@
                   </a:ext>
                 </a:extLst>
               </a:tr>
-              <a:tr h="1082238">
+              <a:tr h="1043341">
                 <a:tc>
                   <a:txBody>
                     <a:bodyPr/>
@@ -10417,7 +10597,7 @@
                   </a:ext>
                 </a:extLst>
               </a:tr>
-              <a:tr h="739227">
+              <a:tr h="712658">
                 <a:tc>
                   <a:txBody>
                     <a:bodyPr/>
@@ -10709,6 +10889,42 @@
           </a:graphicData>
         </a:graphic>
       </p:graphicFrame>
+      <p:pic>
+        <p:nvPicPr>
+          <p:cNvPr id="3" name="Picture 2" descr="A close up of a logo&#10;&#10;AI-generated content may be incorrect.">
+            <a:extLst>
+              <a:ext uri="{FF2B5EF4-FFF2-40B4-BE49-F238E27FC236}">
+                <a16:creationId xmlns:a16="http://schemas.microsoft.com/office/drawing/2014/main" id="{C8B14ED5-89D4-8108-F5C1-C25EE779ED8D}"/>
+              </a:ext>
+            </a:extLst>
+          </p:cNvPr>
+          <p:cNvPicPr>
+            <a:picLocks noChangeAspect="1"/>
+          </p:cNvPicPr>
+          <p:nvPr/>
+        </p:nvPicPr>
+        <p:blipFill>
+          <a:blip r:embed="rId2">
+            <a:extLst>
+              <a:ext uri="{28A0092B-C50C-407E-A947-70E740481C1C}">
+                <a14:useLocalDpi xmlns:a14="http://schemas.microsoft.com/office/drawing/2010/main" val="0"/>
+              </a:ext>
+            </a:extLst>
+          </a:blip>
+          <a:stretch>
+            <a:fillRect/>
+          </a:stretch>
+        </p:blipFill>
+        <p:spPr>
+          <a:xfrm>
+            <a:off x="9536707" y="251205"/>
+            <a:ext cx="2218347" cy="686140"/>
+          </a:xfrm>
+          <a:prstGeom prst="rect">
+            <a:avLst/>
+          </a:prstGeom>
+        </p:spPr>
+      </p:pic>
     </p:spTree>
     <p:extLst>
       <p:ext uri="{BB962C8B-B14F-4D97-AF65-F5344CB8AC3E}">
@@ -11305,6 +11521,42 @@
           </a:prstGeom>
         </p:spPr>
       </p:pic>
+      <p:pic>
+        <p:nvPicPr>
+          <p:cNvPr id="3" name="Picture 2" descr="A close up of a logo&#10;&#10;AI-generated content may be incorrect.">
+            <a:extLst>
+              <a:ext uri="{FF2B5EF4-FFF2-40B4-BE49-F238E27FC236}">
+                <a16:creationId xmlns:a16="http://schemas.microsoft.com/office/drawing/2014/main" id="{5F587C90-3FFF-5699-2233-6B0DE56DC51D}"/>
+              </a:ext>
+            </a:extLst>
+          </p:cNvPr>
+          <p:cNvPicPr>
+            <a:picLocks noChangeAspect="1"/>
+          </p:cNvPicPr>
+          <p:nvPr/>
+        </p:nvPicPr>
+        <p:blipFill>
+          <a:blip r:embed="rId4">
+            <a:extLst>
+              <a:ext uri="{28A0092B-C50C-407E-A947-70E740481C1C}">
+                <a14:useLocalDpi xmlns:a14="http://schemas.microsoft.com/office/drawing/2010/main" val="0"/>
+              </a:ext>
+            </a:extLst>
+          </a:blip>
+          <a:stretch>
+            <a:fillRect/>
+          </a:stretch>
+        </p:blipFill>
+        <p:spPr>
+          <a:xfrm>
+            <a:off x="9536707" y="251205"/>
+            <a:ext cx="2218347" cy="686140"/>
+          </a:xfrm>
+          <a:prstGeom prst="rect">
+            <a:avLst/>
+          </a:prstGeom>
+        </p:spPr>
+      </p:pic>
     </p:spTree>
     <p:extLst>
       <p:ext uri="{BB962C8B-B14F-4D97-AF65-F5344CB8AC3E}">
@@ -11349,7 +11601,7 @@
         </p:nvSpPr>
         <p:spPr>
           <a:xfrm>
-            <a:off x="1582993" y="433071"/>
+            <a:off x="1461073" y="716782"/>
             <a:ext cx="9547123" cy="646331"/>
           </a:xfrm>
           <a:prstGeom prst="rect">
@@ -11397,13 +11649,13 @@
           <p:nvPr>
             <p:extLst>
               <p:ext uri="{D42A27DB-BD31-4B8C-83A1-F6EECF244321}">
-                <p14:modId xmlns:p14="http://schemas.microsoft.com/office/powerpoint/2010/main" val="2340390629"/>
+                <p14:modId xmlns:p14="http://schemas.microsoft.com/office/powerpoint/2010/main" val="1568576972"/>
               </p:ext>
             </p:extLst>
           </p:nvPr>
         </p:nvGraphicFramePr>
         <p:xfrm>
-          <a:off x="2032000" y="1171950"/>
+          <a:off x="2017841" y="1481075"/>
           <a:ext cx="9737213" cy="5125720"/>
         </p:xfrm>
         <a:graphic>
@@ -12076,8 +12328,44 @@
         </p:blipFill>
         <p:spPr>
           <a:xfrm>
-            <a:off x="2502507" y="2800041"/>
+            <a:off x="2522827" y="2474921"/>
             <a:ext cx="2520055" cy="1319675"/>
+          </a:xfrm>
+          <a:prstGeom prst="rect">
+            <a:avLst/>
+          </a:prstGeom>
+        </p:spPr>
+      </p:pic>
+      <p:pic>
+        <p:nvPicPr>
+          <p:cNvPr id="2" name="Picture 1" descr="A close up of a logo&#10;&#10;AI-generated content may be incorrect.">
+            <a:extLst>
+              <a:ext uri="{FF2B5EF4-FFF2-40B4-BE49-F238E27FC236}">
+                <a16:creationId xmlns:a16="http://schemas.microsoft.com/office/drawing/2014/main" id="{C7BC16BF-817F-8CE6-A4A6-2D1EAA39DAC3}"/>
+              </a:ext>
+            </a:extLst>
+          </p:cNvPr>
+          <p:cNvPicPr>
+            <a:picLocks noChangeAspect="1"/>
+          </p:cNvPicPr>
+          <p:nvPr/>
+        </p:nvPicPr>
+        <p:blipFill>
+          <a:blip r:embed="rId3">
+            <a:extLst>
+              <a:ext uri="{28A0092B-C50C-407E-A947-70E740481C1C}">
+                <a14:useLocalDpi xmlns:a14="http://schemas.microsoft.com/office/drawing/2010/main" val="0"/>
+              </a:ext>
+            </a:extLst>
+          </a:blip>
+          <a:stretch>
+            <a:fillRect/>
+          </a:stretch>
+        </p:blipFill>
+        <p:spPr>
+          <a:xfrm>
+            <a:off x="9536707" y="251205"/>
+            <a:ext cx="2218347" cy="686140"/>
           </a:xfrm>
           <a:prstGeom prst="rect">
             <a:avLst/>
@@ -12278,7 +12566,7 @@
         </p:nvSpPr>
         <p:spPr>
           <a:xfrm>
-            <a:off x="1681316" y="3436212"/>
+            <a:off x="1563329" y="3773755"/>
             <a:ext cx="9969910" cy="1754326"/>
           </a:xfrm>
           <a:prstGeom prst="rect">
@@ -12408,8 +12696,44 @@
         </p:blipFill>
         <p:spPr>
           <a:xfrm>
-            <a:off x="6803923" y="784096"/>
+            <a:off x="6803923" y="1149856"/>
             <a:ext cx="5202522" cy="2411388"/>
+          </a:xfrm>
+          <a:prstGeom prst="rect">
+            <a:avLst/>
+          </a:prstGeom>
+        </p:spPr>
+      </p:pic>
+      <p:pic>
+        <p:nvPicPr>
+          <p:cNvPr id="2" name="Picture 1" descr="A close up of a logo&#10;&#10;AI-generated content may be incorrect.">
+            <a:extLst>
+              <a:ext uri="{FF2B5EF4-FFF2-40B4-BE49-F238E27FC236}">
+                <a16:creationId xmlns:a16="http://schemas.microsoft.com/office/drawing/2014/main" id="{24B2FCEC-239E-FEEA-6EE4-E6357348ED45}"/>
+              </a:ext>
+            </a:extLst>
+          </p:cNvPr>
+          <p:cNvPicPr>
+            <a:picLocks noChangeAspect="1"/>
+          </p:cNvPicPr>
+          <p:nvPr/>
+        </p:nvPicPr>
+        <p:blipFill>
+          <a:blip r:embed="rId4">
+            <a:extLst>
+              <a:ext uri="{28A0092B-C50C-407E-A947-70E740481C1C}">
+                <a14:useLocalDpi xmlns:a14="http://schemas.microsoft.com/office/drawing/2010/main" val="0"/>
+              </a:ext>
+            </a:extLst>
+          </a:blip>
+          <a:stretch>
+            <a:fillRect/>
+          </a:stretch>
+        </p:blipFill>
+        <p:spPr>
+          <a:xfrm>
+            <a:off x="9536707" y="251205"/>
+            <a:ext cx="2218347" cy="686140"/>
           </a:xfrm>
           <a:prstGeom prst="rect">
             <a:avLst/>
@@ -12460,7 +12784,7 @@
         </p:nvSpPr>
         <p:spPr>
           <a:xfrm>
-            <a:off x="1700980" y="230490"/>
+            <a:off x="1504335" y="507583"/>
             <a:ext cx="10333704" cy="2109587"/>
           </a:xfrm>
           <a:prstGeom prst="rect">
@@ -12651,6 +12975,42 @@
           </p:pic>
         </mc:Fallback>
       </mc:AlternateContent>
+      <p:pic>
+        <p:nvPicPr>
+          <p:cNvPr id="2" name="Picture 1" descr="A close up of a logo&#10;&#10;AI-generated content may be incorrect.">
+            <a:extLst>
+              <a:ext uri="{FF2B5EF4-FFF2-40B4-BE49-F238E27FC236}">
+                <a16:creationId xmlns:a16="http://schemas.microsoft.com/office/drawing/2014/main" id="{41F1AE4A-26A9-5B9A-134D-421E72D49387}"/>
+              </a:ext>
+            </a:extLst>
+          </p:cNvPr>
+          <p:cNvPicPr>
+            <a:picLocks noChangeAspect="1"/>
+          </p:cNvPicPr>
+          <p:nvPr/>
+        </p:nvPicPr>
+        <p:blipFill>
+          <a:blip r:embed="rId5">
+            <a:extLst>
+              <a:ext uri="{28A0092B-C50C-407E-A947-70E740481C1C}">
+                <a14:useLocalDpi xmlns:a14="http://schemas.microsoft.com/office/drawing/2010/main" val="0"/>
+              </a:ext>
+            </a:extLst>
+          </a:blip>
+          <a:stretch>
+            <a:fillRect/>
+          </a:stretch>
+        </p:blipFill>
+        <p:spPr>
+          <a:xfrm>
+            <a:off x="9536707" y="251205"/>
+            <a:ext cx="2218347" cy="686140"/>
+          </a:xfrm>
+          <a:prstGeom prst="rect">
+            <a:avLst/>
+          </a:prstGeom>
+        </p:spPr>
+      </p:pic>
     </p:spTree>
     <p:extLst>
       <p:ext uri="{BB962C8B-B14F-4D97-AF65-F5344CB8AC3E}">
@@ -12801,7 +13161,7 @@
         </p:blipFill>
         <p:spPr>
           <a:xfrm>
-            <a:off x="5697538" y="909655"/>
+            <a:off x="5697538" y="1275415"/>
             <a:ext cx="6424691" cy="2924925"/>
           </a:xfrm>
           <a:prstGeom prst="rect">
@@ -12953,6 +13313,42 @@
           </a:p>
         </p:txBody>
       </p:sp>
+      <p:pic>
+        <p:nvPicPr>
+          <p:cNvPr id="2" name="Picture 1" descr="A close up of a logo&#10;&#10;AI-generated content may be incorrect.">
+            <a:extLst>
+              <a:ext uri="{FF2B5EF4-FFF2-40B4-BE49-F238E27FC236}">
+                <a16:creationId xmlns:a16="http://schemas.microsoft.com/office/drawing/2014/main" id="{F5A6298B-55E9-2CEA-C143-E92DCD6ADC95}"/>
+              </a:ext>
+            </a:extLst>
+          </p:cNvPr>
+          <p:cNvPicPr>
+            <a:picLocks noChangeAspect="1"/>
+          </p:cNvPicPr>
+          <p:nvPr/>
+        </p:nvPicPr>
+        <p:blipFill>
+          <a:blip r:embed="rId4">
+            <a:extLst>
+              <a:ext uri="{28A0092B-C50C-407E-A947-70E740481C1C}">
+                <a14:useLocalDpi xmlns:a14="http://schemas.microsoft.com/office/drawing/2010/main" val="0"/>
+              </a:ext>
+            </a:extLst>
+          </a:blip>
+          <a:stretch>
+            <a:fillRect/>
+          </a:stretch>
+        </p:blipFill>
+        <p:spPr>
+          <a:xfrm>
+            <a:off x="9536707" y="251205"/>
+            <a:ext cx="2218347" cy="686140"/>
+          </a:xfrm>
+          <a:prstGeom prst="rect">
+            <a:avLst/>
+          </a:prstGeom>
+        </p:spPr>
+      </p:pic>
     </p:spTree>
     <p:extLst>
       <p:ext uri="{BB962C8B-B14F-4D97-AF65-F5344CB8AC3E}">
@@ -13405,6 +13801,42 @@
           </a:p>
         </p:txBody>
       </p:sp>
+      <p:pic>
+        <p:nvPicPr>
+          <p:cNvPr id="2" name="Picture 1" descr="A close up of a logo&#10;&#10;AI-generated content may be incorrect.">
+            <a:extLst>
+              <a:ext uri="{FF2B5EF4-FFF2-40B4-BE49-F238E27FC236}">
+                <a16:creationId xmlns:a16="http://schemas.microsoft.com/office/drawing/2014/main" id="{D09AE75F-C916-52CA-4701-5E1359006F55}"/>
+              </a:ext>
+            </a:extLst>
+          </p:cNvPr>
+          <p:cNvPicPr>
+            <a:picLocks noChangeAspect="1"/>
+          </p:cNvPicPr>
+          <p:nvPr/>
+        </p:nvPicPr>
+        <p:blipFill>
+          <a:blip r:embed="rId2">
+            <a:extLst>
+              <a:ext uri="{28A0092B-C50C-407E-A947-70E740481C1C}">
+                <a14:useLocalDpi xmlns:a14="http://schemas.microsoft.com/office/drawing/2010/main" val="0"/>
+              </a:ext>
+            </a:extLst>
+          </a:blip>
+          <a:stretch>
+            <a:fillRect/>
+          </a:stretch>
+        </p:blipFill>
+        <p:spPr>
+          <a:xfrm>
+            <a:off x="9536707" y="251205"/>
+            <a:ext cx="2218347" cy="686140"/>
+          </a:xfrm>
+          <a:prstGeom prst="rect">
+            <a:avLst/>
+          </a:prstGeom>
+        </p:spPr>
+      </p:pic>
     </p:spTree>
     <p:extLst>
       <p:ext uri="{BB962C8B-B14F-4D97-AF65-F5344CB8AC3E}">
@@ -13554,7 +13986,7 @@
         </p:blipFill>
         <p:spPr>
           <a:xfrm>
-            <a:off x="6515119" y="156725"/>
+            <a:off x="6508955" y="1350214"/>
             <a:ext cx="5578315" cy="4965881"/>
           </a:xfrm>
           <a:prstGeom prst="rect">
@@ -13695,6 +14127,42 @@
           </a:p>
         </p:txBody>
       </p:sp>
+      <p:pic>
+        <p:nvPicPr>
+          <p:cNvPr id="2" name="Picture 1" descr="A close up of a logo&#10;&#10;AI-generated content may be incorrect.">
+            <a:extLst>
+              <a:ext uri="{FF2B5EF4-FFF2-40B4-BE49-F238E27FC236}">
+                <a16:creationId xmlns:a16="http://schemas.microsoft.com/office/drawing/2014/main" id="{B4D9E126-52C8-219D-6665-E0C728F3EBC8}"/>
+              </a:ext>
+            </a:extLst>
+          </p:cNvPr>
+          <p:cNvPicPr>
+            <a:picLocks noChangeAspect="1"/>
+          </p:cNvPicPr>
+          <p:nvPr/>
+        </p:nvPicPr>
+        <p:blipFill>
+          <a:blip r:embed="rId3">
+            <a:extLst>
+              <a:ext uri="{28A0092B-C50C-407E-A947-70E740481C1C}">
+                <a14:useLocalDpi xmlns:a14="http://schemas.microsoft.com/office/drawing/2010/main" val="0"/>
+              </a:ext>
+            </a:extLst>
+          </a:blip>
+          <a:stretch>
+            <a:fillRect/>
+          </a:stretch>
+        </p:blipFill>
+        <p:spPr>
+          <a:xfrm>
+            <a:off x="9536707" y="251205"/>
+            <a:ext cx="2218347" cy="686140"/>
+          </a:xfrm>
+          <a:prstGeom prst="rect">
+            <a:avLst/>
+          </a:prstGeom>
+        </p:spPr>
+      </p:pic>
     </p:spTree>
     <p:extLst>
       <p:ext uri="{BB962C8B-B14F-4D97-AF65-F5344CB8AC3E}">
@@ -13797,6 +14265,42 @@
           </a:p>
         </p:txBody>
       </p:sp>
+      <p:pic>
+        <p:nvPicPr>
+          <p:cNvPr id="4" name="Picture 3" descr="A close up of a logo&#10;&#10;AI-generated content may be incorrect.">
+            <a:extLst>
+              <a:ext uri="{FF2B5EF4-FFF2-40B4-BE49-F238E27FC236}">
+                <a16:creationId xmlns:a16="http://schemas.microsoft.com/office/drawing/2014/main" id="{A24394CF-0270-DCCD-6B4E-21E822F04114}"/>
+              </a:ext>
+            </a:extLst>
+          </p:cNvPr>
+          <p:cNvPicPr>
+            <a:picLocks noChangeAspect="1"/>
+          </p:cNvPicPr>
+          <p:nvPr/>
+        </p:nvPicPr>
+        <p:blipFill>
+          <a:blip r:embed="rId2">
+            <a:extLst>
+              <a:ext uri="{28A0092B-C50C-407E-A947-70E740481C1C}">
+                <a14:useLocalDpi xmlns:a14="http://schemas.microsoft.com/office/drawing/2010/main" val="0"/>
+              </a:ext>
+            </a:extLst>
+          </a:blip>
+          <a:stretch>
+            <a:fillRect/>
+          </a:stretch>
+        </p:blipFill>
+        <p:spPr>
+          <a:xfrm>
+            <a:off x="9536707" y="251205"/>
+            <a:ext cx="2218347" cy="686140"/>
+          </a:xfrm>
+          <a:prstGeom prst="rect">
+            <a:avLst/>
+          </a:prstGeom>
+        </p:spPr>
+      </p:pic>
     </p:spTree>
     <p:extLst>
       <p:ext uri="{BB962C8B-B14F-4D97-AF65-F5344CB8AC3E}">
@@ -14230,7 +14734,7 @@
         </p:blipFill>
         <p:spPr>
           <a:xfrm>
-            <a:off x="5860083" y="954479"/>
+            <a:off x="5909187" y="1254631"/>
             <a:ext cx="4862666" cy="2169965"/>
           </a:xfrm>
           <a:prstGeom prst="rect">
@@ -14252,7 +14756,7 @@
         </p:nvSpPr>
         <p:spPr>
           <a:xfrm>
-            <a:off x="5378245" y="3094323"/>
+            <a:off x="5378245" y="3468994"/>
             <a:ext cx="2799371" cy="369332"/>
           </a:xfrm>
           <a:prstGeom prst="rect">
@@ -14310,8 +14814,44 @@
         </p:blipFill>
         <p:spPr>
           <a:xfrm>
-            <a:off x="5860083" y="3646752"/>
+            <a:off x="5860083" y="4050682"/>
             <a:ext cx="5004562" cy="2427212"/>
+          </a:xfrm>
+          <a:prstGeom prst="rect">
+            <a:avLst/>
+          </a:prstGeom>
+        </p:spPr>
+      </p:pic>
+      <p:pic>
+        <p:nvPicPr>
+          <p:cNvPr id="4" name="Picture 3" descr="A close up of a logo&#10;&#10;AI-generated content may be incorrect.">
+            <a:extLst>
+              <a:ext uri="{FF2B5EF4-FFF2-40B4-BE49-F238E27FC236}">
+                <a16:creationId xmlns:a16="http://schemas.microsoft.com/office/drawing/2014/main" id="{60D89709-6205-D7BA-E7DA-D7F0D1C037B5}"/>
+              </a:ext>
+            </a:extLst>
+          </p:cNvPr>
+          <p:cNvPicPr>
+            <a:picLocks noChangeAspect="1"/>
+          </p:cNvPicPr>
+          <p:nvPr/>
+        </p:nvPicPr>
+        <p:blipFill>
+          <a:blip r:embed="rId4">
+            <a:extLst>
+              <a:ext uri="{28A0092B-C50C-407E-A947-70E740481C1C}">
+                <a14:useLocalDpi xmlns:a14="http://schemas.microsoft.com/office/drawing/2010/main" val="0"/>
+              </a:ext>
+            </a:extLst>
+          </a:blip>
+          <a:stretch>
+            <a:fillRect/>
+          </a:stretch>
+        </p:blipFill>
+        <p:spPr>
+          <a:xfrm>
+            <a:off x="9536707" y="251205"/>
+            <a:ext cx="2218347" cy="686140"/>
           </a:xfrm>
           <a:prstGeom prst="rect">
             <a:avLst/>
@@ -14428,6 +14968,42 @@
           </a:prstGeom>
         </p:spPr>
       </p:pic>
+      <p:pic>
+        <p:nvPicPr>
+          <p:cNvPr id="2" name="Picture 1" descr="A close up of a logo&#10;&#10;AI-generated content may be incorrect.">
+            <a:extLst>
+              <a:ext uri="{FF2B5EF4-FFF2-40B4-BE49-F238E27FC236}">
+                <a16:creationId xmlns:a16="http://schemas.microsoft.com/office/drawing/2014/main" id="{BC24ED23-D88D-0C85-212C-800502A90FA7}"/>
+              </a:ext>
+            </a:extLst>
+          </p:cNvPr>
+          <p:cNvPicPr>
+            <a:picLocks noChangeAspect="1"/>
+          </p:cNvPicPr>
+          <p:nvPr/>
+        </p:nvPicPr>
+        <p:blipFill>
+          <a:blip r:embed="rId3">
+            <a:extLst>
+              <a:ext uri="{28A0092B-C50C-407E-A947-70E740481C1C}">
+                <a14:useLocalDpi xmlns:a14="http://schemas.microsoft.com/office/drawing/2010/main" val="0"/>
+              </a:ext>
+            </a:extLst>
+          </a:blip>
+          <a:stretch>
+            <a:fillRect/>
+          </a:stretch>
+        </p:blipFill>
+        <p:spPr>
+          <a:xfrm>
+            <a:off x="9536707" y="251205"/>
+            <a:ext cx="2218347" cy="686140"/>
+          </a:xfrm>
+          <a:prstGeom prst="rect">
+            <a:avLst/>
+          </a:prstGeom>
+        </p:spPr>
+      </p:pic>
     </p:spTree>
     <p:extLst>
       <p:ext uri="{BB962C8B-B14F-4D97-AF65-F5344CB8AC3E}">
@@ -14560,7 +15136,7 @@
         </p:blipFill>
         <p:spPr bwMode="auto">
           <a:xfrm>
-            <a:off x="6951687" y="774447"/>
+            <a:off x="6951687" y="1245400"/>
             <a:ext cx="5073166" cy="2853656"/>
           </a:xfrm>
           <a:prstGeom prst="rect">
@@ -14839,6 +15415,42 @@
           </a:p>
         </p:txBody>
       </p:sp>
+      <p:pic>
+        <p:nvPicPr>
+          <p:cNvPr id="2" name="Picture 1" descr="A close up of a logo&#10;&#10;AI-generated content may be incorrect.">
+            <a:extLst>
+              <a:ext uri="{FF2B5EF4-FFF2-40B4-BE49-F238E27FC236}">
+                <a16:creationId xmlns:a16="http://schemas.microsoft.com/office/drawing/2014/main" id="{284DD6C4-2B92-278C-13E9-B28BE6107A72}"/>
+              </a:ext>
+            </a:extLst>
+          </p:cNvPr>
+          <p:cNvPicPr>
+            <a:picLocks noChangeAspect="1"/>
+          </p:cNvPicPr>
+          <p:nvPr/>
+        </p:nvPicPr>
+        <p:blipFill>
+          <a:blip r:embed="rId3">
+            <a:extLst>
+              <a:ext uri="{28A0092B-C50C-407E-A947-70E740481C1C}">
+                <a14:useLocalDpi xmlns:a14="http://schemas.microsoft.com/office/drawing/2010/main" val="0"/>
+              </a:ext>
+            </a:extLst>
+          </a:blip>
+          <a:stretch>
+            <a:fillRect/>
+          </a:stretch>
+        </p:blipFill>
+        <p:spPr>
+          <a:xfrm>
+            <a:off x="9536707" y="251205"/>
+            <a:ext cx="2218347" cy="686140"/>
+          </a:xfrm>
+          <a:prstGeom prst="rect">
+            <a:avLst/>
+          </a:prstGeom>
+        </p:spPr>
+      </p:pic>
     </p:spTree>
     <p:extLst>
       <p:ext uri="{BB962C8B-B14F-4D97-AF65-F5344CB8AC3E}">
@@ -14919,7 +15531,7 @@
         </p:nvSpPr>
         <p:spPr>
           <a:xfrm>
-            <a:off x="1612490" y="668594"/>
+            <a:off x="1490570" y="1036330"/>
             <a:ext cx="8721213" cy="923330"/>
           </a:xfrm>
           <a:prstGeom prst="rect">
@@ -14963,7 +15575,7 @@
         </p:nvSpPr>
         <p:spPr>
           <a:xfrm>
-            <a:off x="1612490" y="1694541"/>
+            <a:off x="1592170" y="1959660"/>
             <a:ext cx="1899944" cy="369332"/>
           </a:xfrm>
           <a:prstGeom prst="rect">
@@ -14998,7 +15610,7 @@
         </p:nvSpPr>
         <p:spPr>
           <a:xfrm>
-            <a:off x="1917290" y="2063873"/>
+            <a:off x="1917290" y="2373404"/>
             <a:ext cx="6096000" cy="2585323"/>
           </a:xfrm>
           <a:prstGeom prst="rect">
@@ -15314,6 +15926,42 @@
           </a:p>
         </p:txBody>
       </p:sp>
+      <p:pic>
+        <p:nvPicPr>
+          <p:cNvPr id="5" name="Picture 4" descr="A close up of a logo&#10;&#10;AI-generated content may be incorrect.">
+            <a:extLst>
+              <a:ext uri="{FF2B5EF4-FFF2-40B4-BE49-F238E27FC236}">
+                <a16:creationId xmlns:a16="http://schemas.microsoft.com/office/drawing/2014/main" id="{8F895EA3-A431-CE1B-EF68-FFE05E92CB55}"/>
+              </a:ext>
+            </a:extLst>
+          </p:cNvPr>
+          <p:cNvPicPr>
+            <a:picLocks noChangeAspect="1"/>
+          </p:cNvPicPr>
+          <p:nvPr/>
+        </p:nvPicPr>
+        <p:blipFill>
+          <a:blip r:embed="rId2">
+            <a:extLst>
+              <a:ext uri="{28A0092B-C50C-407E-A947-70E740481C1C}">
+                <a14:useLocalDpi xmlns:a14="http://schemas.microsoft.com/office/drawing/2010/main" val="0"/>
+              </a:ext>
+            </a:extLst>
+          </a:blip>
+          <a:stretch>
+            <a:fillRect/>
+          </a:stretch>
+        </p:blipFill>
+        <p:spPr>
+          <a:xfrm>
+            <a:off x="9536707" y="251205"/>
+            <a:ext cx="2218347" cy="686140"/>
+          </a:xfrm>
+          <a:prstGeom prst="rect">
+            <a:avLst/>
+          </a:prstGeom>
+        </p:spPr>
+      </p:pic>
     </p:spTree>
     <p:extLst>
       <p:ext uri="{BB962C8B-B14F-4D97-AF65-F5344CB8AC3E}">
@@ -15567,6 +16215,42 @@
           </a:prstGeom>
         </p:spPr>
       </p:pic>
+      <p:pic>
+        <p:nvPicPr>
+          <p:cNvPr id="3" name="Picture 2" descr="A close up of a logo&#10;&#10;AI-generated content may be incorrect.">
+            <a:extLst>
+              <a:ext uri="{FF2B5EF4-FFF2-40B4-BE49-F238E27FC236}">
+                <a16:creationId xmlns:a16="http://schemas.microsoft.com/office/drawing/2014/main" id="{FC86D9AB-BC4D-28C7-2062-10220D63767E}"/>
+              </a:ext>
+            </a:extLst>
+          </p:cNvPr>
+          <p:cNvPicPr>
+            <a:picLocks noChangeAspect="1"/>
+          </p:cNvPicPr>
+          <p:nvPr/>
+        </p:nvPicPr>
+        <p:blipFill>
+          <a:blip r:embed="rId4">
+            <a:extLst>
+              <a:ext uri="{28A0092B-C50C-407E-A947-70E740481C1C}">
+                <a14:useLocalDpi xmlns:a14="http://schemas.microsoft.com/office/drawing/2010/main" val="0"/>
+              </a:ext>
+            </a:extLst>
+          </a:blip>
+          <a:stretch>
+            <a:fillRect/>
+          </a:stretch>
+        </p:blipFill>
+        <p:spPr>
+          <a:xfrm>
+            <a:off x="9536707" y="251205"/>
+            <a:ext cx="2218347" cy="686140"/>
+          </a:xfrm>
+          <a:prstGeom prst="rect">
+            <a:avLst/>
+          </a:prstGeom>
+        </p:spPr>
+      </p:pic>
     </p:spTree>
     <p:extLst>
       <p:ext uri="{BB962C8B-B14F-4D97-AF65-F5344CB8AC3E}">
@@ -15611,7 +16295,7 @@
         </p:nvSpPr>
         <p:spPr>
           <a:xfrm>
-            <a:off x="1514168" y="491613"/>
+            <a:off x="1493848" y="837053"/>
             <a:ext cx="10530348" cy="5355312"/>
           </a:xfrm>
           <a:prstGeom prst="rect">
@@ -15768,6 +16452,42 @@
           </a:p>
         </p:txBody>
       </p:sp>
+      <p:pic>
+        <p:nvPicPr>
+          <p:cNvPr id="2" name="Picture 1" descr="A close up of a logo&#10;&#10;AI-generated content may be incorrect.">
+            <a:extLst>
+              <a:ext uri="{FF2B5EF4-FFF2-40B4-BE49-F238E27FC236}">
+                <a16:creationId xmlns:a16="http://schemas.microsoft.com/office/drawing/2014/main" id="{E84E78B2-4BF7-7428-8134-D6B0ADAA0621}"/>
+              </a:ext>
+            </a:extLst>
+          </p:cNvPr>
+          <p:cNvPicPr>
+            <a:picLocks noChangeAspect="1"/>
+          </p:cNvPicPr>
+          <p:nvPr/>
+        </p:nvPicPr>
+        <p:blipFill>
+          <a:blip r:embed="rId2">
+            <a:extLst>
+              <a:ext uri="{28A0092B-C50C-407E-A947-70E740481C1C}">
+                <a14:useLocalDpi xmlns:a14="http://schemas.microsoft.com/office/drawing/2010/main" val="0"/>
+              </a:ext>
+            </a:extLst>
+          </a:blip>
+          <a:stretch>
+            <a:fillRect/>
+          </a:stretch>
+        </p:blipFill>
+        <p:spPr>
+          <a:xfrm>
+            <a:off x="9536707" y="251205"/>
+            <a:ext cx="2218347" cy="686140"/>
+          </a:xfrm>
+          <a:prstGeom prst="rect">
+            <a:avLst/>
+          </a:prstGeom>
+        </p:spPr>
+      </p:pic>
     </p:spTree>
     <p:extLst>
       <p:ext uri="{BB962C8B-B14F-4D97-AF65-F5344CB8AC3E}">
@@ -15979,6 +16699,42 @@
           </a:p>
         </p:txBody>
       </p:sp>
+      <p:pic>
+        <p:nvPicPr>
+          <p:cNvPr id="2" name="Picture 1" descr="A close up of a logo&#10;&#10;AI-generated content may be incorrect.">
+            <a:extLst>
+              <a:ext uri="{FF2B5EF4-FFF2-40B4-BE49-F238E27FC236}">
+                <a16:creationId xmlns:a16="http://schemas.microsoft.com/office/drawing/2014/main" id="{F9F38BD4-2DAA-23A7-1BF8-512B1E06DC49}"/>
+              </a:ext>
+            </a:extLst>
+          </p:cNvPr>
+          <p:cNvPicPr>
+            <a:picLocks noChangeAspect="1"/>
+          </p:cNvPicPr>
+          <p:nvPr/>
+        </p:nvPicPr>
+        <p:blipFill>
+          <a:blip r:embed="rId2">
+            <a:extLst>
+              <a:ext uri="{28A0092B-C50C-407E-A947-70E740481C1C}">
+                <a14:useLocalDpi xmlns:a14="http://schemas.microsoft.com/office/drawing/2010/main" val="0"/>
+              </a:ext>
+            </a:extLst>
+          </a:blip>
+          <a:stretch>
+            <a:fillRect/>
+          </a:stretch>
+        </p:blipFill>
+        <p:spPr>
+          <a:xfrm>
+            <a:off x="9536707" y="251205"/>
+            <a:ext cx="2218347" cy="686140"/>
+          </a:xfrm>
+          <a:prstGeom prst="rect">
+            <a:avLst/>
+          </a:prstGeom>
+        </p:spPr>
+      </p:pic>
     </p:spTree>
     <p:extLst>
       <p:ext uri="{BB962C8B-B14F-4D97-AF65-F5344CB8AC3E}">
@@ -16886,6 +17642,42 @@
           </a:graphicData>
         </a:graphic>
       </p:graphicFrame>
+      <p:pic>
+        <p:nvPicPr>
+          <p:cNvPr id="4" name="Picture 3" descr="A close up of a logo&#10;&#10;AI-generated content may be incorrect.">
+            <a:extLst>
+              <a:ext uri="{FF2B5EF4-FFF2-40B4-BE49-F238E27FC236}">
+                <a16:creationId xmlns:a16="http://schemas.microsoft.com/office/drawing/2014/main" id="{98403C02-16A8-9A9B-9A54-18FCE0DCBC1B}"/>
+              </a:ext>
+            </a:extLst>
+          </p:cNvPr>
+          <p:cNvPicPr>
+            <a:picLocks noChangeAspect="1"/>
+          </p:cNvPicPr>
+          <p:nvPr/>
+        </p:nvPicPr>
+        <p:blipFill>
+          <a:blip r:embed="rId2">
+            <a:extLst>
+              <a:ext uri="{28A0092B-C50C-407E-A947-70E740481C1C}">
+                <a14:useLocalDpi xmlns:a14="http://schemas.microsoft.com/office/drawing/2010/main" val="0"/>
+              </a:ext>
+            </a:extLst>
+          </a:blip>
+          <a:stretch>
+            <a:fillRect/>
+          </a:stretch>
+        </p:blipFill>
+        <p:spPr>
+          <a:xfrm>
+            <a:off x="9536707" y="251205"/>
+            <a:ext cx="2218347" cy="686140"/>
+          </a:xfrm>
+          <a:prstGeom prst="rect">
+            <a:avLst/>
+          </a:prstGeom>
+        </p:spPr>
+      </p:pic>
     </p:spTree>
     <p:extLst>
       <p:ext uri="{BB962C8B-B14F-4D97-AF65-F5344CB8AC3E}">
@@ -16931,13 +17723,13 @@
           <p:nvPr>
             <p:extLst>
               <p:ext uri="{D42A27DB-BD31-4B8C-83A1-F6EECF244321}">
-                <p14:modId xmlns:p14="http://schemas.microsoft.com/office/powerpoint/2010/main" val="1259164985"/>
+                <p14:modId xmlns:p14="http://schemas.microsoft.com/office/powerpoint/2010/main" val="203981127"/>
               </p:ext>
             </p:extLst>
           </p:nvPr>
         </p:nvGraphicFramePr>
         <p:xfrm>
-          <a:off x="1463796" y="-22123"/>
+          <a:off x="1463796" y="1128251"/>
           <a:ext cx="10728204" cy="3451123"/>
         </p:xfrm>
         <a:graphic>
@@ -17129,39 +17921,39 @@
                         <a:buNone/>
                       </a:pPr>
                       <a:r>
-                        <a:rPr lang="en-US" sz="1500"/>
+                        <a:rPr lang="en-US" sz="1500" dirty="0"/>
                         <a:t>Python standard libraries for </a:t>
                       </a:r>
                       <a:r>
-                        <a:rPr lang="en-US" sz="1500" b="1"/>
+                        <a:rPr lang="en-US" sz="1500" b="1" dirty="0"/>
                         <a:t>CSV file generation</a:t>
                       </a:r>
                       <a:r>
-                        <a:rPr lang="en-US" sz="1500"/>
+                        <a:rPr lang="en-US" sz="1500" dirty="0"/>
                         <a:t> for history download, </a:t>
                       </a:r>
                       <a:r>
-                        <a:rPr lang="en-US" sz="1500" b="1"/>
+                        <a:rPr lang="en-US" sz="1500" b="1" dirty="0"/>
                         <a:t>filesystem operations</a:t>
                       </a:r>
                       <a:r>
-                        <a:rPr lang="en-US" sz="1500"/>
+                        <a:rPr lang="en-US" sz="1500" dirty="0"/>
                         <a:t>, </a:t>
                       </a:r>
                       <a:r>
-                        <a:rPr lang="en-US" sz="1500" b="1"/>
+                        <a:rPr lang="en-US" sz="1500" b="1" dirty="0"/>
                         <a:t>multithreading</a:t>
                       </a:r>
                       <a:r>
-                        <a:rPr lang="en-US" sz="1500"/>
+                        <a:rPr lang="en-US" sz="1500" dirty="0"/>
                         <a:t> for video analysis, and </a:t>
                       </a:r>
                       <a:r>
-                        <a:rPr lang="en-US" sz="1500" b="1"/>
+                        <a:rPr lang="en-US" sz="1500" b="1" dirty="0"/>
                         <a:t>time management</a:t>
                       </a:r>
                       <a:r>
-                        <a:rPr lang="en-US" sz="1500"/>
+                        <a:rPr lang="en-US" sz="1500" dirty="0"/>
                         <a:t>.</a:t>
                       </a:r>
                     </a:p>
@@ -17361,6 +18153,42 @@
           </a:graphicData>
         </a:graphic>
       </p:graphicFrame>
+      <p:pic>
+        <p:nvPicPr>
+          <p:cNvPr id="2" name="Picture 1" descr="A close up of a logo&#10;&#10;AI-generated content may be incorrect.">
+            <a:extLst>
+              <a:ext uri="{FF2B5EF4-FFF2-40B4-BE49-F238E27FC236}">
+                <a16:creationId xmlns:a16="http://schemas.microsoft.com/office/drawing/2014/main" id="{03EB1830-6416-C885-00BF-F052C00B5913}"/>
+              </a:ext>
+            </a:extLst>
+          </p:cNvPr>
+          <p:cNvPicPr>
+            <a:picLocks noChangeAspect="1"/>
+          </p:cNvPicPr>
+          <p:nvPr/>
+        </p:nvPicPr>
+        <p:blipFill>
+          <a:blip r:embed="rId2">
+            <a:extLst>
+              <a:ext uri="{28A0092B-C50C-407E-A947-70E740481C1C}">
+                <a14:useLocalDpi xmlns:a14="http://schemas.microsoft.com/office/drawing/2010/main" val="0"/>
+              </a:ext>
+            </a:extLst>
+          </a:blip>
+          <a:stretch>
+            <a:fillRect/>
+          </a:stretch>
+        </p:blipFill>
+        <p:spPr>
+          <a:xfrm>
+            <a:off x="9536707" y="251205"/>
+            <a:ext cx="2218347" cy="686140"/>
+          </a:xfrm>
+          <a:prstGeom prst="rect">
+            <a:avLst/>
+          </a:prstGeom>
+        </p:spPr>
+      </p:pic>
     </p:spTree>
     <p:extLst>
       <p:ext uri="{BB962C8B-B14F-4D97-AF65-F5344CB8AC3E}">
@@ -17441,42 +18269,42 @@
           <p:nvPr>
             <p:extLst>
               <p:ext uri="{D42A27DB-BD31-4B8C-83A1-F6EECF244321}">
-                <p14:modId xmlns:p14="http://schemas.microsoft.com/office/powerpoint/2010/main" val="2603719500"/>
+                <p14:modId xmlns:p14="http://schemas.microsoft.com/office/powerpoint/2010/main" val="3170660591"/>
               </p:ext>
             </p:extLst>
           </p:nvPr>
         </p:nvGraphicFramePr>
         <p:xfrm>
-          <a:off x="1533832" y="609601"/>
-          <a:ext cx="10658168" cy="6150078"/>
+          <a:off x="1671485" y="998305"/>
+          <a:ext cx="10231118" cy="5822332"/>
         </p:xfrm>
         <a:graphic>
           <a:graphicData uri="http://schemas.openxmlformats.org/drawingml/2006/table">
             <a:tbl>
               <a:tblPr/>
               <a:tblGrid>
-                <a:gridCol w="1055856">
+                <a:gridCol w="1013550">
                   <a:extLst>
                     <a:ext uri="{9D8B030D-6E8A-4147-A177-3AD203B41FA5}">
                       <a16:colId xmlns:a16="http://schemas.microsoft.com/office/drawing/2014/main" val="317638149"/>
                     </a:ext>
                   </a:extLst>
                 </a:gridCol>
-                <a:gridCol w="2563503">
+                <a:gridCol w="2460789">
                   <a:extLst>
                     <a:ext uri="{9D8B030D-6E8A-4147-A177-3AD203B41FA5}">
                       <a16:colId xmlns:a16="http://schemas.microsoft.com/office/drawing/2014/main" val="1803822206"/>
                     </a:ext>
                   </a:extLst>
                 </a:gridCol>
-                <a:gridCol w="3282674">
+                <a:gridCol w="3151144">
                   <a:extLst>
                     <a:ext uri="{9D8B030D-6E8A-4147-A177-3AD203B41FA5}">
                       <a16:colId xmlns:a16="http://schemas.microsoft.com/office/drawing/2014/main" val="2711338199"/>
                     </a:ext>
                   </a:extLst>
                 </a:gridCol>
-                <a:gridCol w="3756135">
+                <a:gridCol w="3605635">
                   <a:extLst>
                     <a:ext uri="{9D8B030D-6E8A-4147-A177-3AD203B41FA5}">
                       <a16:colId xmlns:a16="http://schemas.microsoft.com/office/drawing/2014/main" val="1624890959"/>
@@ -17484,7 +18312,7 @@
                   </a:extLst>
                 </a:gridCol>
               </a:tblGrid>
-              <a:tr h="300045">
+              <a:tr h="284055">
                 <a:tc>
                   <a:txBody>
                     <a:bodyPr/>
@@ -17611,7 +18439,7 @@
                   </a:ext>
                 </a:extLst>
               </a:tr>
-              <a:tr h="1369156">
+              <a:tr h="1296192">
                 <a:tc>
                   <a:txBody>
                     <a:bodyPr/>
@@ -17778,7 +18606,7 @@
                   </a:ext>
                 </a:extLst>
               </a:tr>
-              <a:tr h="1555860">
+              <a:tr h="1472946">
                 <a:tc>
                   <a:txBody>
                     <a:bodyPr/>
@@ -17850,21 +18678,21 @@
                         <a:buNone/>
                       </a:pPr>
                       <a:r>
-                        <a:rPr lang="en-IN" sz="1400" b="1"/>
+                        <a:rPr lang="en-IN" sz="1400" b="1" dirty="0"/>
                         <a:t>OpenCV</a:t>
                       </a:r>
                       <a:r>
-                        <a:rPr lang="en-IN" sz="1400"/>
+                        <a:rPr lang="en-IN" sz="1400" dirty="0"/>
                         <a:t> (</a:t>
                       </a:r>
                       <a:r>
-                        <a:rPr lang="en-IN" sz="1400" b="1">
+                        <a:rPr lang="en-IN" sz="1400" b="1" dirty="0">
                           <a:latin typeface="Courier New" panose="02070309020205020404" pitchFamily="49" charset="0"/>
                         </a:rPr>
                         <a:t>cv2</a:t>
                       </a:r>
                       <a:r>
-                        <a:rPr lang="en-IN" sz="1400"/>
+                        <a:rPr lang="en-IN" sz="1400" dirty="0"/>
                         <a:t>)</a:t>
                       </a:r>
                     </a:p>
@@ -17894,39 +18722,39 @@
                         <a:buNone/>
                       </a:pPr>
                       <a:r>
-                        <a:rPr lang="en-US" sz="1400"/>
+                        <a:rPr lang="en-US" sz="1400" dirty="0"/>
                         <a:t>Used for </a:t>
                       </a:r>
                       <a:r>
-                        <a:rPr lang="en-US" sz="1400" b="1"/>
+                        <a:rPr lang="en-US" sz="1400" b="1" dirty="0"/>
                         <a:t>reading video streams</a:t>
                       </a:r>
                       <a:r>
-                        <a:rPr lang="en-US" sz="1400"/>
+                        <a:rPr lang="en-US" sz="1400" dirty="0"/>
                         <a:t> (from webcam/file), </a:t>
                       </a:r>
                       <a:r>
-                        <a:rPr lang="en-US" sz="1400" b="1"/>
+                        <a:rPr lang="en-US" sz="1400" b="1" dirty="0"/>
                         <a:t>drawing bounding boxes</a:t>
                       </a:r>
                       <a:r>
-                        <a:rPr lang="en-US" sz="1400"/>
+                        <a:rPr lang="en-US" sz="1400" dirty="0"/>
                         <a:t> and the </a:t>
                       </a:r>
                       <a:r>
-                        <a:rPr lang="en-US" sz="1400" b="1"/>
+                        <a:rPr lang="en-US" sz="1400" b="1" dirty="0"/>
                         <a:t>Area of Interest (AOI) line</a:t>
                       </a:r>
                       <a:r>
-                        <a:rPr lang="en-US" sz="1400"/>
+                        <a:rPr lang="en-US" sz="1400" dirty="0"/>
                         <a:t>, and </a:t>
                       </a:r>
                       <a:r>
-                        <a:rPr lang="en-US" sz="1400" b="1"/>
+                        <a:rPr lang="en-US" sz="1400" b="1" dirty="0"/>
                         <a:t>encoding frames</a:t>
                       </a:r>
                       <a:r>
-                        <a:rPr lang="en-US" sz="1400"/>
+                        <a:rPr lang="en-US" sz="1400" dirty="0"/>
                         <a:t> for the web video feed.</a:t>
                       </a:r>
                     </a:p>
@@ -17953,7 +18781,7 @@
                   </a:ext>
                 </a:extLst>
               </a:tr>
-              <a:tr h="1742563">
+              <a:tr h="1649699">
                 <a:tc>
                   <a:txBody>
                     <a:bodyPr/>
@@ -18069,15 +18897,15 @@
                         <a:buNone/>
                       </a:pPr>
                       <a:r>
-                        <a:rPr lang="en-US" sz="1400"/>
+                        <a:rPr lang="en-US" sz="1400" dirty="0"/>
                         <a:t>Manages </a:t>
                       </a:r>
                       <a:r>
-                        <a:rPr lang="en-US" sz="1400" b="1"/>
+                        <a:rPr lang="en-US" sz="1400" b="1" dirty="0"/>
                         <a:t>object tracking</a:t>
                       </a:r>
                       <a:r>
-                        <a:rPr lang="en-US" sz="1400"/>
+                        <a:rPr lang="en-US" sz="1400" dirty="0"/>
                         <a:t> across frames to ensure the same person isn't counted multiple times and to check if an object crosses the AOI line (using distance calculation).</a:t>
                       </a:r>
                     </a:p>
@@ -18104,7 +18932,7 @@
                   </a:ext>
                 </a:extLst>
               </a:tr>
-              <a:tr h="1182454">
+              <a:tr h="1119440">
                 <a:tc>
                   <a:txBody>
                     <a:bodyPr/>
@@ -18280,6 +19108,42 @@
           </a:graphicData>
         </a:graphic>
       </p:graphicFrame>
+      <p:pic>
+        <p:nvPicPr>
+          <p:cNvPr id="3" name="Picture 2" descr="A close up of a logo&#10;&#10;AI-generated content may be incorrect.">
+            <a:extLst>
+              <a:ext uri="{FF2B5EF4-FFF2-40B4-BE49-F238E27FC236}">
+                <a16:creationId xmlns:a16="http://schemas.microsoft.com/office/drawing/2014/main" id="{F5699912-F16B-442A-EB5F-7365529ACE01}"/>
+              </a:ext>
+            </a:extLst>
+          </p:cNvPr>
+          <p:cNvPicPr>
+            <a:picLocks noChangeAspect="1"/>
+          </p:cNvPicPr>
+          <p:nvPr/>
+        </p:nvPicPr>
+        <p:blipFill>
+          <a:blip r:embed="rId3">
+            <a:extLst>
+              <a:ext uri="{28A0092B-C50C-407E-A947-70E740481C1C}">
+                <a14:useLocalDpi xmlns:a14="http://schemas.microsoft.com/office/drawing/2010/main" val="0"/>
+              </a:ext>
+            </a:extLst>
+          </a:blip>
+          <a:stretch>
+            <a:fillRect/>
+          </a:stretch>
+        </p:blipFill>
+        <p:spPr>
+          <a:xfrm>
+            <a:off x="9536707" y="251205"/>
+            <a:ext cx="2218347" cy="686140"/>
+          </a:xfrm>
+          <a:prstGeom prst="rect">
+            <a:avLst/>
+          </a:prstGeom>
+        </p:spPr>
+      </p:pic>
     </p:spTree>
     <p:extLst>
       <p:ext uri="{BB962C8B-B14F-4D97-AF65-F5344CB8AC3E}">
@@ -18360,13 +19224,13 @@
           <p:nvPr>
             <p:extLst>
               <p:ext uri="{D42A27DB-BD31-4B8C-83A1-F6EECF244321}">
-                <p14:modId xmlns:p14="http://schemas.microsoft.com/office/powerpoint/2010/main" val="3702533047"/>
+                <p14:modId xmlns:p14="http://schemas.microsoft.com/office/powerpoint/2010/main" val="3691986421"/>
               </p:ext>
             </p:extLst>
           </p:nvPr>
         </p:nvGraphicFramePr>
         <p:xfrm>
-          <a:off x="1563328" y="660320"/>
+          <a:off x="1563328" y="1117520"/>
           <a:ext cx="10628672" cy="5229202"/>
         </p:xfrm>
         <a:graphic>
@@ -19150,6 +20014,140 @@
                         <a:buNone/>
                       </a:pPr>
                       <a:r>
+                        <a:rPr lang="en-IN" sz="1400" b="1" dirty="0">
+                          <a:solidFill>
+                            <a:srgbClr val="1B1C1D"/>
+                          </a:solidFill>
+                          <a:effectLst/>
+                          <a:latin typeface="Google Sans Text"/>
+                        </a:rPr>
+                        <a:t>CSS</a:t>
+                      </a:r>
+                      <a:endParaRPr lang="en-IN" sz="1400" dirty="0">
+                        <a:solidFill>
+                          <a:srgbClr val="1B1C1D"/>
+                        </a:solidFill>
+                        <a:effectLst/>
+                        <a:latin typeface="Google Sans Text"/>
+                      </a:endParaRPr>
+                    </a:p>
+                  </a:txBody>
+                  <a:tcPr marL="55459" marR="55459" marT="36973" marB="36973" anchor="ctr">
+                    <a:lnL w="7620" cap="flat" cmpd="sng" algn="ctr">
+                      <a:solidFill>
+                        <a:schemeClr val="bg1"/>
+                      </a:solidFill>
+                      <a:prstDash val="solid"/>
+                      <a:round/>
+                      <a:headEnd type="none" w="med" len="med"/>
+                      <a:tailEnd type="none" w="med" len="med"/>
+                    </a:lnL>
+                    <a:lnR w="7620" cap="flat" cmpd="sng" algn="ctr">
+                      <a:solidFill>
+                        <a:schemeClr val="bg1"/>
+                      </a:solidFill>
+                      <a:prstDash val="solid"/>
+                      <a:round/>
+                      <a:headEnd type="none" w="med" len="med"/>
+                      <a:tailEnd type="none" w="med" len="med"/>
+                    </a:lnR>
+                    <a:lnT w="7620" cap="flat" cmpd="sng" algn="ctr">
+                      <a:solidFill>
+                        <a:schemeClr val="bg1"/>
+                      </a:solidFill>
+                      <a:prstDash val="solid"/>
+                      <a:round/>
+                      <a:headEnd type="none" w="med" len="med"/>
+                      <a:tailEnd type="none" w="med" len="med"/>
+                    </a:lnT>
+                    <a:lnB w="7620" cap="flat" cmpd="sng" algn="ctr">
+                      <a:solidFill>
+                        <a:schemeClr val="bg1"/>
+                      </a:solidFill>
+                      <a:prstDash val="solid"/>
+                      <a:round/>
+                      <a:headEnd type="none" w="med" len="med"/>
+                      <a:tailEnd type="none" w="med" len="med"/>
+                    </a:lnB>
+                    <a:noFill/>
+                  </a:tcPr>
+                </a:tc>
+                <a:tc>
+                  <a:txBody>
+                    <a:bodyPr/>
+                    <a:lstStyle/>
+                    <a:p>
+                      <a:pPr rtl="0">
+                        <a:buNone/>
+                      </a:pPr>
+                      <a:r>
+                        <a:rPr lang="en-US" sz="1400">
+                          <a:solidFill>
+                            <a:srgbClr val="1B1C1D"/>
+                          </a:solidFill>
+                          <a:effectLst/>
+                          <a:latin typeface="Google Sans Text"/>
+                        </a:rPr>
+                        <a:t>Controls the presentation, layout, and visual design of the application.</a:t>
+                      </a:r>
+                    </a:p>
+                  </a:txBody>
+                  <a:tcPr marL="55459" marR="55459" marT="36973" marB="36973" anchor="ctr">
+                    <a:lnL w="7620" cap="flat" cmpd="sng" algn="ctr">
+                      <a:solidFill>
+                        <a:schemeClr val="bg1"/>
+                      </a:solidFill>
+                      <a:prstDash val="solid"/>
+                      <a:round/>
+                      <a:headEnd type="none" w="med" len="med"/>
+                      <a:tailEnd type="none" w="med" len="med"/>
+                    </a:lnL>
+                    <a:lnR w="7620" cap="flat" cmpd="sng" algn="ctr">
+                      <a:solidFill>
+                        <a:schemeClr val="bg1"/>
+                      </a:solidFill>
+                      <a:prstDash val="solid"/>
+                      <a:round/>
+                      <a:headEnd type="none" w="med" len="med"/>
+                      <a:tailEnd type="none" w="med" len="med"/>
+                    </a:lnR>
+                    <a:lnT w="7620" cap="flat" cmpd="sng" algn="ctr">
+                      <a:solidFill>
+                        <a:schemeClr val="bg1"/>
+                      </a:solidFill>
+                      <a:prstDash val="solid"/>
+                      <a:round/>
+                      <a:headEnd type="none" w="med" len="med"/>
+                      <a:tailEnd type="none" w="med" len="med"/>
+                    </a:lnT>
+                    <a:lnB w="7620" cap="flat" cmpd="sng" algn="ctr">
+                      <a:solidFill>
+                        <a:schemeClr val="bg1"/>
+                      </a:solidFill>
+                      <a:prstDash val="solid"/>
+                      <a:round/>
+                      <a:headEnd type="none" w="med" len="med"/>
+                      <a:tailEnd type="none" w="med" len="med"/>
+                    </a:lnB>
+                    <a:noFill/>
+                  </a:tcPr>
+                </a:tc>
+                <a:extLst>
+                  <a:ext uri="{0D108BD9-81ED-4DB2-BD59-A6C34878D82A}">
+                    <a16:rowId xmlns:a16="http://schemas.microsoft.com/office/drawing/2014/main" val="2692844249"/>
+                  </a:ext>
+                </a:extLst>
+              </a:tr>
+              <a:tr h="2004204">
+                <a:tc>
+                  <a:txBody>
+                    <a:bodyPr/>
+                    <a:lstStyle/>
+                    <a:p>
+                      <a:pPr rtl="0">
+                        <a:buNone/>
+                      </a:pPr>
+                      <a:r>
                         <a:rPr lang="en-IN" sz="1400" b="1">
                           <a:solidFill>
                             <a:srgbClr val="1B1C1D"/>
@@ -19157,7 +20155,7 @@
                           <a:effectLst/>
                           <a:latin typeface="Google Sans Text"/>
                         </a:rPr>
-                        <a:t>CSS</a:t>
+                        <a:t>12.</a:t>
                       </a:r>
                       <a:endParaRPr lang="en-IN" sz="1400">
                         <a:solidFill>
@@ -19217,73 +20215,6 @@
                         <a:buNone/>
                       </a:pPr>
                       <a:r>
-                        <a:rPr lang="en-US" sz="1400">
-                          <a:solidFill>
-                            <a:srgbClr val="1B1C1D"/>
-                          </a:solidFill>
-                          <a:effectLst/>
-                          <a:latin typeface="Google Sans Text"/>
-                        </a:rPr>
-                        <a:t>Controls the presentation, layout, and visual design of the application.</a:t>
-                      </a:r>
-                    </a:p>
-                  </a:txBody>
-                  <a:tcPr marL="55459" marR="55459" marT="36973" marB="36973" anchor="ctr">
-                    <a:lnL w="7620" cap="flat" cmpd="sng" algn="ctr">
-                      <a:solidFill>
-                        <a:schemeClr val="bg1"/>
-                      </a:solidFill>
-                      <a:prstDash val="solid"/>
-                      <a:round/>
-                      <a:headEnd type="none" w="med" len="med"/>
-                      <a:tailEnd type="none" w="med" len="med"/>
-                    </a:lnL>
-                    <a:lnR w="7620" cap="flat" cmpd="sng" algn="ctr">
-                      <a:solidFill>
-                        <a:schemeClr val="bg1"/>
-                      </a:solidFill>
-                      <a:prstDash val="solid"/>
-                      <a:round/>
-                      <a:headEnd type="none" w="med" len="med"/>
-                      <a:tailEnd type="none" w="med" len="med"/>
-                    </a:lnR>
-                    <a:lnT w="7620" cap="flat" cmpd="sng" algn="ctr">
-                      <a:solidFill>
-                        <a:schemeClr val="bg1"/>
-                      </a:solidFill>
-                      <a:prstDash val="solid"/>
-                      <a:round/>
-                      <a:headEnd type="none" w="med" len="med"/>
-                      <a:tailEnd type="none" w="med" len="med"/>
-                    </a:lnT>
-                    <a:lnB w="7620" cap="flat" cmpd="sng" algn="ctr">
-                      <a:solidFill>
-                        <a:schemeClr val="bg1"/>
-                      </a:solidFill>
-                      <a:prstDash val="solid"/>
-                      <a:round/>
-                      <a:headEnd type="none" w="med" len="med"/>
-                      <a:tailEnd type="none" w="med" len="med"/>
-                    </a:lnB>
-                    <a:noFill/>
-                  </a:tcPr>
-                </a:tc>
-                <a:extLst>
-                  <a:ext uri="{0D108BD9-81ED-4DB2-BD59-A6C34878D82A}">
-                    <a16:rowId xmlns:a16="http://schemas.microsoft.com/office/drawing/2014/main" val="2692844249"/>
-                  </a:ext>
-                </a:extLst>
-              </a:tr>
-              <a:tr h="2004204">
-                <a:tc>
-                  <a:txBody>
-                    <a:bodyPr/>
-                    <a:lstStyle/>
-                    <a:p>
-                      <a:pPr rtl="0">
-                        <a:buNone/>
-                      </a:pPr>
-                      <a:r>
                         <a:rPr lang="en-IN" sz="1400" b="1">
                           <a:solidFill>
                             <a:srgbClr val="1B1C1D"/>
@@ -19291,7 +20222,7 @@
                           <a:effectLst/>
                           <a:latin typeface="Google Sans Text"/>
                         </a:rPr>
-                        <a:t>12.</a:t>
+                        <a:t>Client-side Logic</a:t>
                       </a:r>
                       <a:endParaRPr lang="en-IN" sz="1400">
                         <a:solidFill>
@@ -19351,74 +20282,7 @@
                         <a:buNone/>
                       </a:pPr>
                       <a:r>
-                        <a:rPr lang="en-IN" sz="1400" b="1">
-                          <a:solidFill>
-                            <a:srgbClr val="1B1C1D"/>
-                          </a:solidFill>
-                          <a:effectLst/>
-                          <a:latin typeface="Google Sans Text"/>
-                        </a:rPr>
-                        <a:t>Client-side Logic</a:t>
-                      </a:r>
-                      <a:endParaRPr lang="en-IN" sz="1400">
-                        <a:solidFill>
-                          <a:srgbClr val="1B1C1D"/>
-                        </a:solidFill>
-                        <a:effectLst/>
-                        <a:latin typeface="Google Sans Text"/>
-                      </a:endParaRPr>
-                    </a:p>
-                  </a:txBody>
-                  <a:tcPr marL="55459" marR="55459" marT="36973" marB="36973" anchor="ctr">
-                    <a:lnL w="7620" cap="flat" cmpd="sng" algn="ctr">
-                      <a:solidFill>
-                        <a:schemeClr val="bg1"/>
-                      </a:solidFill>
-                      <a:prstDash val="solid"/>
-                      <a:round/>
-                      <a:headEnd type="none" w="med" len="med"/>
-                      <a:tailEnd type="none" w="med" len="med"/>
-                    </a:lnL>
-                    <a:lnR w="7620" cap="flat" cmpd="sng" algn="ctr">
-                      <a:solidFill>
-                        <a:schemeClr val="bg1"/>
-                      </a:solidFill>
-                      <a:prstDash val="solid"/>
-                      <a:round/>
-                      <a:headEnd type="none" w="med" len="med"/>
-                      <a:tailEnd type="none" w="med" len="med"/>
-                    </a:lnR>
-                    <a:lnT w="7620" cap="flat" cmpd="sng" algn="ctr">
-                      <a:solidFill>
-                        <a:schemeClr val="bg1"/>
-                      </a:solidFill>
-                      <a:prstDash val="solid"/>
-                      <a:round/>
-                      <a:headEnd type="none" w="med" len="med"/>
-                      <a:tailEnd type="none" w="med" len="med"/>
-                    </a:lnT>
-                    <a:lnB w="7620" cap="flat" cmpd="sng" algn="ctr">
-                      <a:solidFill>
-                        <a:schemeClr val="bg1"/>
-                      </a:solidFill>
-                      <a:prstDash val="solid"/>
-                      <a:round/>
-                      <a:headEnd type="none" w="med" len="med"/>
-                      <a:tailEnd type="none" w="med" len="med"/>
-                    </a:lnB>
-                    <a:noFill/>
-                  </a:tcPr>
-                </a:tc>
-                <a:tc>
-                  <a:txBody>
-                    <a:bodyPr/>
-                    <a:lstStyle/>
-                    <a:p>
-                      <a:pPr rtl="0">
-                        <a:buNone/>
-                      </a:pPr>
-                      <a:r>
-                        <a:rPr lang="en-IN" sz="1400" b="1">
+                        <a:rPr lang="en-IN" sz="1400" b="1" dirty="0">
                           <a:solidFill>
                             <a:srgbClr val="1B1C1D"/>
                           </a:solidFill>
@@ -19428,7 +20292,7 @@
                         <a:t>JavaScript</a:t>
                       </a:r>
                       <a:r>
-                        <a:rPr lang="en-IN" sz="1400">
+                        <a:rPr lang="en-IN" sz="1400" dirty="0">
                           <a:solidFill>
                             <a:srgbClr val="1B1C1D"/>
                           </a:solidFill>
@@ -19589,6 +20453,42 @@
           </a:graphicData>
         </a:graphic>
       </p:graphicFrame>
+      <p:pic>
+        <p:nvPicPr>
+          <p:cNvPr id="4" name="Picture 3" descr="A close up of a logo&#10;&#10;AI-generated content may be incorrect.">
+            <a:extLst>
+              <a:ext uri="{FF2B5EF4-FFF2-40B4-BE49-F238E27FC236}">
+                <a16:creationId xmlns:a16="http://schemas.microsoft.com/office/drawing/2014/main" id="{82BA80E5-EE1D-A4D6-58FE-19488406448C}"/>
+              </a:ext>
+            </a:extLst>
+          </p:cNvPr>
+          <p:cNvPicPr>
+            <a:picLocks noChangeAspect="1"/>
+          </p:cNvPicPr>
+          <p:nvPr/>
+        </p:nvPicPr>
+        <p:blipFill>
+          <a:blip r:embed="rId2">
+            <a:extLst>
+              <a:ext uri="{28A0092B-C50C-407E-A947-70E740481C1C}">
+                <a14:useLocalDpi xmlns:a14="http://schemas.microsoft.com/office/drawing/2010/main" val="0"/>
+              </a:ext>
+            </a:extLst>
+          </a:blip>
+          <a:stretch>
+            <a:fillRect/>
+          </a:stretch>
+        </p:blipFill>
+        <p:spPr>
+          <a:xfrm>
+            <a:off x="9536707" y="251205"/>
+            <a:ext cx="2218347" cy="686140"/>
+          </a:xfrm>
+          <a:prstGeom prst="rect">
+            <a:avLst/>
+          </a:prstGeom>
+        </p:spPr>
+      </p:pic>
     </p:spTree>
     <p:extLst>
       <p:ext uri="{BB962C8B-B14F-4D97-AF65-F5344CB8AC3E}">
@@ -19670,7 +20570,7 @@
         </p:nvSpPr>
         <p:spPr>
           <a:xfrm>
-            <a:off x="1848465" y="914400"/>
+            <a:off x="1848465" y="1087120"/>
             <a:ext cx="9478296" cy="3970318"/>
           </a:xfrm>
           <a:prstGeom prst="rect">
@@ -19776,6 +20676,42 @@
           </a:p>
         </p:txBody>
       </p:sp>
+      <p:pic>
+        <p:nvPicPr>
+          <p:cNvPr id="4" name="Picture 3" descr="A close up of a logo&#10;&#10;AI-generated content may be incorrect.">
+            <a:extLst>
+              <a:ext uri="{FF2B5EF4-FFF2-40B4-BE49-F238E27FC236}">
+                <a16:creationId xmlns:a16="http://schemas.microsoft.com/office/drawing/2014/main" id="{551ACC4C-52AA-A441-AAAF-0001E1044CA2}"/>
+              </a:ext>
+            </a:extLst>
+          </p:cNvPr>
+          <p:cNvPicPr>
+            <a:picLocks noChangeAspect="1"/>
+          </p:cNvPicPr>
+          <p:nvPr/>
+        </p:nvPicPr>
+        <p:blipFill>
+          <a:blip r:embed="rId2">
+            <a:extLst>
+              <a:ext uri="{28A0092B-C50C-407E-A947-70E740481C1C}">
+                <a14:useLocalDpi xmlns:a14="http://schemas.microsoft.com/office/drawing/2010/main" val="0"/>
+              </a:ext>
+            </a:extLst>
+          </a:blip>
+          <a:stretch>
+            <a:fillRect/>
+          </a:stretch>
+        </p:blipFill>
+        <p:spPr>
+          <a:xfrm>
+            <a:off x="9536707" y="251205"/>
+            <a:ext cx="2218347" cy="686140"/>
+          </a:xfrm>
+          <a:prstGeom prst="rect">
+            <a:avLst/>
+          </a:prstGeom>
+        </p:spPr>
+      </p:pic>
     </p:spTree>
     <p:extLst>
       <p:ext uri="{BB962C8B-B14F-4D97-AF65-F5344CB8AC3E}">
@@ -19820,7 +20756,7 @@
         </p:nvSpPr>
         <p:spPr>
           <a:xfrm>
-            <a:off x="2871019" y="176980"/>
+            <a:off x="2708459" y="176980"/>
             <a:ext cx="8455742" cy="646331"/>
           </a:xfrm>
           <a:prstGeom prst="rect">
@@ -19865,7 +20801,7 @@
         </p:nvSpPr>
         <p:spPr>
           <a:xfrm>
-            <a:off x="1720645" y="693796"/>
+            <a:off x="1720645" y="764916"/>
             <a:ext cx="10471355" cy="6311689"/>
           </a:xfrm>
           <a:prstGeom prst="rect">
@@ -20007,6 +20943,42 @@
           </a:p>
         </p:txBody>
       </p:sp>
+      <p:pic>
+        <p:nvPicPr>
+          <p:cNvPr id="4" name="Picture 3" descr="A close up of a logo&#10;&#10;AI-generated content may be incorrect.">
+            <a:extLst>
+              <a:ext uri="{FF2B5EF4-FFF2-40B4-BE49-F238E27FC236}">
+                <a16:creationId xmlns:a16="http://schemas.microsoft.com/office/drawing/2014/main" id="{97F126BB-1029-A411-B190-75BE28879DC3}"/>
+              </a:ext>
+            </a:extLst>
+          </p:cNvPr>
+          <p:cNvPicPr>
+            <a:picLocks noChangeAspect="1"/>
+          </p:cNvPicPr>
+          <p:nvPr/>
+        </p:nvPicPr>
+        <p:blipFill>
+          <a:blip r:embed="rId2">
+            <a:extLst>
+              <a:ext uri="{28A0092B-C50C-407E-A947-70E740481C1C}">
+                <a14:useLocalDpi xmlns:a14="http://schemas.microsoft.com/office/drawing/2010/main" val="0"/>
+              </a:ext>
+            </a:extLst>
+          </a:blip>
+          <a:stretch>
+            <a:fillRect/>
+          </a:stretch>
+        </p:blipFill>
+        <p:spPr>
+          <a:xfrm>
+            <a:off x="9536707" y="251205"/>
+            <a:ext cx="2218347" cy="686140"/>
+          </a:xfrm>
+          <a:prstGeom prst="rect">
+            <a:avLst/>
+          </a:prstGeom>
+        </p:spPr>
+      </p:pic>
     </p:spTree>
     <p:extLst>
       <p:ext uri="{BB962C8B-B14F-4D97-AF65-F5344CB8AC3E}">
@@ -20309,6 +21281,42 @@
           </a:p>
         </p:txBody>
       </p:sp>
+      <p:pic>
+        <p:nvPicPr>
+          <p:cNvPr id="4" name="Picture 3" descr="A close up of a logo&#10;&#10;AI-generated content may be incorrect.">
+            <a:extLst>
+              <a:ext uri="{FF2B5EF4-FFF2-40B4-BE49-F238E27FC236}">
+                <a16:creationId xmlns:a16="http://schemas.microsoft.com/office/drawing/2014/main" id="{E05902EA-E524-75DB-B55E-0BC7D627ADFC}"/>
+              </a:ext>
+            </a:extLst>
+          </p:cNvPr>
+          <p:cNvPicPr>
+            <a:picLocks noChangeAspect="1"/>
+          </p:cNvPicPr>
+          <p:nvPr/>
+        </p:nvPicPr>
+        <p:blipFill>
+          <a:blip r:embed="rId2">
+            <a:extLst>
+              <a:ext uri="{28A0092B-C50C-407E-A947-70E740481C1C}">
+                <a14:useLocalDpi xmlns:a14="http://schemas.microsoft.com/office/drawing/2010/main" val="0"/>
+              </a:ext>
+            </a:extLst>
+          </a:blip>
+          <a:stretch>
+            <a:fillRect/>
+          </a:stretch>
+        </p:blipFill>
+        <p:spPr>
+          <a:xfrm>
+            <a:off x="9536707" y="251205"/>
+            <a:ext cx="2218347" cy="686140"/>
+          </a:xfrm>
+          <a:prstGeom prst="rect">
+            <a:avLst/>
+          </a:prstGeom>
+        </p:spPr>
+      </p:pic>
     </p:spTree>
     <p:extLst>
       <p:ext uri="{BB962C8B-B14F-4D97-AF65-F5344CB8AC3E}">
